--- a/Presentation/theDAM_presentation.pptx
+++ b/Presentation/theDAM_presentation.pptx
@@ -6,6 +6,7 @@
   </p:sldMasterIdLst>
   <p:sldIdLst>
     <p:sldId id="256" r:id="rId2"/>
+    <p:sldId id="257" r:id="rId3"/>
   </p:sldIdLst>
   <p:sldSz cx="12192000" cy="6858000"/>
   <p:notesSz cx="6858000" cy="9144000"/>
@@ -104,6 +105,11 @@
       </a:defRPr>
     </a:lvl9pPr>
   </p:defaultTextStyle>
+  <p:extLst>
+    <p:ext uri="{EFAFB233-063F-42B5-8137-9DF3F51BA10A}">
+      <p15:sldGuideLst xmlns:p15="http://schemas.microsoft.com/office/powerpoint/2012/main"/>
+    </p:ext>
+  </p:extLst>
 </p:presentation>
 </file>
 
@@ -3342,7 +3348,7 @@
           <a:bodyPr/>
           <a:lstStyle/>
           <a:p>
-            <a:endParaRPr lang="en-US"/>
+            <a:endParaRPr lang="en-US" dirty="0"/>
           </a:p>
         </p:txBody>
       </p:sp>
@@ -3375,6 +3381,86 @@
     <p:extLst>
       <p:ext uri="{BB962C8B-B14F-4D97-AF65-F5344CB8AC3E}">
         <p14:creationId xmlns:p14="http://schemas.microsoft.com/office/powerpoint/2010/main" val="2754023352"/>
+      </p:ext>
+    </p:extLst>
+  </p:cSld>
+  <p:clrMapOvr>
+    <a:masterClrMapping/>
+  </p:clrMapOvr>
+</p:sld>
+</file>
+
+<file path=ppt/slides/slide2.xml><?xml version="1.0" encoding="utf-8"?>
+<p:sld xmlns:a="http://schemas.openxmlformats.org/drawingml/2006/main" xmlns:r="http://schemas.openxmlformats.org/officeDocument/2006/relationships" xmlns:p="http://schemas.openxmlformats.org/presentationml/2006/main">
+  <p:cSld>
+    <p:spTree>
+      <p:nvGrpSpPr>
+        <p:cNvPr id="1" name=""/>
+        <p:cNvGrpSpPr/>
+        <p:nvPr/>
+      </p:nvGrpSpPr>
+      <p:grpSpPr>
+        <a:xfrm>
+          <a:off x="0" y="0"/>
+          <a:ext cx="0" cy="0"/>
+          <a:chOff x="0" y="0"/>
+          <a:chExt cx="0" cy="0"/>
+        </a:xfrm>
+      </p:grpSpPr>
+      <p:sp>
+        <p:nvSpPr>
+          <p:cNvPr id="2" name="Title 1">
+            <a:extLst>
+              <a:ext uri="{FF2B5EF4-FFF2-40B4-BE49-F238E27FC236}">
+                <a16:creationId xmlns:a16="http://schemas.microsoft.com/office/drawing/2014/main" id="{53A98428-F043-4ACD-85FE-B5DB80CEB858}"/>
+              </a:ext>
+            </a:extLst>
+          </p:cNvPr>
+          <p:cNvSpPr>
+            <a:spLocks noGrp="1"/>
+          </p:cNvSpPr>
+          <p:nvPr>
+            <p:ph type="title"/>
+          </p:nvPr>
+        </p:nvSpPr>
+        <p:spPr/>
+        <p:txBody>
+          <a:bodyPr/>
+          <a:lstStyle/>
+          <a:p>
+            <a:endParaRPr lang="en-US"/>
+          </a:p>
+        </p:txBody>
+      </p:sp>
+      <p:sp>
+        <p:nvSpPr>
+          <p:cNvPr id="3" name="Content Placeholder 2">
+            <a:extLst>
+              <a:ext uri="{FF2B5EF4-FFF2-40B4-BE49-F238E27FC236}">
+                <a16:creationId xmlns:a16="http://schemas.microsoft.com/office/drawing/2014/main" id="{A8271EDC-1364-4426-9A9B-1A78A59A57E8}"/>
+              </a:ext>
+            </a:extLst>
+          </p:cNvPr>
+          <p:cNvSpPr>
+            <a:spLocks noGrp="1"/>
+          </p:cNvSpPr>
+          <p:nvPr>
+            <p:ph idx="1"/>
+          </p:nvPr>
+        </p:nvSpPr>
+        <p:spPr/>
+        <p:txBody>
+          <a:bodyPr/>
+          <a:lstStyle/>
+          <a:p>
+            <a:endParaRPr lang="en-US"/>
+          </a:p>
+        </p:txBody>
+      </p:sp>
+    </p:spTree>
+    <p:extLst>
+      <p:ext uri="{BB962C8B-B14F-4D97-AF65-F5344CB8AC3E}">
+        <p14:creationId xmlns:p14="http://schemas.microsoft.com/office/powerpoint/2010/main" val="2738241934"/>
       </p:ext>
     </p:extLst>
   </p:cSld>

--- a/Presentation/theDAM_presentation.pptx
+++ b/Presentation/theDAM_presentation.pptx
@@ -3,10 +3,14 @@
 <p:presentation xmlns:a="http://schemas.openxmlformats.org/drawingml/2006/main" xmlns:r="http://schemas.openxmlformats.org/officeDocument/2006/relationships" xmlns:p="http://schemas.openxmlformats.org/presentationml/2006/main" saveSubsetFonts="1">
   <p:sldMasterIdLst>
     <p:sldMasterId id="2147483648" r:id="rId1"/>
+    <p:sldMasterId id="2147483671" r:id="rId2"/>
+    <p:sldMasterId id="2147483688" r:id="rId3"/>
   </p:sldMasterIdLst>
+  <p:handoutMasterIdLst>
+    <p:handoutMasterId r:id="rId5"/>
+  </p:handoutMasterIdLst>
   <p:sldIdLst>
-    <p:sldId id="256" r:id="rId2"/>
-    <p:sldId id="257" r:id="rId3"/>
+    <p:sldId id="256" r:id="rId4"/>
   </p:sldIdLst>
   <p:sldSz cx="12192000" cy="6858000"/>
   <p:notesSz cx="6858000" cy="9144000"/>
@@ -109,13 +113,41 @@
     <p:ext uri="{EFAFB233-063F-42B5-8137-9DF3F51BA10A}">
       <p15:sldGuideLst xmlns:p15="http://schemas.microsoft.com/office/powerpoint/2012/main"/>
     </p:ext>
+    <p:ext uri="{2D200454-40CA-4A62-9FC3-DE9A4176ACB9}">
+      <p15:notesGuideLst xmlns:p15="http://schemas.microsoft.com/office/powerpoint/2012/main"/>
+    </p:ext>
   </p:extLst>
 </p:presentation>
 </file>
 
-<file path=ppt/slideLayouts/slideLayout1.xml><?xml version="1.0" encoding="utf-8"?>
-<p:sldLayout xmlns:a="http://schemas.openxmlformats.org/drawingml/2006/main" xmlns:r="http://schemas.openxmlformats.org/officeDocument/2006/relationships" xmlns:p="http://schemas.openxmlformats.org/presentationml/2006/main" type="title" preserve="1">
-  <p:cSld name="Title Slide">
+<file path=ppt/commentAuthors.xml><?xml version="1.0" encoding="utf-8"?>
+<p:cmAuthorLst xmlns:a="http://schemas.openxmlformats.org/drawingml/2006/main" xmlns:r="http://schemas.openxmlformats.org/officeDocument/2006/relationships" xmlns:p="http://schemas.openxmlformats.org/presentationml/2006/main">
+  <p:cmAuthor id="1" name="Gabi Caruana" initials="GC" lastIdx="2" clrIdx="0">
+    <p:extLst>
+      <p:ext uri="{19B8F6BF-5375-455C-9EA6-DF929625EA0E}">
+        <p15:presenceInfo xmlns:p15="http://schemas.microsoft.com/office/powerpoint/2012/main" userId="S::Gabi.Caruana@rtcevents.com::844b42ec-dfe6-4e68-93a0-3974b911f2ad" providerId="AD"/>
+      </p:ext>
+    </p:extLst>
+  </p:cmAuthor>
+</p:cmAuthorLst>
+</file>
+
+<file path=ppt/revisionInfo.xml><?xml version="1.0" encoding="utf-8"?>
+<p1510:revInfo xmlns:a="http://schemas.openxmlformats.org/drawingml/2006/main" xmlns:r="http://schemas.openxmlformats.org/officeDocument/2006/relationships" xmlns:p1510="http://schemas.microsoft.com/office/powerpoint/2015/10/main">
+  <p1510:revLst>
+    <p1510:client id="{35972962-2C49-49EB-8561-EE8EED09088F}" v="5" dt="2019-07-12T16:47:38.955"/>
+  </p1510:revLst>
+</p1510:revInfo>
+</file>
+
+<file path=ppt/handoutMasters/handoutMaster1.xml><?xml version="1.0" encoding="utf-8"?>
+<p:handoutMaster xmlns:a="http://schemas.openxmlformats.org/drawingml/2006/main" xmlns:r="http://schemas.openxmlformats.org/officeDocument/2006/relationships" xmlns:p="http://schemas.openxmlformats.org/presentationml/2006/main">
+  <p:cSld>
+    <p:bg>
+      <p:bgRef idx="1001">
+        <a:schemeClr val="bg1"/>
+      </p:bgRef>
+    </p:bg>
     <p:spTree>
       <p:nvGrpSpPr>
         <p:cNvPr id="1" name=""/>
@@ -132,133 +164,75 @@
       </p:grpSpPr>
       <p:sp>
         <p:nvSpPr>
-          <p:cNvPr id="2" name="Title 1">
-            <a:extLst>
-              <a:ext uri="{FF2B5EF4-FFF2-40B4-BE49-F238E27FC236}">
-                <a16:creationId xmlns:a16="http://schemas.microsoft.com/office/drawing/2014/main" id="{786F20C5-AAEF-42A5-8864-904CAB3ABD8E}"/>
-              </a:ext>
-            </a:extLst>
-          </p:cNvPr>
-          <p:cNvSpPr>
-            <a:spLocks noGrp="1"/>
-          </p:cNvSpPr>
-          <p:nvPr>
-            <p:ph type="ctrTitle"/>
+          <p:cNvPr id="2" name="Header Placeholder 1">
+            <a:extLst>
+              <a:ext uri="{FF2B5EF4-FFF2-40B4-BE49-F238E27FC236}">
+                <a16:creationId xmlns:a16="http://schemas.microsoft.com/office/drawing/2014/main" id="{7A53697D-5366-43F0-B634-44094B313008}"/>
+              </a:ext>
+            </a:extLst>
+          </p:cNvPr>
+          <p:cNvSpPr>
+            <a:spLocks noGrp="1"/>
+          </p:cNvSpPr>
+          <p:nvPr>
+            <p:ph type="hdr" sz="quarter"/>
           </p:nvPr>
         </p:nvSpPr>
         <p:spPr>
           <a:xfrm>
-            <a:off x="1524000" y="1122363"/>
-            <a:ext cx="9144000" cy="2387600"/>
+            <a:off x="0" y="0"/>
+            <a:ext cx="2971800" cy="458788"/>
           </a:xfrm>
+          <a:prstGeom prst="rect">
+            <a:avLst/>
+          </a:prstGeom>
         </p:spPr>
         <p:txBody>
-          <a:bodyPr anchor="b"/>
+          <a:bodyPr vert="horz" lIns="91440" tIns="45720" rIns="91440" bIns="45720" rtlCol="0"/>
           <a:lstStyle>
-            <a:lvl1pPr algn="ctr">
-              <a:defRPr sz="6000"/>
+            <a:lvl1pPr algn="l">
+              <a:defRPr sz="1200"/>
             </a:lvl1pPr>
           </a:lstStyle>
           <a:p>
-            <a:r>
-              <a:rPr lang="en-US"/>
-              <a:t>Click to edit Master title style</a:t>
-            </a:r>
-          </a:p>
-        </p:txBody>
-      </p:sp>
-      <p:sp>
-        <p:nvSpPr>
-          <p:cNvPr id="3" name="Subtitle 2">
-            <a:extLst>
-              <a:ext uri="{FF2B5EF4-FFF2-40B4-BE49-F238E27FC236}">
-                <a16:creationId xmlns:a16="http://schemas.microsoft.com/office/drawing/2014/main" id="{B4687D72-37F1-4FE0-B407-E52AD8A0633F}"/>
-              </a:ext>
-            </a:extLst>
-          </p:cNvPr>
-          <p:cNvSpPr>
-            <a:spLocks noGrp="1"/>
-          </p:cNvSpPr>
-          <p:nvPr>
-            <p:ph type="subTitle" idx="1"/>
+            <a:endParaRPr lang="en-US"/>
+          </a:p>
+        </p:txBody>
+      </p:sp>
+      <p:sp>
+        <p:nvSpPr>
+          <p:cNvPr id="3" name="Date Placeholder 2">
+            <a:extLst>
+              <a:ext uri="{FF2B5EF4-FFF2-40B4-BE49-F238E27FC236}">
+                <a16:creationId xmlns:a16="http://schemas.microsoft.com/office/drawing/2014/main" id="{CD9B6D05-A2E0-411D-BB2B-AF64B410A227}"/>
+              </a:ext>
+            </a:extLst>
+          </p:cNvPr>
+          <p:cNvSpPr>
+            <a:spLocks noGrp="1"/>
+          </p:cNvSpPr>
+          <p:nvPr>
+            <p:ph type="dt" sz="quarter" idx="1"/>
           </p:nvPr>
         </p:nvSpPr>
         <p:spPr>
           <a:xfrm>
-            <a:off x="1524000" y="3602038"/>
-            <a:ext cx="9144000" cy="1655762"/>
+            <a:off x="3884613" y="0"/>
+            <a:ext cx="2971800" cy="458788"/>
           </a:xfrm>
+          <a:prstGeom prst="rect">
+            <a:avLst/>
+          </a:prstGeom>
         </p:spPr>
         <p:txBody>
-          <a:bodyPr/>
+          <a:bodyPr vert="horz" lIns="91440" tIns="45720" rIns="91440" bIns="45720" rtlCol="0"/>
           <a:lstStyle>
-            <a:lvl1pPr marL="0" indent="0" algn="ctr">
-              <a:buNone/>
-              <a:defRPr sz="2400"/>
+            <a:lvl1pPr algn="r">
+              <a:defRPr sz="1200"/>
             </a:lvl1pPr>
-            <a:lvl2pPr marL="457200" indent="0" algn="ctr">
-              <a:buNone/>
-              <a:defRPr sz="2000"/>
-            </a:lvl2pPr>
-            <a:lvl3pPr marL="914400" indent="0" algn="ctr">
-              <a:buNone/>
-              <a:defRPr sz="1800"/>
-            </a:lvl3pPr>
-            <a:lvl4pPr marL="1371600" indent="0" algn="ctr">
-              <a:buNone/>
-              <a:defRPr sz="1600"/>
-            </a:lvl4pPr>
-            <a:lvl5pPr marL="1828800" indent="0" algn="ctr">
-              <a:buNone/>
-              <a:defRPr sz="1600"/>
-            </a:lvl5pPr>
-            <a:lvl6pPr marL="2286000" indent="0" algn="ctr">
-              <a:buNone/>
-              <a:defRPr sz="1600"/>
-            </a:lvl6pPr>
-            <a:lvl7pPr marL="2743200" indent="0" algn="ctr">
-              <a:buNone/>
-              <a:defRPr sz="1600"/>
-            </a:lvl7pPr>
-            <a:lvl8pPr marL="3200400" indent="0" algn="ctr">
-              <a:buNone/>
-              <a:defRPr sz="1600"/>
-            </a:lvl8pPr>
-            <a:lvl9pPr marL="3657600" indent="0" algn="ctr">
-              <a:buNone/>
-              <a:defRPr sz="1600"/>
-            </a:lvl9pPr>
           </a:lstStyle>
           <a:p>
-            <a:r>
-              <a:rPr lang="en-US"/>
-              <a:t>Click to edit Master subtitle style</a:t>
-            </a:r>
-          </a:p>
-        </p:txBody>
-      </p:sp>
-      <p:sp>
-        <p:nvSpPr>
-          <p:cNvPr id="4" name="Date Placeholder 3">
-            <a:extLst>
-              <a:ext uri="{FF2B5EF4-FFF2-40B4-BE49-F238E27FC236}">
-                <a16:creationId xmlns:a16="http://schemas.microsoft.com/office/drawing/2014/main" id="{0DB65F2D-BF36-42FE-93EA-001DC808AD35}"/>
-              </a:ext>
-            </a:extLst>
-          </p:cNvPr>
-          <p:cNvSpPr>
-            <a:spLocks noGrp="1"/>
-          </p:cNvSpPr>
-          <p:nvPr>
-            <p:ph type="dt" sz="half" idx="10"/>
-          </p:nvPr>
-        </p:nvSpPr>
-        <p:spPr/>
-        <p:txBody>
-          <a:bodyPr/>
-          <a:lstStyle/>
-          <a:p>
-            <a:fld id="{44A53013-1A0E-4E68-9D19-244B4260222B}" type="datetimeFigureOut">
+            <a:fld id="{9B5B0ABD-093B-4BA1-85AA-04D047FDDE61}" type="datetimeFigureOut">
               <a:rPr lang="en-US" smtClean="0"/>
               <a:t>7/15/2019</a:t>
             </a:fld>
@@ -268,24 +242,36 @@
       </p:sp>
       <p:sp>
         <p:nvSpPr>
-          <p:cNvPr id="5" name="Footer Placeholder 4">
-            <a:extLst>
-              <a:ext uri="{FF2B5EF4-FFF2-40B4-BE49-F238E27FC236}">
-                <a16:creationId xmlns:a16="http://schemas.microsoft.com/office/drawing/2014/main" id="{96148524-3D4F-4412-A9F0-B9971A8C754D}"/>
-              </a:ext>
-            </a:extLst>
-          </p:cNvPr>
-          <p:cNvSpPr>
-            <a:spLocks noGrp="1"/>
-          </p:cNvSpPr>
-          <p:nvPr>
-            <p:ph type="ftr" sz="quarter" idx="11"/>
-          </p:nvPr>
-        </p:nvSpPr>
-        <p:spPr/>
-        <p:txBody>
-          <a:bodyPr/>
-          <a:lstStyle/>
+          <p:cNvPr id="4" name="Footer Placeholder 3">
+            <a:extLst>
+              <a:ext uri="{FF2B5EF4-FFF2-40B4-BE49-F238E27FC236}">
+                <a16:creationId xmlns:a16="http://schemas.microsoft.com/office/drawing/2014/main" id="{D633A89C-13F4-4F91-A7DC-F8A1CFA5D758}"/>
+              </a:ext>
+            </a:extLst>
+          </p:cNvPr>
+          <p:cNvSpPr>
+            <a:spLocks noGrp="1"/>
+          </p:cNvSpPr>
+          <p:nvPr>
+            <p:ph type="ftr" sz="quarter" idx="2"/>
+          </p:nvPr>
+        </p:nvSpPr>
+        <p:spPr>
+          <a:xfrm>
+            <a:off x="0" y="8685213"/>
+            <a:ext cx="2971800" cy="458787"/>
+          </a:xfrm>
+          <a:prstGeom prst="rect">
+            <a:avLst/>
+          </a:prstGeom>
+        </p:spPr>
+        <p:txBody>
+          <a:bodyPr vert="horz" lIns="91440" tIns="45720" rIns="91440" bIns="45720" rtlCol="0" anchor="b"/>
+          <a:lstStyle>
+            <a:lvl1pPr algn="l">
+              <a:defRPr sz="1200"/>
+            </a:lvl1pPr>
+          </a:lstStyle>
           <a:p>
             <a:endParaRPr lang="en-US"/>
           </a:p>
@@ -293,26 +279,38 @@
       </p:sp>
       <p:sp>
         <p:nvSpPr>
-          <p:cNvPr id="6" name="Slide Number Placeholder 5">
-            <a:extLst>
-              <a:ext uri="{FF2B5EF4-FFF2-40B4-BE49-F238E27FC236}">
-                <a16:creationId xmlns:a16="http://schemas.microsoft.com/office/drawing/2014/main" id="{31A6D2F4-A92D-4308-BC13-DBA476D6C138}"/>
-              </a:ext>
-            </a:extLst>
-          </p:cNvPr>
-          <p:cNvSpPr>
-            <a:spLocks noGrp="1"/>
-          </p:cNvSpPr>
-          <p:nvPr>
-            <p:ph type="sldNum" sz="quarter" idx="12"/>
-          </p:nvPr>
-        </p:nvSpPr>
-        <p:spPr/>
-        <p:txBody>
-          <a:bodyPr/>
-          <a:lstStyle/>
-          <a:p>
-            <a:fld id="{FC9874BA-1FDF-46C3-9DF1-0CB858519E96}" type="slidenum">
+          <p:cNvPr id="5" name="Slide Number Placeholder 4">
+            <a:extLst>
+              <a:ext uri="{FF2B5EF4-FFF2-40B4-BE49-F238E27FC236}">
+                <a16:creationId xmlns:a16="http://schemas.microsoft.com/office/drawing/2014/main" id="{62F706BF-2C93-47DD-B005-791DE49FD1EA}"/>
+              </a:ext>
+            </a:extLst>
+          </p:cNvPr>
+          <p:cNvSpPr>
+            <a:spLocks noGrp="1"/>
+          </p:cNvSpPr>
+          <p:nvPr>
+            <p:ph type="sldNum" sz="quarter" idx="3"/>
+          </p:nvPr>
+        </p:nvSpPr>
+        <p:spPr>
+          <a:xfrm>
+            <a:off x="3884613" y="8685213"/>
+            <a:ext cx="2971800" cy="458787"/>
+          </a:xfrm>
+          <a:prstGeom prst="rect">
+            <a:avLst/>
+          </a:prstGeom>
+        </p:spPr>
+        <p:txBody>
+          <a:bodyPr vert="horz" lIns="91440" tIns="45720" rIns="91440" bIns="45720" rtlCol="0" anchor="b"/>
+          <a:lstStyle>
+            <a:lvl1pPr algn="r">
+              <a:defRPr sz="1200"/>
+            </a:lvl1pPr>
+          </a:lstStyle>
+          <a:p>
+            <a:fld id="{A5558236-FFFD-44C7-8AE0-7DC8215B8CA1}" type="slidenum">
               <a:rPr lang="en-US" smtClean="0"/>
               <a:t>‹#›</a:t>
             </a:fld>
@@ -323,7 +321,473 @@
     </p:spTree>
     <p:extLst>
       <p:ext uri="{BB962C8B-B14F-4D97-AF65-F5344CB8AC3E}">
-        <p14:creationId xmlns:p14="http://schemas.microsoft.com/office/powerpoint/2010/main" val="53600843"/>
+        <p14:creationId xmlns:p14="http://schemas.microsoft.com/office/powerpoint/2010/main" val="213922011"/>
+      </p:ext>
+    </p:extLst>
+  </p:cSld>
+  <p:clrMap bg1="lt1" tx1="dk1" bg2="lt2" tx2="dk2" accent1="accent1" accent2="accent2" accent3="accent3" accent4="accent4" accent5="accent5" accent6="accent6" hlink="hlink" folHlink="folHlink"/>
+</p:handoutMaster>
+</file>
+
+<file path=ppt/slideLayouts/slideLayout1.xml><?xml version="1.0" encoding="utf-8"?>
+<p:sldLayout xmlns:a="http://schemas.openxmlformats.org/drawingml/2006/main" xmlns:r="http://schemas.openxmlformats.org/officeDocument/2006/relationships" xmlns:p="http://schemas.openxmlformats.org/presentationml/2006/main" showMasterSp="0" preserve="1" userDrawn="1">
+  <p:cSld name="Title Slide">
+    <p:bg>
+      <p:bgPr>
+        <a:blipFill dpi="0" rotWithShape="1">
+          <a:blip r:embed="rId2">
+            <a:lum/>
+          </a:blip>
+          <a:srcRect/>
+          <a:stretch>
+            <a:fillRect/>
+          </a:stretch>
+        </a:blipFill>
+        <a:effectLst/>
+      </p:bgPr>
+    </p:bg>
+    <p:spTree>
+      <p:nvGrpSpPr>
+        <p:cNvPr id="1" name=""/>
+        <p:cNvGrpSpPr/>
+        <p:nvPr/>
+      </p:nvGrpSpPr>
+      <p:grpSpPr>
+        <a:xfrm>
+          <a:off x="0" y="0"/>
+          <a:ext cx="0" cy="0"/>
+          <a:chOff x="0" y="0"/>
+          <a:chExt cx="0" cy="0"/>
+        </a:xfrm>
+      </p:grpSpPr>
+      <p:pic>
+        <p:nvPicPr>
+          <p:cNvPr id="6" name="Picture 5" descr="A close up of a logo&#10;&#10;Description automatically generated">
+            <a:extLst>
+              <a:ext uri="{FF2B5EF4-FFF2-40B4-BE49-F238E27FC236}">
+                <a16:creationId xmlns:a16="http://schemas.microsoft.com/office/drawing/2014/main" id="{E4FBE1B8-4AC9-4498-8BC7-C6895D5FCA0A}"/>
+              </a:ext>
+            </a:extLst>
+          </p:cNvPr>
+          <p:cNvPicPr>
+            <a:picLocks noChangeAspect="1"/>
+          </p:cNvPicPr>
+          <p:nvPr userDrawn="1"/>
+        </p:nvPicPr>
+        <p:blipFill>
+          <a:blip r:embed="rId3">
+            <a:extLst>
+              <a:ext uri="{28A0092B-C50C-407E-A947-70E740481C1C}">
+                <a14:useLocalDpi xmlns:a14="http://schemas.microsoft.com/office/drawing/2010/main" val="0"/>
+              </a:ext>
+            </a:extLst>
+          </a:blip>
+          <a:stretch>
+            <a:fillRect/>
+          </a:stretch>
+        </p:blipFill>
+        <p:spPr>
+          <a:xfrm>
+            <a:off x="5195035" y="5605703"/>
+            <a:ext cx="728529" cy="728820"/>
+          </a:xfrm>
+          <a:prstGeom prst="rect">
+            <a:avLst/>
+          </a:prstGeom>
+        </p:spPr>
+      </p:pic>
+      <p:pic>
+        <p:nvPicPr>
+          <p:cNvPr id="14" name="Picture 13" descr="A clock on the wall&#10;&#10;Description automatically generated">
+            <a:extLst>
+              <a:ext uri="{FF2B5EF4-FFF2-40B4-BE49-F238E27FC236}">
+                <a16:creationId xmlns:a16="http://schemas.microsoft.com/office/drawing/2014/main" id="{FC86557F-039A-420F-BCA5-6BFE78C4890C}"/>
+              </a:ext>
+            </a:extLst>
+          </p:cNvPr>
+          <p:cNvPicPr>
+            <a:picLocks noChangeAspect="1"/>
+          </p:cNvPicPr>
+          <p:nvPr userDrawn="1"/>
+        </p:nvPicPr>
+        <p:blipFill>
+          <a:blip r:embed="rId4">
+            <a:extLst>
+              <a:ext uri="{28A0092B-C50C-407E-A947-70E740481C1C}">
+                <a14:useLocalDpi xmlns:a14="http://schemas.microsoft.com/office/drawing/2010/main" val="0"/>
+              </a:ext>
+            </a:extLst>
+          </a:blip>
+          <a:stretch>
+            <a:fillRect/>
+          </a:stretch>
+        </p:blipFill>
+        <p:spPr>
+          <a:xfrm>
+            <a:off x="4364991" y="5751473"/>
+            <a:ext cx="739722" cy="455465"/>
+          </a:xfrm>
+          <a:prstGeom prst="rect">
+            <a:avLst/>
+          </a:prstGeom>
+        </p:spPr>
+      </p:pic>
+      <p:pic>
+        <p:nvPicPr>
+          <p:cNvPr id="19" name="Picture 18" descr="A close up of a sign&#10;&#10;Description automatically generated">
+            <a:extLst>
+              <a:ext uri="{FF2B5EF4-FFF2-40B4-BE49-F238E27FC236}">
+                <a16:creationId xmlns:a16="http://schemas.microsoft.com/office/drawing/2014/main" id="{03CC56B5-3EE5-423A-B270-FEE3465251D5}"/>
+              </a:ext>
+            </a:extLst>
+          </p:cNvPr>
+          <p:cNvPicPr>
+            <a:picLocks noChangeAspect="1"/>
+          </p:cNvPicPr>
+          <p:nvPr userDrawn="1"/>
+        </p:nvPicPr>
+        <p:blipFill>
+          <a:blip r:embed="rId5">
+            <a:extLst>
+              <a:ext uri="{28A0092B-C50C-407E-A947-70E740481C1C}">
+                <a14:useLocalDpi xmlns:a14="http://schemas.microsoft.com/office/drawing/2010/main" val="0"/>
+              </a:ext>
+            </a:extLst>
+          </a:blip>
+          <a:stretch>
+            <a:fillRect/>
+          </a:stretch>
+        </p:blipFill>
+        <p:spPr>
+          <a:xfrm>
+            <a:off x="3284396" y="5729841"/>
+            <a:ext cx="930591" cy="657699"/>
+          </a:xfrm>
+          <a:prstGeom prst="rect">
+            <a:avLst/>
+          </a:prstGeom>
+        </p:spPr>
+      </p:pic>
+      <p:pic>
+        <p:nvPicPr>
+          <p:cNvPr id="21" name="Picture 20">
+            <a:extLst>
+              <a:ext uri="{FF2B5EF4-FFF2-40B4-BE49-F238E27FC236}">
+                <a16:creationId xmlns:a16="http://schemas.microsoft.com/office/drawing/2014/main" id="{C7FE68B1-2B32-4A6A-BE99-E7F840576757}"/>
+              </a:ext>
+            </a:extLst>
+          </p:cNvPr>
+          <p:cNvPicPr>
+            <a:picLocks noChangeAspect="1"/>
+          </p:cNvPicPr>
+          <p:nvPr userDrawn="1"/>
+        </p:nvPicPr>
+        <p:blipFill>
+          <a:blip r:embed="rId6"/>
+          <a:stretch>
+            <a:fillRect/>
+          </a:stretch>
+        </p:blipFill>
+        <p:spPr>
+          <a:xfrm>
+            <a:off x="1056706" y="6453321"/>
+            <a:ext cx="8116003" cy="259102"/>
+          </a:xfrm>
+          <a:prstGeom prst="rect">
+            <a:avLst/>
+          </a:prstGeom>
+        </p:spPr>
+      </p:pic>
+      <p:pic>
+        <p:nvPicPr>
+          <p:cNvPr id="25" name="Picture 24">
+            <a:extLst>
+              <a:ext uri="{FF2B5EF4-FFF2-40B4-BE49-F238E27FC236}">
+                <a16:creationId xmlns:a16="http://schemas.microsoft.com/office/drawing/2014/main" id="{15D77168-B824-4988-A700-23109A4B084D}"/>
+              </a:ext>
+            </a:extLst>
+          </p:cNvPr>
+          <p:cNvPicPr>
+            <a:picLocks noChangeAspect="1"/>
+          </p:cNvPicPr>
+          <p:nvPr userDrawn="1"/>
+        </p:nvPicPr>
+        <p:blipFill>
+          <a:blip r:embed="rId7"/>
+          <a:stretch>
+            <a:fillRect/>
+          </a:stretch>
+        </p:blipFill>
+        <p:spPr>
+          <a:xfrm>
+            <a:off x="1164652" y="6543583"/>
+            <a:ext cx="1409538" cy="90587"/>
+          </a:xfrm>
+          <a:prstGeom prst="rect">
+            <a:avLst/>
+          </a:prstGeom>
+        </p:spPr>
+      </p:pic>
+      <p:pic>
+        <p:nvPicPr>
+          <p:cNvPr id="27" name="Picture 26" descr="A close up of a screen&#10;&#10;Description automatically generated">
+            <a:extLst>
+              <a:ext uri="{FF2B5EF4-FFF2-40B4-BE49-F238E27FC236}">
+                <a16:creationId xmlns:a16="http://schemas.microsoft.com/office/drawing/2014/main" id="{30EA833A-E355-4F89-9EE4-7E59713B9D79}"/>
+              </a:ext>
+            </a:extLst>
+          </p:cNvPr>
+          <p:cNvPicPr>
+            <a:picLocks noChangeAspect="1"/>
+          </p:cNvPicPr>
+          <p:nvPr userDrawn="1"/>
+        </p:nvPicPr>
+        <p:blipFill>
+          <a:blip r:embed="rId8">
+            <a:extLst>
+              <a:ext uri="{28A0092B-C50C-407E-A947-70E740481C1C}">
+                <a14:useLocalDpi xmlns:a14="http://schemas.microsoft.com/office/drawing/2010/main" val="0"/>
+              </a:ext>
+            </a:extLst>
+          </a:blip>
+          <a:stretch>
+            <a:fillRect/>
+          </a:stretch>
+        </p:blipFill>
+        <p:spPr>
+          <a:xfrm>
+            <a:off x="6010105" y="5633944"/>
+            <a:ext cx="976755" cy="732420"/>
+          </a:xfrm>
+          <a:prstGeom prst="rect">
+            <a:avLst/>
+          </a:prstGeom>
+        </p:spPr>
+      </p:pic>
+      <p:pic>
+        <p:nvPicPr>
+          <p:cNvPr id="29" name="Picture 28">
+            <a:extLst>
+              <a:ext uri="{FF2B5EF4-FFF2-40B4-BE49-F238E27FC236}">
+                <a16:creationId xmlns:a16="http://schemas.microsoft.com/office/drawing/2014/main" id="{46950703-D48E-4C16-A2BE-5A3DF4A4A5D1}"/>
+              </a:ext>
+            </a:extLst>
+          </p:cNvPr>
+          <p:cNvPicPr>
+            <a:picLocks noChangeAspect="1"/>
+          </p:cNvPicPr>
+          <p:nvPr userDrawn="1"/>
+        </p:nvPicPr>
+        <p:blipFill>
+          <a:blip r:embed="rId9"/>
+          <a:stretch>
+            <a:fillRect/>
+          </a:stretch>
+        </p:blipFill>
+        <p:spPr>
+          <a:xfrm>
+            <a:off x="7444887" y="6531574"/>
+            <a:ext cx="1572035" cy="102596"/>
+          </a:xfrm>
+          <a:prstGeom prst="rect">
+            <a:avLst/>
+          </a:prstGeom>
+        </p:spPr>
+      </p:pic>
+      <p:sp>
+        <p:nvSpPr>
+          <p:cNvPr id="5" name="Picture Placeholder 4">
+            <a:extLst>
+              <a:ext uri="{FF2B5EF4-FFF2-40B4-BE49-F238E27FC236}">
+                <a16:creationId xmlns:a16="http://schemas.microsoft.com/office/drawing/2014/main" id="{C5707A1E-3C6D-4DCB-9D36-78BD9000F00F}"/>
+              </a:ext>
+            </a:extLst>
+          </p:cNvPr>
+          <p:cNvSpPr>
+            <a:spLocks noGrp="1"/>
+          </p:cNvSpPr>
+          <p:nvPr>
+            <p:ph type="pic" sz="quarter" idx="10" hasCustomPrompt="1"/>
+          </p:nvPr>
+        </p:nvSpPr>
+        <p:spPr>
+          <a:xfrm>
+            <a:off x="4186146" y="3859292"/>
+            <a:ext cx="1857125" cy="1176582"/>
+          </a:xfrm>
+          <a:prstGeom prst="rect">
+            <a:avLst/>
+          </a:prstGeom>
+        </p:spPr>
+        <p:txBody>
+          <a:bodyPr/>
+          <a:lstStyle>
+            <a:lvl1pPr marL="0" indent="0" algn="ctr">
+              <a:buNone/>
+              <a:defRPr>
+                <a:solidFill>
+                  <a:schemeClr val="accent3"/>
+                </a:solidFill>
+              </a:defRPr>
+            </a:lvl1pPr>
+          </a:lstStyle>
+          <a:p>
+            <a:r>
+              <a:rPr lang="en-AU" dirty="0"/>
+              <a:t>COMPANY LOGO</a:t>
+            </a:r>
+            <a:endParaRPr lang="en-US" dirty="0"/>
+          </a:p>
+        </p:txBody>
+      </p:sp>
+      <p:sp>
+        <p:nvSpPr>
+          <p:cNvPr id="8" name="Text Placeholder 7">
+            <a:extLst>
+              <a:ext uri="{FF2B5EF4-FFF2-40B4-BE49-F238E27FC236}">
+                <a16:creationId xmlns:a16="http://schemas.microsoft.com/office/drawing/2014/main" id="{DD4F35FD-2BF1-448D-A227-EA8F8C9FD839}"/>
+              </a:ext>
+            </a:extLst>
+          </p:cNvPr>
+          <p:cNvSpPr>
+            <a:spLocks noGrp="1"/>
+          </p:cNvSpPr>
+          <p:nvPr>
+            <p:ph type="body" sz="quarter" idx="11" hasCustomPrompt="1"/>
+          </p:nvPr>
+        </p:nvSpPr>
+        <p:spPr>
+          <a:xfrm>
+            <a:off x="446085" y="985195"/>
+            <a:ext cx="9337249" cy="725188"/>
+          </a:xfrm>
+          <a:prstGeom prst="rect">
+            <a:avLst/>
+          </a:prstGeom>
+        </p:spPr>
+        <p:txBody>
+          <a:bodyPr/>
+          <a:lstStyle>
+            <a:lvl1pPr marL="0" indent="0" algn="ctr">
+              <a:buNone/>
+              <a:defRPr sz="4400" b="1">
+                <a:solidFill>
+                  <a:srgbClr val="606060"/>
+                </a:solidFill>
+                <a:latin typeface="Arial" panose="020B0604020202020204" pitchFamily="34" charset="0"/>
+                <a:cs typeface="Arial" panose="020B0604020202020204" pitchFamily="34" charset="0"/>
+              </a:defRPr>
+            </a:lvl1pPr>
+          </a:lstStyle>
+          <a:p>
+            <a:pPr lvl="0"/>
+            <a:r>
+              <a:rPr lang="en-US" dirty="0"/>
+              <a:t>SESSION TITLE</a:t>
+            </a:r>
+          </a:p>
+        </p:txBody>
+      </p:sp>
+      <p:sp>
+        <p:nvSpPr>
+          <p:cNvPr id="18" name="Text Placeholder 7">
+            <a:extLst>
+              <a:ext uri="{FF2B5EF4-FFF2-40B4-BE49-F238E27FC236}">
+                <a16:creationId xmlns:a16="http://schemas.microsoft.com/office/drawing/2014/main" id="{EAC5FB18-2378-43B1-AD7B-AC52AC41EF5C}"/>
+              </a:ext>
+            </a:extLst>
+          </p:cNvPr>
+          <p:cNvSpPr>
+            <a:spLocks noGrp="1"/>
+          </p:cNvSpPr>
+          <p:nvPr>
+            <p:ph type="body" sz="quarter" idx="12" hasCustomPrompt="1"/>
+          </p:nvPr>
+        </p:nvSpPr>
+        <p:spPr>
+          <a:xfrm>
+            <a:off x="446085" y="1954303"/>
+            <a:ext cx="9337249" cy="725188"/>
+          </a:xfrm>
+          <a:prstGeom prst="rect">
+            <a:avLst/>
+          </a:prstGeom>
+        </p:spPr>
+        <p:txBody>
+          <a:bodyPr/>
+          <a:lstStyle>
+            <a:lvl1pPr marL="0" indent="0" algn="ctr">
+              <a:buNone/>
+              <a:defRPr sz="3600" b="0">
+                <a:solidFill>
+                  <a:srgbClr val="606060"/>
+                </a:solidFill>
+                <a:latin typeface="Arial" panose="020B0604020202020204" pitchFamily="34" charset="0"/>
+                <a:cs typeface="Arial" panose="020B0604020202020204" pitchFamily="34" charset="0"/>
+              </a:defRPr>
+            </a:lvl1pPr>
+          </a:lstStyle>
+          <a:p>
+            <a:pPr lvl="0"/>
+            <a:r>
+              <a:rPr lang="en-US" dirty="0"/>
+              <a:t>Speaker Name</a:t>
+            </a:r>
+          </a:p>
+        </p:txBody>
+      </p:sp>
+      <p:sp>
+        <p:nvSpPr>
+          <p:cNvPr id="20" name="Text Placeholder 7">
+            <a:extLst>
+              <a:ext uri="{FF2B5EF4-FFF2-40B4-BE49-F238E27FC236}">
+                <a16:creationId xmlns:a16="http://schemas.microsoft.com/office/drawing/2014/main" id="{84F7602B-E0A5-410E-A787-F92BF9097B5E}"/>
+              </a:ext>
+            </a:extLst>
+          </p:cNvPr>
+          <p:cNvSpPr>
+            <a:spLocks noGrp="1"/>
+          </p:cNvSpPr>
+          <p:nvPr>
+            <p:ph type="body" sz="quarter" idx="13" hasCustomPrompt="1"/>
+          </p:nvPr>
+        </p:nvSpPr>
+        <p:spPr>
+          <a:xfrm>
+            <a:off x="446085" y="2927068"/>
+            <a:ext cx="9337249" cy="725188"/>
+          </a:xfrm>
+          <a:prstGeom prst="rect">
+            <a:avLst/>
+          </a:prstGeom>
+        </p:spPr>
+        <p:txBody>
+          <a:bodyPr/>
+          <a:lstStyle>
+            <a:lvl1pPr marL="0" indent="0" algn="ctr">
+              <a:buNone/>
+              <a:defRPr sz="2800" b="0" i="1">
+                <a:solidFill>
+                  <a:srgbClr val="606060"/>
+                </a:solidFill>
+                <a:latin typeface="Arial" panose="020B0604020202020204" pitchFamily="34" charset="0"/>
+                <a:cs typeface="Arial" panose="020B0604020202020204" pitchFamily="34" charset="0"/>
+              </a:defRPr>
+            </a:lvl1pPr>
+          </a:lstStyle>
+          <a:p>
+            <a:pPr lvl="0"/>
+            <a:r>
+              <a:rPr lang="en-US" dirty="0"/>
+              <a:t>Company Name</a:t>
+            </a:r>
+          </a:p>
+        </p:txBody>
+      </p:sp>
+    </p:spTree>
+    <p:extLst>
+      <p:ext uri="{BB962C8B-B14F-4D97-AF65-F5344CB8AC3E}">
+        <p14:creationId xmlns:p14="http://schemas.microsoft.com/office/powerpoint/2010/main" val="595079204"/>
       </p:ext>
     </p:extLst>
   </p:cSld>
@@ -355,7 +819,7 @@
           <p:cNvPr id="2" name="Title 1">
             <a:extLst>
               <a:ext uri="{FF2B5EF4-FFF2-40B4-BE49-F238E27FC236}">
-                <a16:creationId xmlns:a16="http://schemas.microsoft.com/office/drawing/2014/main" id="{A5D60EC0-D291-441C-82D7-0D5677EB4ABC}"/>
+                <a16:creationId xmlns:a16="http://schemas.microsoft.com/office/drawing/2014/main" id="{B959468B-D32B-489B-947B-B20E1DE7A702}"/>
               </a:ext>
             </a:extLst>
           </p:cNvPr>
@@ -366,7 +830,15 @@
             <p:ph type="title"/>
           </p:nvPr>
         </p:nvSpPr>
-        <p:spPr/>
+        <p:spPr>
+          <a:xfrm>
+            <a:off x="838200" y="365125"/>
+            <a:ext cx="10515600" cy="1325563"/>
+          </a:xfrm>
+          <a:prstGeom prst="rect">
+            <a:avLst/>
+          </a:prstGeom>
+        </p:spPr>
         <p:txBody>
           <a:bodyPr/>
           <a:lstStyle/>
@@ -383,7 +855,7 @@
           <p:cNvPr id="3" name="Vertical Text Placeholder 2">
             <a:extLst>
               <a:ext uri="{FF2B5EF4-FFF2-40B4-BE49-F238E27FC236}">
-                <a16:creationId xmlns:a16="http://schemas.microsoft.com/office/drawing/2014/main" id="{09353A2B-7DEE-41B3-8ACA-A65D8B04D1AA}"/>
+                <a16:creationId xmlns:a16="http://schemas.microsoft.com/office/drawing/2014/main" id="{F35E2D1F-4DE8-40F2-9610-A519AEA28D51}"/>
               </a:ext>
             </a:extLst>
           </p:cNvPr>
@@ -394,7 +866,15 @@
             <p:ph type="body" orient="vert" idx="1"/>
           </p:nvPr>
         </p:nvSpPr>
-        <p:spPr/>
+        <p:spPr>
+          <a:xfrm>
+            <a:off x="838200" y="1825625"/>
+            <a:ext cx="10515600" cy="4351338"/>
+          </a:xfrm>
+          <a:prstGeom prst="rect">
+            <a:avLst/>
+          </a:prstGeom>
+        </p:spPr>
         <p:txBody>
           <a:bodyPr vert="eaVert"/>
           <a:lstStyle/>
@@ -440,7 +920,7 @@
           <p:cNvPr id="4" name="Date Placeholder 3">
             <a:extLst>
               <a:ext uri="{FF2B5EF4-FFF2-40B4-BE49-F238E27FC236}">
-                <a16:creationId xmlns:a16="http://schemas.microsoft.com/office/drawing/2014/main" id="{A10DFBA9-5978-4F34-A3C0-BEDD6DB2175A}"/>
+                <a16:creationId xmlns:a16="http://schemas.microsoft.com/office/drawing/2014/main" id="{3FFD0B9C-3C52-40B0-8216-84BD2412BD66}"/>
               </a:ext>
             </a:extLst>
           </p:cNvPr>
@@ -451,12 +931,20 @@
             <p:ph type="dt" sz="half" idx="10"/>
           </p:nvPr>
         </p:nvSpPr>
-        <p:spPr/>
+        <p:spPr>
+          <a:xfrm>
+            <a:off x="838200" y="6356350"/>
+            <a:ext cx="2743200" cy="365125"/>
+          </a:xfrm>
+          <a:prstGeom prst="rect">
+            <a:avLst/>
+          </a:prstGeom>
+        </p:spPr>
         <p:txBody>
           <a:bodyPr/>
           <a:lstStyle/>
           <a:p>
-            <a:fld id="{44A53013-1A0E-4E68-9D19-244B4260222B}" type="datetimeFigureOut">
+            <a:fld id="{CACF8A1F-E1DF-45DE-B509-0D7EF9C4A967}" type="datetimeFigureOut">
               <a:rPr lang="en-US" smtClean="0"/>
               <a:t>7/15/2019</a:t>
             </a:fld>
@@ -469,7 +957,7 @@
           <p:cNvPr id="5" name="Footer Placeholder 4">
             <a:extLst>
               <a:ext uri="{FF2B5EF4-FFF2-40B4-BE49-F238E27FC236}">
-                <a16:creationId xmlns:a16="http://schemas.microsoft.com/office/drawing/2014/main" id="{389D8A49-AD92-4C77-B199-27640886B618}"/>
+                <a16:creationId xmlns:a16="http://schemas.microsoft.com/office/drawing/2014/main" id="{4489CF71-5C5E-4579-831F-637CB0408A55}"/>
               </a:ext>
             </a:extLst>
           </p:cNvPr>
@@ -480,7 +968,15 @@
             <p:ph type="ftr" sz="quarter" idx="11"/>
           </p:nvPr>
         </p:nvSpPr>
-        <p:spPr/>
+        <p:spPr>
+          <a:xfrm>
+            <a:off x="4038600" y="6356350"/>
+            <a:ext cx="4114800" cy="365125"/>
+          </a:xfrm>
+          <a:prstGeom prst="rect">
+            <a:avLst/>
+          </a:prstGeom>
+        </p:spPr>
         <p:txBody>
           <a:bodyPr/>
           <a:lstStyle/>
@@ -494,7 +990,7 @@
           <p:cNvPr id="6" name="Slide Number Placeholder 5">
             <a:extLst>
               <a:ext uri="{FF2B5EF4-FFF2-40B4-BE49-F238E27FC236}">
-                <a16:creationId xmlns:a16="http://schemas.microsoft.com/office/drawing/2014/main" id="{3BFAC41A-9042-4133-A4E4-14293FEA1E84}"/>
+                <a16:creationId xmlns:a16="http://schemas.microsoft.com/office/drawing/2014/main" id="{85DA82B9-B272-4D78-AC8E-F383F6032F98}"/>
               </a:ext>
             </a:extLst>
           </p:cNvPr>
@@ -505,12 +1001,20 @@
             <p:ph type="sldNum" sz="quarter" idx="12"/>
           </p:nvPr>
         </p:nvSpPr>
-        <p:spPr/>
+        <p:spPr>
+          <a:xfrm>
+            <a:off x="8610600" y="6356350"/>
+            <a:ext cx="2743200" cy="365125"/>
+          </a:xfrm>
+          <a:prstGeom prst="rect">
+            <a:avLst/>
+          </a:prstGeom>
+        </p:spPr>
         <p:txBody>
           <a:bodyPr/>
           <a:lstStyle/>
           <a:p>
-            <a:fld id="{FC9874BA-1FDF-46C3-9DF1-0CB858519E96}" type="slidenum">
+            <a:fld id="{2E361830-40F8-42E6-BE41-2D8BE0280DC3}" type="slidenum">
               <a:rPr lang="en-US" smtClean="0"/>
               <a:t>‹#›</a:t>
             </a:fld>
@@ -521,7 +1025,7 @@
     </p:spTree>
     <p:extLst>
       <p:ext uri="{BB962C8B-B14F-4D97-AF65-F5344CB8AC3E}">
-        <p14:creationId xmlns:p14="http://schemas.microsoft.com/office/powerpoint/2010/main" val="30893652"/>
+        <p14:creationId xmlns:p14="http://schemas.microsoft.com/office/powerpoint/2010/main" val="3338270094"/>
       </p:ext>
     </p:extLst>
   </p:cSld>
@@ -553,7 +1057,7 @@
           <p:cNvPr id="2" name="Vertical Title 1">
             <a:extLst>
               <a:ext uri="{FF2B5EF4-FFF2-40B4-BE49-F238E27FC236}">
-                <a16:creationId xmlns:a16="http://schemas.microsoft.com/office/drawing/2014/main" id="{F5A5E9BA-FF7E-4A20-9380-CD9B5EAA94A2}"/>
+                <a16:creationId xmlns:a16="http://schemas.microsoft.com/office/drawing/2014/main" id="{D5D26550-7FE5-4CCE-A7A4-872FE029929A}"/>
               </a:ext>
             </a:extLst>
           </p:cNvPr>
@@ -569,6 +1073,9 @@
             <a:off x="8724900" y="365125"/>
             <a:ext cx="2628900" cy="5811838"/>
           </a:xfrm>
+          <a:prstGeom prst="rect">
+            <a:avLst/>
+          </a:prstGeom>
         </p:spPr>
         <p:txBody>
           <a:bodyPr vert="eaVert"/>
@@ -586,7 +1093,7 @@
           <p:cNvPr id="3" name="Vertical Text Placeholder 2">
             <a:extLst>
               <a:ext uri="{FF2B5EF4-FFF2-40B4-BE49-F238E27FC236}">
-                <a16:creationId xmlns:a16="http://schemas.microsoft.com/office/drawing/2014/main" id="{BB423C45-938E-4A18-B849-C57DD12CFA4C}"/>
+                <a16:creationId xmlns:a16="http://schemas.microsoft.com/office/drawing/2014/main" id="{F0BFD1FE-C020-42E3-96CD-9CC0DD8B9AE3}"/>
               </a:ext>
             </a:extLst>
           </p:cNvPr>
@@ -602,6 +1109,9 @@
             <a:off x="838200" y="365125"/>
             <a:ext cx="7734300" cy="5811838"/>
           </a:xfrm>
+          <a:prstGeom prst="rect">
+            <a:avLst/>
+          </a:prstGeom>
         </p:spPr>
         <p:txBody>
           <a:bodyPr vert="eaVert"/>
@@ -648,7 +1158,7 @@
           <p:cNvPr id="4" name="Date Placeholder 3">
             <a:extLst>
               <a:ext uri="{FF2B5EF4-FFF2-40B4-BE49-F238E27FC236}">
-                <a16:creationId xmlns:a16="http://schemas.microsoft.com/office/drawing/2014/main" id="{22040C2B-549E-434C-9FFC-0F96A035FAD8}"/>
+                <a16:creationId xmlns:a16="http://schemas.microsoft.com/office/drawing/2014/main" id="{E1EBF5BD-1556-4543-BFB8-E1B0938ECFD4}"/>
               </a:ext>
             </a:extLst>
           </p:cNvPr>
@@ -659,12 +1169,20 @@
             <p:ph type="dt" sz="half" idx="10"/>
           </p:nvPr>
         </p:nvSpPr>
-        <p:spPr/>
+        <p:spPr>
+          <a:xfrm>
+            <a:off x="838200" y="6356350"/>
+            <a:ext cx="2743200" cy="365125"/>
+          </a:xfrm>
+          <a:prstGeom prst="rect">
+            <a:avLst/>
+          </a:prstGeom>
+        </p:spPr>
         <p:txBody>
           <a:bodyPr/>
           <a:lstStyle/>
           <a:p>
-            <a:fld id="{44A53013-1A0E-4E68-9D19-244B4260222B}" type="datetimeFigureOut">
+            <a:fld id="{CACF8A1F-E1DF-45DE-B509-0D7EF9C4A967}" type="datetimeFigureOut">
               <a:rPr lang="en-US" smtClean="0"/>
               <a:t>7/15/2019</a:t>
             </a:fld>
@@ -677,7 +1195,7 @@
           <p:cNvPr id="5" name="Footer Placeholder 4">
             <a:extLst>
               <a:ext uri="{FF2B5EF4-FFF2-40B4-BE49-F238E27FC236}">
-                <a16:creationId xmlns:a16="http://schemas.microsoft.com/office/drawing/2014/main" id="{1EFE83A8-E06A-424E-BA25-34757A286149}"/>
+                <a16:creationId xmlns:a16="http://schemas.microsoft.com/office/drawing/2014/main" id="{054D7C5B-1F42-4011-B8F3-63561742AAD8}"/>
               </a:ext>
             </a:extLst>
           </p:cNvPr>
@@ -688,7 +1206,15 @@
             <p:ph type="ftr" sz="quarter" idx="11"/>
           </p:nvPr>
         </p:nvSpPr>
-        <p:spPr/>
+        <p:spPr>
+          <a:xfrm>
+            <a:off x="4038600" y="6356350"/>
+            <a:ext cx="4114800" cy="365125"/>
+          </a:xfrm>
+          <a:prstGeom prst="rect">
+            <a:avLst/>
+          </a:prstGeom>
+        </p:spPr>
         <p:txBody>
           <a:bodyPr/>
           <a:lstStyle/>
@@ -702,7 +1228,7 @@
           <p:cNvPr id="6" name="Slide Number Placeholder 5">
             <a:extLst>
               <a:ext uri="{FF2B5EF4-FFF2-40B4-BE49-F238E27FC236}">
-                <a16:creationId xmlns:a16="http://schemas.microsoft.com/office/drawing/2014/main" id="{E09297F3-C9F7-4EC0-9290-0F495F8EDD7F}"/>
+                <a16:creationId xmlns:a16="http://schemas.microsoft.com/office/drawing/2014/main" id="{78F8CD84-B608-4B9E-AE21-181E3F3696D4}"/>
               </a:ext>
             </a:extLst>
           </p:cNvPr>
@@ -713,12 +1239,20 @@
             <p:ph type="sldNum" sz="quarter" idx="12"/>
           </p:nvPr>
         </p:nvSpPr>
-        <p:spPr/>
+        <p:spPr>
+          <a:xfrm>
+            <a:off x="8610600" y="6356350"/>
+            <a:ext cx="2743200" cy="365125"/>
+          </a:xfrm>
+          <a:prstGeom prst="rect">
+            <a:avLst/>
+          </a:prstGeom>
+        </p:spPr>
         <p:txBody>
           <a:bodyPr/>
           <a:lstStyle/>
           <a:p>
-            <a:fld id="{FC9874BA-1FDF-46C3-9DF1-0CB858519E96}" type="slidenum">
+            <a:fld id="{2E361830-40F8-42E6-BE41-2D8BE0280DC3}" type="slidenum">
               <a:rPr lang="en-US" smtClean="0"/>
               <a:t>‹#›</a:t>
             </a:fld>
@@ -729,7 +1263,7 @@
     </p:spTree>
     <p:extLst>
       <p:ext uri="{BB962C8B-B14F-4D97-AF65-F5344CB8AC3E}">
-        <p14:creationId xmlns:p14="http://schemas.microsoft.com/office/powerpoint/2010/main" val="934974390"/>
+        <p14:creationId xmlns:p14="http://schemas.microsoft.com/office/powerpoint/2010/main" val="915622569"/>
       </p:ext>
     </p:extLst>
   </p:cSld>
@@ -739,7 +1273,227 @@
 </p:sldLayout>
 </file>
 
-<file path=ppt/slideLayouts/slideLayout2.xml><?xml version="1.0" encoding="utf-8"?>
+<file path=ppt/slideLayouts/slideLayout12.xml><?xml version="1.0" encoding="utf-8"?>
+<p:sldLayout xmlns:a="http://schemas.openxmlformats.org/drawingml/2006/main" xmlns:r="http://schemas.openxmlformats.org/officeDocument/2006/relationships" xmlns:p="http://schemas.openxmlformats.org/presentationml/2006/main" type="title" preserve="1">
+  <p:cSld name="Title Slide">
+    <p:spTree>
+      <p:nvGrpSpPr>
+        <p:cNvPr id="1" name=""/>
+        <p:cNvGrpSpPr/>
+        <p:nvPr/>
+      </p:nvGrpSpPr>
+      <p:grpSpPr>
+        <a:xfrm>
+          <a:off x="0" y="0"/>
+          <a:ext cx="0" cy="0"/>
+          <a:chOff x="0" y="0"/>
+          <a:chExt cx="0" cy="0"/>
+        </a:xfrm>
+      </p:grpSpPr>
+      <p:sp>
+        <p:nvSpPr>
+          <p:cNvPr id="2" name="Title 1">
+            <a:extLst>
+              <a:ext uri="{FF2B5EF4-FFF2-40B4-BE49-F238E27FC236}">
+                <a16:creationId xmlns:a16="http://schemas.microsoft.com/office/drawing/2014/main" id="{F31649F4-EE7A-490F-9386-47C11ADCE0C5}"/>
+              </a:ext>
+            </a:extLst>
+          </p:cNvPr>
+          <p:cNvSpPr>
+            <a:spLocks noGrp="1"/>
+          </p:cNvSpPr>
+          <p:nvPr>
+            <p:ph type="ctrTitle"/>
+          </p:nvPr>
+        </p:nvSpPr>
+        <p:spPr>
+          <a:xfrm>
+            <a:off x="1524000" y="1122363"/>
+            <a:ext cx="9144000" cy="2387600"/>
+          </a:xfrm>
+        </p:spPr>
+        <p:txBody>
+          <a:bodyPr anchor="b"/>
+          <a:lstStyle>
+            <a:lvl1pPr algn="ctr">
+              <a:defRPr sz="6000"/>
+            </a:lvl1pPr>
+          </a:lstStyle>
+          <a:p>
+            <a:r>
+              <a:rPr lang="en-US"/>
+              <a:t>Click to edit Master title style</a:t>
+            </a:r>
+          </a:p>
+        </p:txBody>
+      </p:sp>
+      <p:sp>
+        <p:nvSpPr>
+          <p:cNvPr id="3" name="Subtitle 2">
+            <a:extLst>
+              <a:ext uri="{FF2B5EF4-FFF2-40B4-BE49-F238E27FC236}">
+                <a16:creationId xmlns:a16="http://schemas.microsoft.com/office/drawing/2014/main" id="{34CEA874-9E5A-4360-83C3-F16E459BB912}"/>
+              </a:ext>
+            </a:extLst>
+          </p:cNvPr>
+          <p:cNvSpPr>
+            <a:spLocks noGrp="1"/>
+          </p:cNvSpPr>
+          <p:nvPr>
+            <p:ph type="subTitle" idx="1"/>
+          </p:nvPr>
+        </p:nvSpPr>
+        <p:spPr>
+          <a:xfrm>
+            <a:off x="1524000" y="3602038"/>
+            <a:ext cx="9144000" cy="1655762"/>
+          </a:xfrm>
+        </p:spPr>
+        <p:txBody>
+          <a:bodyPr/>
+          <a:lstStyle>
+            <a:lvl1pPr marL="0" indent="0" algn="ctr">
+              <a:buNone/>
+              <a:defRPr sz="2400"/>
+            </a:lvl1pPr>
+            <a:lvl2pPr marL="457200" indent="0" algn="ctr">
+              <a:buNone/>
+              <a:defRPr sz="2000"/>
+            </a:lvl2pPr>
+            <a:lvl3pPr marL="914400" indent="0" algn="ctr">
+              <a:buNone/>
+              <a:defRPr sz="1800"/>
+            </a:lvl3pPr>
+            <a:lvl4pPr marL="1371600" indent="0" algn="ctr">
+              <a:buNone/>
+              <a:defRPr sz="1600"/>
+            </a:lvl4pPr>
+            <a:lvl5pPr marL="1828800" indent="0" algn="ctr">
+              <a:buNone/>
+              <a:defRPr sz="1600"/>
+            </a:lvl5pPr>
+            <a:lvl6pPr marL="2286000" indent="0" algn="ctr">
+              <a:buNone/>
+              <a:defRPr sz="1600"/>
+            </a:lvl6pPr>
+            <a:lvl7pPr marL="2743200" indent="0" algn="ctr">
+              <a:buNone/>
+              <a:defRPr sz="1600"/>
+            </a:lvl7pPr>
+            <a:lvl8pPr marL="3200400" indent="0" algn="ctr">
+              <a:buNone/>
+              <a:defRPr sz="1600"/>
+            </a:lvl8pPr>
+            <a:lvl9pPr marL="3657600" indent="0" algn="ctr">
+              <a:buNone/>
+              <a:defRPr sz="1600"/>
+            </a:lvl9pPr>
+          </a:lstStyle>
+          <a:p>
+            <a:r>
+              <a:rPr lang="en-US"/>
+              <a:t>Click to edit Master subtitle style</a:t>
+            </a:r>
+          </a:p>
+        </p:txBody>
+      </p:sp>
+      <p:sp>
+        <p:nvSpPr>
+          <p:cNvPr id="4" name="Date Placeholder 3">
+            <a:extLst>
+              <a:ext uri="{FF2B5EF4-FFF2-40B4-BE49-F238E27FC236}">
+                <a16:creationId xmlns:a16="http://schemas.microsoft.com/office/drawing/2014/main" id="{F027CD50-4A10-4EBE-852C-5DD9D2691B91}"/>
+              </a:ext>
+            </a:extLst>
+          </p:cNvPr>
+          <p:cNvSpPr>
+            <a:spLocks noGrp="1"/>
+          </p:cNvSpPr>
+          <p:nvPr>
+            <p:ph type="dt" sz="half" idx="10"/>
+          </p:nvPr>
+        </p:nvSpPr>
+        <p:spPr/>
+        <p:txBody>
+          <a:bodyPr/>
+          <a:lstStyle/>
+          <a:p>
+            <a:fld id="{3B5B4DC6-48D7-4B5C-A9ED-BFFCC4396DAF}" type="datetimeFigureOut">
+              <a:rPr lang="en-US" smtClean="0"/>
+              <a:t>7/15/2019</a:t>
+            </a:fld>
+            <a:endParaRPr lang="en-US"/>
+          </a:p>
+        </p:txBody>
+      </p:sp>
+      <p:sp>
+        <p:nvSpPr>
+          <p:cNvPr id="5" name="Footer Placeholder 4">
+            <a:extLst>
+              <a:ext uri="{FF2B5EF4-FFF2-40B4-BE49-F238E27FC236}">
+                <a16:creationId xmlns:a16="http://schemas.microsoft.com/office/drawing/2014/main" id="{080A9E3E-20F0-414B-BBE9-978EB735481F}"/>
+              </a:ext>
+            </a:extLst>
+          </p:cNvPr>
+          <p:cNvSpPr>
+            <a:spLocks noGrp="1"/>
+          </p:cNvSpPr>
+          <p:nvPr>
+            <p:ph type="ftr" sz="quarter" idx="11"/>
+          </p:nvPr>
+        </p:nvSpPr>
+        <p:spPr/>
+        <p:txBody>
+          <a:bodyPr/>
+          <a:lstStyle/>
+          <a:p>
+            <a:endParaRPr lang="en-US"/>
+          </a:p>
+        </p:txBody>
+      </p:sp>
+      <p:sp>
+        <p:nvSpPr>
+          <p:cNvPr id="6" name="Slide Number Placeholder 5">
+            <a:extLst>
+              <a:ext uri="{FF2B5EF4-FFF2-40B4-BE49-F238E27FC236}">
+                <a16:creationId xmlns:a16="http://schemas.microsoft.com/office/drawing/2014/main" id="{68B11EBE-B8B4-458F-AAAA-7DAA9A3B2F8E}"/>
+              </a:ext>
+            </a:extLst>
+          </p:cNvPr>
+          <p:cNvSpPr>
+            <a:spLocks noGrp="1"/>
+          </p:cNvSpPr>
+          <p:nvPr>
+            <p:ph type="sldNum" sz="quarter" idx="12"/>
+          </p:nvPr>
+        </p:nvSpPr>
+        <p:spPr/>
+        <p:txBody>
+          <a:bodyPr/>
+          <a:lstStyle/>
+          <a:p>
+            <a:fld id="{569BA334-D3A4-470C-A1AD-F22DE6BC6CC1}" type="slidenum">
+              <a:rPr lang="en-US" smtClean="0"/>
+              <a:t>‹#›</a:t>
+            </a:fld>
+            <a:endParaRPr lang="en-US"/>
+          </a:p>
+        </p:txBody>
+      </p:sp>
+    </p:spTree>
+    <p:extLst>
+      <p:ext uri="{BB962C8B-B14F-4D97-AF65-F5344CB8AC3E}">
+        <p14:creationId xmlns:p14="http://schemas.microsoft.com/office/powerpoint/2010/main" val="1167389354"/>
+      </p:ext>
+    </p:extLst>
+  </p:cSld>
+  <p:clrMapOvr>
+    <a:masterClrMapping/>
+  </p:clrMapOvr>
+</p:sldLayout>
+</file>
+
+<file path=ppt/slideLayouts/slideLayout13.xml><?xml version="1.0" encoding="utf-8"?>
 <p:sldLayout xmlns:a="http://schemas.openxmlformats.org/drawingml/2006/main" xmlns:r="http://schemas.openxmlformats.org/officeDocument/2006/relationships" xmlns:p="http://schemas.openxmlformats.org/presentationml/2006/main" type="obj" preserve="1">
   <p:cSld name="Title and Content">
     <p:spTree>
@@ -761,7 +1515,7 @@
           <p:cNvPr id="2" name="Title 1">
             <a:extLst>
               <a:ext uri="{FF2B5EF4-FFF2-40B4-BE49-F238E27FC236}">
-                <a16:creationId xmlns:a16="http://schemas.microsoft.com/office/drawing/2014/main" id="{1DD64554-AC2E-4754-8857-4F4A70954C1D}"/>
+                <a16:creationId xmlns:a16="http://schemas.microsoft.com/office/drawing/2014/main" id="{330DA587-2618-4DCA-BF2E-1D479609B713}"/>
               </a:ext>
             </a:extLst>
           </p:cNvPr>
@@ -789,7 +1543,7 @@
           <p:cNvPr id="3" name="Content Placeholder 2">
             <a:extLst>
               <a:ext uri="{FF2B5EF4-FFF2-40B4-BE49-F238E27FC236}">
-                <a16:creationId xmlns:a16="http://schemas.microsoft.com/office/drawing/2014/main" id="{2931B1B3-6294-426A-AA70-C2D781EE7C22}"/>
+                <a16:creationId xmlns:a16="http://schemas.microsoft.com/office/drawing/2014/main" id="{BF1D9C81-FC15-4D4C-83AB-8B39E62138CB}"/>
               </a:ext>
             </a:extLst>
           </p:cNvPr>
@@ -846,7 +1600,7 @@
           <p:cNvPr id="4" name="Date Placeholder 3">
             <a:extLst>
               <a:ext uri="{FF2B5EF4-FFF2-40B4-BE49-F238E27FC236}">
-                <a16:creationId xmlns:a16="http://schemas.microsoft.com/office/drawing/2014/main" id="{AE7FDA2D-6B9E-4CA6-8A38-3D08BCE50BC1}"/>
+                <a16:creationId xmlns:a16="http://schemas.microsoft.com/office/drawing/2014/main" id="{30B02B5F-5ECF-4813-A817-5FA2FD2B6A09}"/>
               </a:ext>
             </a:extLst>
           </p:cNvPr>
@@ -862,7 +1616,7 @@
           <a:bodyPr/>
           <a:lstStyle/>
           <a:p>
-            <a:fld id="{44A53013-1A0E-4E68-9D19-244B4260222B}" type="datetimeFigureOut">
+            <a:fld id="{3B5B4DC6-48D7-4B5C-A9ED-BFFCC4396DAF}" type="datetimeFigureOut">
               <a:rPr lang="en-US" smtClean="0"/>
               <a:t>7/15/2019</a:t>
             </a:fld>
@@ -875,7 +1629,7 @@
           <p:cNvPr id="5" name="Footer Placeholder 4">
             <a:extLst>
               <a:ext uri="{FF2B5EF4-FFF2-40B4-BE49-F238E27FC236}">
-                <a16:creationId xmlns:a16="http://schemas.microsoft.com/office/drawing/2014/main" id="{639B7549-07AB-4341-891B-FFC63671773E}"/>
+                <a16:creationId xmlns:a16="http://schemas.microsoft.com/office/drawing/2014/main" id="{2226DD53-13B5-40DE-99DE-1D39A2A31DC2}"/>
               </a:ext>
             </a:extLst>
           </p:cNvPr>
@@ -900,7 +1654,7 @@
           <p:cNvPr id="6" name="Slide Number Placeholder 5">
             <a:extLst>
               <a:ext uri="{FF2B5EF4-FFF2-40B4-BE49-F238E27FC236}">
-                <a16:creationId xmlns:a16="http://schemas.microsoft.com/office/drawing/2014/main" id="{95D8B7C7-816B-41E8-A6C9-F996B731075E}"/>
+                <a16:creationId xmlns:a16="http://schemas.microsoft.com/office/drawing/2014/main" id="{09A070EE-FD60-4017-8044-D0290570FA1D}"/>
               </a:ext>
             </a:extLst>
           </p:cNvPr>
@@ -916,7 +1670,7 @@
           <a:bodyPr/>
           <a:lstStyle/>
           <a:p>
-            <a:fld id="{FC9874BA-1FDF-46C3-9DF1-0CB858519E96}" type="slidenum">
+            <a:fld id="{569BA334-D3A4-470C-A1AD-F22DE6BC6CC1}" type="slidenum">
               <a:rPr lang="en-US" smtClean="0"/>
               <a:t>‹#›</a:t>
             </a:fld>
@@ -927,7 +1681,7 @@
     </p:spTree>
     <p:extLst>
       <p:ext uri="{BB962C8B-B14F-4D97-AF65-F5344CB8AC3E}">
-        <p14:creationId xmlns:p14="http://schemas.microsoft.com/office/powerpoint/2010/main" val="3562818687"/>
+        <p14:creationId xmlns:p14="http://schemas.microsoft.com/office/powerpoint/2010/main" val="4115804972"/>
       </p:ext>
     </p:extLst>
   </p:cSld>
@@ -937,7 +1691,7 @@
 </p:sldLayout>
 </file>
 
-<file path=ppt/slideLayouts/slideLayout3.xml><?xml version="1.0" encoding="utf-8"?>
+<file path=ppt/slideLayouts/slideLayout14.xml><?xml version="1.0" encoding="utf-8"?>
 <p:sldLayout xmlns:a="http://schemas.openxmlformats.org/drawingml/2006/main" xmlns:r="http://schemas.openxmlformats.org/officeDocument/2006/relationships" xmlns:p="http://schemas.openxmlformats.org/presentationml/2006/main" type="secHead" preserve="1">
   <p:cSld name="Section Header">
     <p:spTree>
@@ -959,7 +1713,7 @@
           <p:cNvPr id="2" name="Title 1">
             <a:extLst>
               <a:ext uri="{FF2B5EF4-FFF2-40B4-BE49-F238E27FC236}">
-                <a16:creationId xmlns:a16="http://schemas.microsoft.com/office/drawing/2014/main" id="{A3AF0B3A-0932-4E34-B0D3-82186D01B94B}"/>
+                <a16:creationId xmlns:a16="http://schemas.microsoft.com/office/drawing/2014/main" id="{863CB99C-D11D-4244-92A2-B723197A2A58}"/>
               </a:ext>
             </a:extLst>
           </p:cNvPr>
@@ -996,7 +1750,7 @@
           <p:cNvPr id="3" name="Text Placeholder 2">
             <a:extLst>
               <a:ext uri="{FF2B5EF4-FFF2-40B4-BE49-F238E27FC236}">
-                <a16:creationId xmlns:a16="http://schemas.microsoft.com/office/drawing/2014/main" id="{1DB1BBCB-4CCF-4825-8DF6-F16D8FD83830}"/>
+                <a16:creationId xmlns:a16="http://schemas.microsoft.com/office/drawing/2014/main" id="{A3AE85B6-36E7-497F-9EC9-0E88D034D92C}"/>
               </a:ext>
             </a:extLst>
           </p:cNvPr>
@@ -1121,7 +1875,7 @@
           <p:cNvPr id="4" name="Date Placeholder 3">
             <a:extLst>
               <a:ext uri="{FF2B5EF4-FFF2-40B4-BE49-F238E27FC236}">
-                <a16:creationId xmlns:a16="http://schemas.microsoft.com/office/drawing/2014/main" id="{650AD68D-AD07-4411-813F-346AAB2B2402}"/>
+                <a16:creationId xmlns:a16="http://schemas.microsoft.com/office/drawing/2014/main" id="{086ABFBF-6329-4C0E-A4BF-6B615434807C}"/>
               </a:ext>
             </a:extLst>
           </p:cNvPr>
@@ -1137,7 +1891,7 @@
           <a:bodyPr/>
           <a:lstStyle/>
           <a:p>
-            <a:fld id="{44A53013-1A0E-4E68-9D19-244B4260222B}" type="datetimeFigureOut">
+            <a:fld id="{3B5B4DC6-48D7-4B5C-A9ED-BFFCC4396DAF}" type="datetimeFigureOut">
               <a:rPr lang="en-US" smtClean="0"/>
               <a:t>7/15/2019</a:t>
             </a:fld>
@@ -1150,7 +1904,7 @@
           <p:cNvPr id="5" name="Footer Placeholder 4">
             <a:extLst>
               <a:ext uri="{FF2B5EF4-FFF2-40B4-BE49-F238E27FC236}">
-                <a16:creationId xmlns:a16="http://schemas.microsoft.com/office/drawing/2014/main" id="{D795188C-C440-4DDD-8854-19823B4B4E6F}"/>
+                <a16:creationId xmlns:a16="http://schemas.microsoft.com/office/drawing/2014/main" id="{D1115B04-6D04-4CE3-8C70-F6575C2EC8BD}"/>
               </a:ext>
             </a:extLst>
           </p:cNvPr>
@@ -1175,7 +1929,7 @@
           <p:cNvPr id="6" name="Slide Number Placeholder 5">
             <a:extLst>
               <a:ext uri="{FF2B5EF4-FFF2-40B4-BE49-F238E27FC236}">
-                <a16:creationId xmlns:a16="http://schemas.microsoft.com/office/drawing/2014/main" id="{47A65833-E01D-4AA3-BF83-A259CF85725D}"/>
+                <a16:creationId xmlns:a16="http://schemas.microsoft.com/office/drawing/2014/main" id="{F33B8FAA-94A8-4D26-92F4-C6B35A03708E}"/>
               </a:ext>
             </a:extLst>
           </p:cNvPr>
@@ -1191,7 +1945,7 @@
           <a:bodyPr/>
           <a:lstStyle/>
           <a:p>
-            <a:fld id="{FC9874BA-1FDF-46C3-9DF1-0CB858519E96}" type="slidenum">
+            <a:fld id="{569BA334-D3A4-470C-A1AD-F22DE6BC6CC1}" type="slidenum">
               <a:rPr lang="en-US" smtClean="0"/>
               <a:t>‹#›</a:t>
             </a:fld>
@@ -1202,7 +1956,7 @@
     </p:spTree>
     <p:extLst>
       <p:ext uri="{BB962C8B-B14F-4D97-AF65-F5344CB8AC3E}">
-        <p14:creationId xmlns:p14="http://schemas.microsoft.com/office/powerpoint/2010/main" val="4054211761"/>
+        <p14:creationId xmlns:p14="http://schemas.microsoft.com/office/powerpoint/2010/main" val="4028698972"/>
       </p:ext>
     </p:extLst>
   </p:cSld>
@@ -1212,7 +1966,7 @@
 </p:sldLayout>
 </file>
 
-<file path=ppt/slideLayouts/slideLayout4.xml><?xml version="1.0" encoding="utf-8"?>
+<file path=ppt/slideLayouts/slideLayout15.xml><?xml version="1.0" encoding="utf-8"?>
 <p:sldLayout xmlns:a="http://schemas.openxmlformats.org/drawingml/2006/main" xmlns:r="http://schemas.openxmlformats.org/officeDocument/2006/relationships" xmlns:p="http://schemas.openxmlformats.org/presentationml/2006/main" type="twoObj" preserve="1">
   <p:cSld name="Two Content">
     <p:spTree>
@@ -1234,7 +1988,7 @@
           <p:cNvPr id="2" name="Title 1">
             <a:extLst>
               <a:ext uri="{FF2B5EF4-FFF2-40B4-BE49-F238E27FC236}">
-                <a16:creationId xmlns:a16="http://schemas.microsoft.com/office/drawing/2014/main" id="{9207289D-7F48-4C6E-8D6C-AE95C6B688FD}"/>
+                <a16:creationId xmlns:a16="http://schemas.microsoft.com/office/drawing/2014/main" id="{43EA8154-EF4F-4FD7-B60C-AF8EEA05CAAD}"/>
               </a:ext>
             </a:extLst>
           </p:cNvPr>
@@ -1262,7 +2016,7 @@
           <p:cNvPr id="3" name="Content Placeholder 2">
             <a:extLst>
               <a:ext uri="{FF2B5EF4-FFF2-40B4-BE49-F238E27FC236}">
-                <a16:creationId xmlns:a16="http://schemas.microsoft.com/office/drawing/2014/main" id="{9F337BA4-0FFA-4C49-8E74-DE31981C75CD}"/>
+                <a16:creationId xmlns:a16="http://schemas.microsoft.com/office/drawing/2014/main" id="{929D5984-9CE2-4708-AAA9-E3BA410ABE78}"/>
               </a:ext>
             </a:extLst>
           </p:cNvPr>
@@ -1324,7 +2078,7 @@
           <p:cNvPr id="4" name="Content Placeholder 3">
             <a:extLst>
               <a:ext uri="{FF2B5EF4-FFF2-40B4-BE49-F238E27FC236}">
-                <a16:creationId xmlns:a16="http://schemas.microsoft.com/office/drawing/2014/main" id="{1EA49D5A-83F4-478E-BFBA-8809DE449804}"/>
+                <a16:creationId xmlns:a16="http://schemas.microsoft.com/office/drawing/2014/main" id="{40724D79-FEBF-4925-9E32-999E42C7116A}"/>
               </a:ext>
             </a:extLst>
           </p:cNvPr>
@@ -1386,7 +2140,7 @@
           <p:cNvPr id="5" name="Date Placeholder 4">
             <a:extLst>
               <a:ext uri="{FF2B5EF4-FFF2-40B4-BE49-F238E27FC236}">
-                <a16:creationId xmlns:a16="http://schemas.microsoft.com/office/drawing/2014/main" id="{A5FB7620-B306-45B4-BEFA-EB06C5417033}"/>
+                <a16:creationId xmlns:a16="http://schemas.microsoft.com/office/drawing/2014/main" id="{E5AF87DF-8978-43BB-84DF-25F1912B0199}"/>
               </a:ext>
             </a:extLst>
           </p:cNvPr>
@@ -1402,7 +2156,7 @@
           <a:bodyPr/>
           <a:lstStyle/>
           <a:p>
-            <a:fld id="{44A53013-1A0E-4E68-9D19-244B4260222B}" type="datetimeFigureOut">
+            <a:fld id="{3B5B4DC6-48D7-4B5C-A9ED-BFFCC4396DAF}" type="datetimeFigureOut">
               <a:rPr lang="en-US" smtClean="0"/>
               <a:t>7/15/2019</a:t>
             </a:fld>
@@ -1415,7 +2169,7 @@
           <p:cNvPr id="6" name="Footer Placeholder 5">
             <a:extLst>
               <a:ext uri="{FF2B5EF4-FFF2-40B4-BE49-F238E27FC236}">
-                <a16:creationId xmlns:a16="http://schemas.microsoft.com/office/drawing/2014/main" id="{6095F66F-ECDB-4368-8898-3F1FD083FCEB}"/>
+                <a16:creationId xmlns:a16="http://schemas.microsoft.com/office/drawing/2014/main" id="{9F54F53A-7181-4A15-BD5E-CA514B1ED552}"/>
               </a:ext>
             </a:extLst>
           </p:cNvPr>
@@ -1440,7 +2194,7 @@
           <p:cNvPr id="7" name="Slide Number Placeholder 6">
             <a:extLst>
               <a:ext uri="{FF2B5EF4-FFF2-40B4-BE49-F238E27FC236}">
-                <a16:creationId xmlns:a16="http://schemas.microsoft.com/office/drawing/2014/main" id="{7BA63FF4-A442-430F-9C6B-868CD7F6BBD2}"/>
+                <a16:creationId xmlns:a16="http://schemas.microsoft.com/office/drawing/2014/main" id="{C28C2FC4-578B-4429-9DBE-73E647A90452}"/>
               </a:ext>
             </a:extLst>
           </p:cNvPr>
@@ -1456,7 +2210,7 @@
           <a:bodyPr/>
           <a:lstStyle/>
           <a:p>
-            <a:fld id="{FC9874BA-1FDF-46C3-9DF1-0CB858519E96}" type="slidenum">
+            <a:fld id="{569BA334-D3A4-470C-A1AD-F22DE6BC6CC1}" type="slidenum">
               <a:rPr lang="en-US" smtClean="0"/>
               <a:t>‹#›</a:t>
             </a:fld>
@@ -1467,7 +2221,7 @@
     </p:spTree>
     <p:extLst>
       <p:ext uri="{BB962C8B-B14F-4D97-AF65-F5344CB8AC3E}">
-        <p14:creationId xmlns:p14="http://schemas.microsoft.com/office/powerpoint/2010/main" val="1115961874"/>
+        <p14:creationId xmlns:p14="http://schemas.microsoft.com/office/powerpoint/2010/main" val="1400436384"/>
       </p:ext>
     </p:extLst>
   </p:cSld>
@@ -1477,7 +2231,7 @@
 </p:sldLayout>
 </file>
 
-<file path=ppt/slideLayouts/slideLayout5.xml><?xml version="1.0" encoding="utf-8"?>
+<file path=ppt/slideLayouts/slideLayout16.xml><?xml version="1.0" encoding="utf-8"?>
 <p:sldLayout xmlns:a="http://schemas.openxmlformats.org/drawingml/2006/main" xmlns:r="http://schemas.openxmlformats.org/officeDocument/2006/relationships" xmlns:p="http://schemas.openxmlformats.org/presentationml/2006/main" type="twoTxTwoObj" preserve="1">
   <p:cSld name="Comparison">
     <p:spTree>
@@ -1499,7 +2253,7 @@
           <p:cNvPr id="2" name="Title 1">
             <a:extLst>
               <a:ext uri="{FF2B5EF4-FFF2-40B4-BE49-F238E27FC236}">
-                <a16:creationId xmlns:a16="http://schemas.microsoft.com/office/drawing/2014/main" id="{8E3D0613-D65E-4EBB-80B2-65841F8A0D02}"/>
+                <a16:creationId xmlns:a16="http://schemas.microsoft.com/office/drawing/2014/main" id="{811A6558-DBF2-4A80-B3CF-C6C751E628F9}"/>
               </a:ext>
             </a:extLst>
           </p:cNvPr>
@@ -1532,7 +2286,7 @@
           <p:cNvPr id="3" name="Text Placeholder 2">
             <a:extLst>
               <a:ext uri="{FF2B5EF4-FFF2-40B4-BE49-F238E27FC236}">
-                <a16:creationId xmlns:a16="http://schemas.microsoft.com/office/drawing/2014/main" id="{7ABE18C9-0F9D-4EA8-8BA1-62AA2E9830A3}"/>
+                <a16:creationId xmlns:a16="http://schemas.microsoft.com/office/drawing/2014/main" id="{F4186EBB-4937-4044-8F54-E7BF73B95531}"/>
               </a:ext>
             </a:extLst>
           </p:cNvPr>
@@ -1603,7 +2357,7 @@
           <p:cNvPr id="4" name="Content Placeholder 3">
             <a:extLst>
               <a:ext uri="{FF2B5EF4-FFF2-40B4-BE49-F238E27FC236}">
-                <a16:creationId xmlns:a16="http://schemas.microsoft.com/office/drawing/2014/main" id="{FC1D303F-89B8-406E-8CCA-2E7CD7336259}"/>
+                <a16:creationId xmlns:a16="http://schemas.microsoft.com/office/drawing/2014/main" id="{88BF206C-4913-4FF9-80F7-39698DB2C7B8}"/>
               </a:ext>
             </a:extLst>
           </p:cNvPr>
@@ -1665,7 +2419,7 @@
           <p:cNvPr id="5" name="Text Placeholder 4">
             <a:extLst>
               <a:ext uri="{FF2B5EF4-FFF2-40B4-BE49-F238E27FC236}">
-                <a16:creationId xmlns:a16="http://schemas.microsoft.com/office/drawing/2014/main" id="{470399B9-FD0F-4384-BF63-A6640938159E}"/>
+                <a16:creationId xmlns:a16="http://schemas.microsoft.com/office/drawing/2014/main" id="{0214F765-6F66-408A-BB68-1500A4A33B71}"/>
               </a:ext>
             </a:extLst>
           </p:cNvPr>
@@ -1736,7 +2490,7 @@
           <p:cNvPr id="6" name="Content Placeholder 5">
             <a:extLst>
               <a:ext uri="{FF2B5EF4-FFF2-40B4-BE49-F238E27FC236}">
-                <a16:creationId xmlns:a16="http://schemas.microsoft.com/office/drawing/2014/main" id="{0B353C2A-CFF5-4279-9CED-8B1A99D5C40E}"/>
+                <a16:creationId xmlns:a16="http://schemas.microsoft.com/office/drawing/2014/main" id="{827744E6-36A1-4352-A767-785BFCAA382E}"/>
               </a:ext>
             </a:extLst>
           </p:cNvPr>
@@ -1798,7 +2552,7 @@
           <p:cNvPr id="7" name="Date Placeholder 6">
             <a:extLst>
               <a:ext uri="{FF2B5EF4-FFF2-40B4-BE49-F238E27FC236}">
-                <a16:creationId xmlns:a16="http://schemas.microsoft.com/office/drawing/2014/main" id="{C743ACC6-63D4-4A9D-BD44-913845CE9144}"/>
+                <a16:creationId xmlns:a16="http://schemas.microsoft.com/office/drawing/2014/main" id="{57527527-613E-46F5-BDD3-282A10303EED}"/>
               </a:ext>
             </a:extLst>
           </p:cNvPr>
@@ -1814,7 +2568,7 @@
           <a:bodyPr/>
           <a:lstStyle/>
           <a:p>
-            <a:fld id="{44A53013-1A0E-4E68-9D19-244B4260222B}" type="datetimeFigureOut">
+            <a:fld id="{3B5B4DC6-48D7-4B5C-A9ED-BFFCC4396DAF}" type="datetimeFigureOut">
               <a:rPr lang="en-US" smtClean="0"/>
               <a:t>7/15/2019</a:t>
             </a:fld>
@@ -1827,7 +2581,7 @@
           <p:cNvPr id="8" name="Footer Placeholder 7">
             <a:extLst>
               <a:ext uri="{FF2B5EF4-FFF2-40B4-BE49-F238E27FC236}">
-                <a16:creationId xmlns:a16="http://schemas.microsoft.com/office/drawing/2014/main" id="{DA45C019-5681-4E0B-A6DE-761BCD4D576B}"/>
+                <a16:creationId xmlns:a16="http://schemas.microsoft.com/office/drawing/2014/main" id="{7229DC15-F501-4551-A225-59331DB5B902}"/>
               </a:ext>
             </a:extLst>
           </p:cNvPr>
@@ -1852,7 +2606,7 @@
           <p:cNvPr id="9" name="Slide Number Placeholder 8">
             <a:extLst>
               <a:ext uri="{FF2B5EF4-FFF2-40B4-BE49-F238E27FC236}">
-                <a16:creationId xmlns:a16="http://schemas.microsoft.com/office/drawing/2014/main" id="{0DD46A68-142C-4E27-A002-80BD9C2C824F}"/>
+                <a16:creationId xmlns:a16="http://schemas.microsoft.com/office/drawing/2014/main" id="{9DAC602D-7333-48DE-9311-A21F6E12DE13}"/>
               </a:ext>
             </a:extLst>
           </p:cNvPr>
@@ -1868,7 +2622,7 @@
           <a:bodyPr/>
           <a:lstStyle/>
           <a:p>
-            <a:fld id="{FC9874BA-1FDF-46C3-9DF1-0CB858519E96}" type="slidenum">
+            <a:fld id="{569BA334-D3A4-470C-A1AD-F22DE6BC6CC1}" type="slidenum">
               <a:rPr lang="en-US" smtClean="0"/>
               <a:t>‹#›</a:t>
             </a:fld>
@@ -1879,7 +2633,7 @@
     </p:spTree>
     <p:extLst>
       <p:ext uri="{BB962C8B-B14F-4D97-AF65-F5344CB8AC3E}">
-        <p14:creationId xmlns:p14="http://schemas.microsoft.com/office/powerpoint/2010/main" val="578204337"/>
+        <p14:creationId xmlns:p14="http://schemas.microsoft.com/office/powerpoint/2010/main" val="1160603015"/>
       </p:ext>
     </p:extLst>
   </p:cSld>
@@ -1889,7 +2643,7 @@
 </p:sldLayout>
 </file>
 
-<file path=ppt/slideLayouts/slideLayout6.xml><?xml version="1.0" encoding="utf-8"?>
+<file path=ppt/slideLayouts/slideLayout17.xml><?xml version="1.0" encoding="utf-8"?>
 <p:sldLayout xmlns:a="http://schemas.openxmlformats.org/drawingml/2006/main" xmlns:r="http://schemas.openxmlformats.org/officeDocument/2006/relationships" xmlns:p="http://schemas.openxmlformats.org/presentationml/2006/main" type="titleOnly" preserve="1">
   <p:cSld name="Title Only">
     <p:spTree>
@@ -1911,7 +2665,7 @@
           <p:cNvPr id="2" name="Title 1">
             <a:extLst>
               <a:ext uri="{FF2B5EF4-FFF2-40B4-BE49-F238E27FC236}">
-                <a16:creationId xmlns:a16="http://schemas.microsoft.com/office/drawing/2014/main" id="{91CD5794-5571-44AF-B5D0-B4894908001D}"/>
+                <a16:creationId xmlns:a16="http://schemas.microsoft.com/office/drawing/2014/main" id="{C37F6EDF-C324-479E-87CE-68117DCDC61B}"/>
               </a:ext>
             </a:extLst>
           </p:cNvPr>
@@ -1939,7 +2693,7 @@
           <p:cNvPr id="3" name="Date Placeholder 2">
             <a:extLst>
               <a:ext uri="{FF2B5EF4-FFF2-40B4-BE49-F238E27FC236}">
-                <a16:creationId xmlns:a16="http://schemas.microsoft.com/office/drawing/2014/main" id="{F375B822-3634-47AB-9B92-2AE81D23276F}"/>
+                <a16:creationId xmlns:a16="http://schemas.microsoft.com/office/drawing/2014/main" id="{BC893A6C-1E37-469B-BB65-EA35C54C0EA8}"/>
               </a:ext>
             </a:extLst>
           </p:cNvPr>
@@ -1955,7 +2709,7 @@
           <a:bodyPr/>
           <a:lstStyle/>
           <a:p>
-            <a:fld id="{44A53013-1A0E-4E68-9D19-244B4260222B}" type="datetimeFigureOut">
+            <a:fld id="{3B5B4DC6-48D7-4B5C-A9ED-BFFCC4396DAF}" type="datetimeFigureOut">
               <a:rPr lang="en-US" smtClean="0"/>
               <a:t>7/15/2019</a:t>
             </a:fld>
@@ -1968,7 +2722,7 @@
           <p:cNvPr id="4" name="Footer Placeholder 3">
             <a:extLst>
               <a:ext uri="{FF2B5EF4-FFF2-40B4-BE49-F238E27FC236}">
-                <a16:creationId xmlns:a16="http://schemas.microsoft.com/office/drawing/2014/main" id="{FCB23DB1-70CD-4A2E-8AA6-EC3B073F5FBD}"/>
+                <a16:creationId xmlns:a16="http://schemas.microsoft.com/office/drawing/2014/main" id="{35F0E179-5F7A-4D05-B1BF-238136C4EE21}"/>
               </a:ext>
             </a:extLst>
           </p:cNvPr>
@@ -1993,7 +2747,7 @@
           <p:cNvPr id="5" name="Slide Number Placeholder 4">
             <a:extLst>
               <a:ext uri="{FF2B5EF4-FFF2-40B4-BE49-F238E27FC236}">
-                <a16:creationId xmlns:a16="http://schemas.microsoft.com/office/drawing/2014/main" id="{6ECE64EA-1A56-4920-A321-A25DD8FC9765}"/>
+                <a16:creationId xmlns:a16="http://schemas.microsoft.com/office/drawing/2014/main" id="{BC11CEB1-DBF1-4301-B5FB-6FECBA811D85}"/>
               </a:ext>
             </a:extLst>
           </p:cNvPr>
@@ -2009,7 +2763,7 @@
           <a:bodyPr/>
           <a:lstStyle/>
           <a:p>
-            <a:fld id="{FC9874BA-1FDF-46C3-9DF1-0CB858519E96}" type="slidenum">
+            <a:fld id="{569BA334-D3A4-470C-A1AD-F22DE6BC6CC1}" type="slidenum">
               <a:rPr lang="en-US" smtClean="0"/>
               <a:t>‹#›</a:t>
             </a:fld>
@@ -2020,7 +2774,7 @@
     </p:spTree>
     <p:extLst>
       <p:ext uri="{BB962C8B-B14F-4D97-AF65-F5344CB8AC3E}">
-        <p14:creationId xmlns:p14="http://schemas.microsoft.com/office/powerpoint/2010/main" val="649873964"/>
+        <p14:creationId xmlns:p14="http://schemas.microsoft.com/office/powerpoint/2010/main" val="3268425610"/>
       </p:ext>
     </p:extLst>
   </p:cSld>
@@ -2030,7 +2784,7 @@
 </p:sldLayout>
 </file>
 
-<file path=ppt/slideLayouts/slideLayout7.xml><?xml version="1.0" encoding="utf-8"?>
+<file path=ppt/slideLayouts/slideLayout18.xml><?xml version="1.0" encoding="utf-8"?>
 <p:sldLayout xmlns:a="http://schemas.openxmlformats.org/drawingml/2006/main" xmlns:r="http://schemas.openxmlformats.org/officeDocument/2006/relationships" xmlns:p="http://schemas.openxmlformats.org/presentationml/2006/main" type="blank" preserve="1">
   <p:cSld name="Blank">
     <p:spTree>
@@ -2052,7 +2806,7 @@
           <p:cNvPr id="2" name="Date Placeholder 1">
             <a:extLst>
               <a:ext uri="{FF2B5EF4-FFF2-40B4-BE49-F238E27FC236}">
-                <a16:creationId xmlns:a16="http://schemas.microsoft.com/office/drawing/2014/main" id="{4F13D92E-6779-49A6-8CDD-D5C0ADD543BF}"/>
+                <a16:creationId xmlns:a16="http://schemas.microsoft.com/office/drawing/2014/main" id="{97F1F32F-FE4E-4B63-82DD-79FC638BF9A9}"/>
               </a:ext>
             </a:extLst>
           </p:cNvPr>
@@ -2068,7 +2822,7 @@
           <a:bodyPr/>
           <a:lstStyle/>
           <a:p>
-            <a:fld id="{44A53013-1A0E-4E68-9D19-244B4260222B}" type="datetimeFigureOut">
+            <a:fld id="{3B5B4DC6-48D7-4B5C-A9ED-BFFCC4396DAF}" type="datetimeFigureOut">
               <a:rPr lang="en-US" smtClean="0"/>
               <a:t>7/15/2019</a:t>
             </a:fld>
@@ -2081,7 +2835,7 @@
           <p:cNvPr id="3" name="Footer Placeholder 2">
             <a:extLst>
               <a:ext uri="{FF2B5EF4-FFF2-40B4-BE49-F238E27FC236}">
-                <a16:creationId xmlns:a16="http://schemas.microsoft.com/office/drawing/2014/main" id="{415EF8B5-16B3-41A0-AE13-ADD8831C68C5}"/>
+                <a16:creationId xmlns:a16="http://schemas.microsoft.com/office/drawing/2014/main" id="{268F26D6-1640-437B-99D8-B55661005855}"/>
               </a:ext>
             </a:extLst>
           </p:cNvPr>
@@ -2106,7 +2860,7 @@
           <p:cNvPr id="4" name="Slide Number Placeholder 3">
             <a:extLst>
               <a:ext uri="{FF2B5EF4-FFF2-40B4-BE49-F238E27FC236}">
-                <a16:creationId xmlns:a16="http://schemas.microsoft.com/office/drawing/2014/main" id="{876694D2-C2B9-40EE-93B7-CECCBA887457}"/>
+                <a16:creationId xmlns:a16="http://schemas.microsoft.com/office/drawing/2014/main" id="{7590A90D-CCA0-4A14-B063-B0E63658391C}"/>
               </a:ext>
             </a:extLst>
           </p:cNvPr>
@@ -2122,7 +2876,7 @@
           <a:bodyPr/>
           <a:lstStyle/>
           <a:p>
-            <a:fld id="{FC9874BA-1FDF-46C3-9DF1-0CB858519E96}" type="slidenum">
+            <a:fld id="{569BA334-D3A4-470C-A1AD-F22DE6BC6CC1}" type="slidenum">
               <a:rPr lang="en-US" smtClean="0"/>
               <a:t>‹#›</a:t>
             </a:fld>
@@ -2133,7 +2887,7 @@
     </p:spTree>
     <p:extLst>
       <p:ext uri="{BB962C8B-B14F-4D97-AF65-F5344CB8AC3E}">
-        <p14:creationId xmlns:p14="http://schemas.microsoft.com/office/powerpoint/2010/main" val="1373997767"/>
+        <p14:creationId xmlns:p14="http://schemas.microsoft.com/office/powerpoint/2010/main" val="1704768033"/>
       </p:ext>
     </p:extLst>
   </p:cSld>
@@ -2143,7 +2897,7 @@
 </p:sldLayout>
 </file>
 
-<file path=ppt/slideLayouts/slideLayout8.xml><?xml version="1.0" encoding="utf-8"?>
+<file path=ppt/slideLayouts/slideLayout19.xml><?xml version="1.0" encoding="utf-8"?>
 <p:sldLayout xmlns:a="http://schemas.openxmlformats.org/drawingml/2006/main" xmlns:r="http://schemas.openxmlformats.org/officeDocument/2006/relationships" xmlns:p="http://schemas.openxmlformats.org/presentationml/2006/main" type="objTx" preserve="1">
   <p:cSld name="Content with Caption">
     <p:spTree>
@@ -2165,7 +2919,7 @@
           <p:cNvPr id="2" name="Title 1">
             <a:extLst>
               <a:ext uri="{FF2B5EF4-FFF2-40B4-BE49-F238E27FC236}">
-                <a16:creationId xmlns:a16="http://schemas.microsoft.com/office/drawing/2014/main" id="{71381171-CB62-4E8B-95BA-4B61C3314331}"/>
+                <a16:creationId xmlns:a16="http://schemas.microsoft.com/office/drawing/2014/main" id="{1B1BDE26-5599-4060-B18B-33D96517A4A8}"/>
               </a:ext>
             </a:extLst>
           </p:cNvPr>
@@ -2202,7 +2956,7 @@
           <p:cNvPr id="3" name="Content Placeholder 2">
             <a:extLst>
               <a:ext uri="{FF2B5EF4-FFF2-40B4-BE49-F238E27FC236}">
-                <a16:creationId xmlns:a16="http://schemas.microsoft.com/office/drawing/2014/main" id="{AC17866B-7C23-4295-AEBB-82F6E6B41D92}"/>
+                <a16:creationId xmlns:a16="http://schemas.microsoft.com/office/drawing/2014/main" id="{E02F97C6-A28D-47AE-B190-6CDE724506A6}"/>
               </a:ext>
             </a:extLst>
           </p:cNvPr>
@@ -2292,7 +3046,7 @@
           <p:cNvPr id="4" name="Text Placeholder 3">
             <a:extLst>
               <a:ext uri="{FF2B5EF4-FFF2-40B4-BE49-F238E27FC236}">
-                <a16:creationId xmlns:a16="http://schemas.microsoft.com/office/drawing/2014/main" id="{D9A34D98-99E0-49FA-8EFA-81175D6D5273}"/>
+                <a16:creationId xmlns:a16="http://schemas.microsoft.com/office/drawing/2014/main" id="{05ED496D-07E3-4D59-B8A8-6A5BA87FBDD1}"/>
               </a:ext>
             </a:extLst>
           </p:cNvPr>
@@ -2363,7 +3117,7 @@
           <p:cNvPr id="5" name="Date Placeholder 4">
             <a:extLst>
               <a:ext uri="{FF2B5EF4-FFF2-40B4-BE49-F238E27FC236}">
-                <a16:creationId xmlns:a16="http://schemas.microsoft.com/office/drawing/2014/main" id="{13009932-C317-4652-8952-CD86C362EB11}"/>
+                <a16:creationId xmlns:a16="http://schemas.microsoft.com/office/drawing/2014/main" id="{9C7CC074-D8B7-4035-B5B9-58CEC47A4217}"/>
               </a:ext>
             </a:extLst>
           </p:cNvPr>
@@ -2379,7 +3133,7 @@
           <a:bodyPr/>
           <a:lstStyle/>
           <a:p>
-            <a:fld id="{44A53013-1A0E-4E68-9D19-244B4260222B}" type="datetimeFigureOut">
+            <a:fld id="{3B5B4DC6-48D7-4B5C-A9ED-BFFCC4396DAF}" type="datetimeFigureOut">
               <a:rPr lang="en-US" smtClean="0"/>
               <a:t>7/15/2019</a:t>
             </a:fld>
@@ -2392,7 +3146,7 @@
           <p:cNvPr id="6" name="Footer Placeholder 5">
             <a:extLst>
               <a:ext uri="{FF2B5EF4-FFF2-40B4-BE49-F238E27FC236}">
-                <a16:creationId xmlns:a16="http://schemas.microsoft.com/office/drawing/2014/main" id="{E9FFC0E1-9BEA-4C4E-83F1-A67D70334B86}"/>
+                <a16:creationId xmlns:a16="http://schemas.microsoft.com/office/drawing/2014/main" id="{4CC2C6AA-5F07-4C97-848E-F2702FBBD600}"/>
               </a:ext>
             </a:extLst>
           </p:cNvPr>
@@ -2417,7 +3171,7 @@
           <p:cNvPr id="7" name="Slide Number Placeholder 6">
             <a:extLst>
               <a:ext uri="{FF2B5EF4-FFF2-40B4-BE49-F238E27FC236}">
-                <a16:creationId xmlns:a16="http://schemas.microsoft.com/office/drawing/2014/main" id="{EA69B613-8123-4D17-A5DA-A6066BDD84D0}"/>
+                <a16:creationId xmlns:a16="http://schemas.microsoft.com/office/drawing/2014/main" id="{6245B149-A786-4218-BB5A-10D2AA223A1D}"/>
               </a:ext>
             </a:extLst>
           </p:cNvPr>
@@ -2433,7 +3187,7 @@
           <a:bodyPr/>
           <a:lstStyle/>
           <a:p>
-            <a:fld id="{FC9874BA-1FDF-46C3-9DF1-0CB858519E96}" type="slidenum">
+            <a:fld id="{569BA334-D3A4-470C-A1AD-F22DE6BC6CC1}" type="slidenum">
               <a:rPr lang="en-US" smtClean="0"/>
               <a:t>‹#›</a:t>
             </a:fld>
@@ -2444,7 +3198,2135 @@
     </p:spTree>
     <p:extLst>
       <p:ext uri="{BB962C8B-B14F-4D97-AF65-F5344CB8AC3E}">
-        <p14:creationId xmlns:p14="http://schemas.microsoft.com/office/powerpoint/2010/main" val="1943215247"/>
+        <p14:creationId xmlns:p14="http://schemas.microsoft.com/office/powerpoint/2010/main" val="905717203"/>
+      </p:ext>
+    </p:extLst>
+  </p:cSld>
+  <p:clrMapOvr>
+    <a:masterClrMapping/>
+  </p:clrMapOvr>
+</p:sldLayout>
+</file>
+
+<file path=ppt/slideLayouts/slideLayout2.xml><?xml version="1.0" encoding="utf-8"?>
+<p:sldLayout xmlns:a="http://schemas.openxmlformats.org/drawingml/2006/main" xmlns:r="http://schemas.openxmlformats.org/officeDocument/2006/relationships" xmlns:p="http://schemas.openxmlformats.org/presentationml/2006/main" preserve="1" userDrawn="1">
+  <p:cSld name="End of Session Slide">
+    <p:bg>
+      <p:bgPr>
+        <a:blipFill dpi="0" rotWithShape="1">
+          <a:blip r:embed="rId2">
+            <a:lum/>
+          </a:blip>
+          <a:srcRect/>
+          <a:stretch>
+            <a:fillRect/>
+          </a:stretch>
+        </a:blipFill>
+        <a:effectLst/>
+      </p:bgPr>
+    </p:bg>
+    <p:spTree>
+      <p:nvGrpSpPr>
+        <p:cNvPr id="1" name=""/>
+        <p:cNvGrpSpPr/>
+        <p:nvPr/>
+      </p:nvGrpSpPr>
+      <p:grpSpPr>
+        <a:xfrm>
+          <a:off x="0" y="0"/>
+          <a:ext cx="0" cy="0"/>
+          <a:chOff x="0" y="0"/>
+          <a:chExt cx="0" cy="0"/>
+        </a:xfrm>
+      </p:grpSpPr>
+      <p:sp>
+        <p:nvSpPr>
+          <p:cNvPr id="2" name="Title 1">
+            <a:extLst>
+              <a:ext uri="{FF2B5EF4-FFF2-40B4-BE49-F238E27FC236}">
+                <a16:creationId xmlns:a16="http://schemas.microsoft.com/office/drawing/2014/main" id="{1E7DB89E-026D-4ADA-9E9F-245CF6695C3E}"/>
+              </a:ext>
+            </a:extLst>
+          </p:cNvPr>
+          <p:cNvSpPr>
+            <a:spLocks noGrp="1"/>
+          </p:cNvSpPr>
+          <p:nvPr>
+            <p:ph type="ctrTitle"/>
+          </p:nvPr>
+        </p:nvSpPr>
+        <p:spPr>
+          <a:xfrm>
+            <a:off x="296180" y="446086"/>
+            <a:ext cx="9211429" cy="911659"/>
+          </a:xfrm>
+          <a:prstGeom prst="rect">
+            <a:avLst/>
+          </a:prstGeom>
+        </p:spPr>
+        <p:txBody>
+          <a:bodyPr anchor="b"/>
+          <a:lstStyle>
+            <a:lvl1pPr algn="ctr">
+              <a:defRPr sz="3200" b="1">
+                <a:solidFill>
+                  <a:srgbClr val="B40000"/>
+                </a:solidFill>
+                <a:latin typeface="Arial" panose="020B0604020202020204" pitchFamily="34" charset="0"/>
+                <a:cs typeface="Arial" panose="020B0604020202020204" pitchFamily="34" charset="0"/>
+              </a:defRPr>
+            </a:lvl1pPr>
+          </a:lstStyle>
+          <a:p>
+            <a:endParaRPr lang="en-US" dirty="0"/>
+          </a:p>
+        </p:txBody>
+      </p:sp>
+      <p:sp>
+        <p:nvSpPr>
+          <p:cNvPr id="3" name="Subtitle 2">
+            <a:extLst>
+              <a:ext uri="{FF2B5EF4-FFF2-40B4-BE49-F238E27FC236}">
+                <a16:creationId xmlns:a16="http://schemas.microsoft.com/office/drawing/2014/main" id="{ED19830A-A6CC-43B6-B98C-8F74BB42F0BE}"/>
+              </a:ext>
+            </a:extLst>
+          </p:cNvPr>
+          <p:cNvSpPr>
+            <a:spLocks noGrp="1"/>
+          </p:cNvSpPr>
+          <p:nvPr>
+            <p:ph type="subTitle" idx="1" hasCustomPrompt="1"/>
+          </p:nvPr>
+        </p:nvSpPr>
+        <p:spPr>
+          <a:xfrm>
+            <a:off x="296180" y="2142836"/>
+            <a:ext cx="9144000" cy="3583709"/>
+          </a:xfrm>
+          <a:prstGeom prst="rect">
+            <a:avLst/>
+          </a:prstGeom>
+        </p:spPr>
+        <p:txBody>
+          <a:bodyPr/>
+          <a:lstStyle>
+            <a:lvl1pPr marL="0" indent="0" algn="ctr">
+              <a:buNone/>
+              <a:defRPr sz="2400">
+                <a:solidFill>
+                  <a:srgbClr val="606060"/>
+                </a:solidFill>
+                <a:latin typeface="Arial" panose="020B0604020202020204" pitchFamily="34" charset="0"/>
+                <a:cs typeface="Arial" panose="020B0604020202020204" pitchFamily="34" charset="0"/>
+              </a:defRPr>
+            </a:lvl1pPr>
+            <a:lvl2pPr marL="457200" indent="0" algn="ctr">
+              <a:buNone/>
+              <a:defRPr sz="2000"/>
+            </a:lvl2pPr>
+            <a:lvl3pPr marL="914400" indent="0" algn="ctr">
+              <a:buNone/>
+              <a:defRPr sz="1800"/>
+            </a:lvl3pPr>
+            <a:lvl4pPr marL="1371600" indent="0" algn="ctr">
+              <a:buNone/>
+              <a:defRPr sz="1600"/>
+            </a:lvl4pPr>
+            <a:lvl5pPr marL="1828800" indent="0" algn="ctr">
+              <a:buNone/>
+              <a:defRPr sz="1600"/>
+            </a:lvl5pPr>
+            <a:lvl6pPr marL="2286000" indent="0" algn="ctr">
+              <a:buNone/>
+              <a:defRPr sz="1600"/>
+            </a:lvl6pPr>
+            <a:lvl7pPr marL="2743200" indent="0" algn="ctr">
+              <a:buNone/>
+              <a:defRPr sz="1600"/>
+            </a:lvl7pPr>
+            <a:lvl8pPr marL="3200400" indent="0" algn="ctr">
+              <a:buNone/>
+              <a:defRPr sz="1600"/>
+            </a:lvl8pPr>
+            <a:lvl9pPr marL="3657600" indent="0" algn="ctr">
+              <a:buNone/>
+              <a:defRPr sz="1600"/>
+            </a:lvl9pPr>
+          </a:lstStyle>
+          <a:p>
+            <a:br>
+              <a:rPr lang="en-US" dirty="0"/>
+            </a:br>
+            <a:br>
+              <a:rPr lang="en-US" dirty="0"/>
+            </a:br>
+            <a:endParaRPr lang="en-US" dirty="0"/>
+          </a:p>
+        </p:txBody>
+      </p:sp>
+      <p:sp>
+        <p:nvSpPr>
+          <p:cNvPr id="16" name="DIGITAL BUILT WEEK NORTH AMERICA | Hyatt Regency | Seattle | 17 - 20 July 2019">
+            <a:extLst>
+              <a:ext uri="{FF2B5EF4-FFF2-40B4-BE49-F238E27FC236}">
+                <a16:creationId xmlns:a16="http://schemas.microsoft.com/office/drawing/2014/main" id="{714302DB-F628-490D-B58D-7E676BE78755}"/>
+              </a:ext>
+            </a:extLst>
+          </p:cNvPr>
+          <p:cNvSpPr txBox="1"/>
+          <p:nvPr userDrawn="1"/>
+        </p:nvSpPr>
+        <p:spPr>
+          <a:xfrm>
+            <a:off x="379307" y="6281736"/>
+            <a:ext cx="8700052" cy="576264"/>
+          </a:xfrm>
+          <a:prstGeom prst="rect">
+            <a:avLst/>
+          </a:prstGeom>
+          <a:ln w="12700">
+            <a:miter lim="400000"/>
+          </a:ln>
+          <a:extLst>
+            <a:ext uri="{C572A759-6A51-4108-AA02-DFA0A04FC94B}">
+              <ma14:wrappingTextBoxFlag xmlns="" xmlns:m="http://schemas.openxmlformats.org/officeDocument/2006/math" xmlns:a14="http://schemas.microsoft.com/office/drawing/2010/main" xmlns:ma14="http://schemas.microsoft.com/office/mac/drawingml/2011/main" val="1"/>
+            </a:ext>
+          </a:extLst>
+        </p:spPr>
+        <p:txBody>
+          <a:bodyPr lIns="45719" rIns="45719" anchor="ctr">
+            <a:normAutofit/>
+          </a:bodyPr>
+          <a:lstStyle/>
+          <a:p>
+            <a:pPr algn="ctr" defTabSz="585215">
+              <a:spcBef>
+                <a:spcPts val="300"/>
+              </a:spcBef>
+              <a:defRPr sz="1727">
+                <a:solidFill>
+                  <a:srgbClr val="BB272B"/>
+                </a:solidFill>
+                <a:latin typeface="Calibri"/>
+                <a:ea typeface="Calibri"/>
+                <a:cs typeface="Calibri"/>
+                <a:sym typeface="Calibri"/>
+              </a:defRPr>
+            </a:pPr>
+            <a:r>
+              <a:rPr dirty="0"/>
+              <a:t>DIGITAL BUILT WEEK NORTH AMERICA | </a:t>
+            </a:r>
+            <a:r>
+              <a:rPr dirty="0">
+                <a:solidFill>
+                  <a:srgbClr val="A7A7A7"/>
+                </a:solidFill>
+              </a:rPr>
+              <a:t>Hyatt Regency</a:t>
+            </a:r>
+            <a:r>
+              <a:rPr dirty="0"/>
+              <a:t> | Seattle | </a:t>
+            </a:r>
+            <a:r>
+              <a:rPr dirty="0">
+                <a:solidFill>
+                  <a:srgbClr val="A7A7A7"/>
+                </a:solidFill>
+              </a:rPr>
+              <a:t>17 - 20 July 2019</a:t>
+            </a:r>
+          </a:p>
+        </p:txBody>
+      </p:sp>
+    </p:spTree>
+    <p:extLst>
+      <p:ext uri="{BB962C8B-B14F-4D97-AF65-F5344CB8AC3E}">
+        <p14:creationId xmlns:p14="http://schemas.microsoft.com/office/powerpoint/2010/main" val="2948909555"/>
+      </p:ext>
+    </p:extLst>
+  </p:cSld>
+  <p:clrMapOvr>
+    <a:masterClrMapping/>
+  </p:clrMapOvr>
+</p:sldLayout>
+</file>
+
+<file path=ppt/slideLayouts/slideLayout20.xml><?xml version="1.0" encoding="utf-8"?>
+<p:sldLayout xmlns:a="http://schemas.openxmlformats.org/drawingml/2006/main" xmlns:r="http://schemas.openxmlformats.org/officeDocument/2006/relationships" xmlns:p="http://schemas.openxmlformats.org/presentationml/2006/main" type="picTx" preserve="1">
+  <p:cSld name="Picture with Caption">
+    <p:spTree>
+      <p:nvGrpSpPr>
+        <p:cNvPr id="1" name=""/>
+        <p:cNvGrpSpPr/>
+        <p:nvPr/>
+      </p:nvGrpSpPr>
+      <p:grpSpPr>
+        <a:xfrm>
+          <a:off x="0" y="0"/>
+          <a:ext cx="0" cy="0"/>
+          <a:chOff x="0" y="0"/>
+          <a:chExt cx="0" cy="0"/>
+        </a:xfrm>
+      </p:grpSpPr>
+      <p:sp>
+        <p:nvSpPr>
+          <p:cNvPr id="2" name="Title 1">
+            <a:extLst>
+              <a:ext uri="{FF2B5EF4-FFF2-40B4-BE49-F238E27FC236}">
+                <a16:creationId xmlns:a16="http://schemas.microsoft.com/office/drawing/2014/main" id="{7B53D569-58D0-4FA8-BA38-6DF191213266}"/>
+              </a:ext>
+            </a:extLst>
+          </p:cNvPr>
+          <p:cNvSpPr>
+            <a:spLocks noGrp="1"/>
+          </p:cNvSpPr>
+          <p:nvPr>
+            <p:ph type="title"/>
+          </p:nvPr>
+        </p:nvSpPr>
+        <p:spPr>
+          <a:xfrm>
+            <a:off x="839788" y="457200"/>
+            <a:ext cx="3932237" cy="1600200"/>
+          </a:xfrm>
+        </p:spPr>
+        <p:txBody>
+          <a:bodyPr anchor="b"/>
+          <a:lstStyle>
+            <a:lvl1pPr>
+              <a:defRPr sz="3200"/>
+            </a:lvl1pPr>
+          </a:lstStyle>
+          <a:p>
+            <a:r>
+              <a:rPr lang="en-US"/>
+              <a:t>Click to edit Master title style</a:t>
+            </a:r>
+          </a:p>
+        </p:txBody>
+      </p:sp>
+      <p:sp>
+        <p:nvSpPr>
+          <p:cNvPr id="3" name="Picture Placeholder 2">
+            <a:extLst>
+              <a:ext uri="{FF2B5EF4-FFF2-40B4-BE49-F238E27FC236}">
+                <a16:creationId xmlns:a16="http://schemas.microsoft.com/office/drawing/2014/main" id="{02F0E10A-3BE3-4A22-83D1-232AC9DAED5D}"/>
+              </a:ext>
+            </a:extLst>
+          </p:cNvPr>
+          <p:cNvSpPr>
+            <a:spLocks noGrp="1"/>
+          </p:cNvSpPr>
+          <p:nvPr>
+            <p:ph type="pic" idx="1"/>
+          </p:nvPr>
+        </p:nvSpPr>
+        <p:spPr>
+          <a:xfrm>
+            <a:off x="5183188" y="987425"/>
+            <a:ext cx="6172200" cy="4873625"/>
+          </a:xfrm>
+        </p:spPr>
+        <p:txBody>
+          <a:bodyPr/>
+          <a:lstStyle>
+            <a:lvl1pPr marL="0" indent="0">
+              <a:buNone/>
+              <a:defRPr sz="3200"/>
+            </a:lvl1pPr>
+            <a:lvl2pPr marL="457200" indent="0">
+              <a:buNone/>
+              <a:defRPr sz="2800"/>
+            </a:lvl2pPr>
+            <a:lvl3pPr marL="914400" indent="0">
+              <a:buNone/>
+              <a:defRPr sz="2400"/>
+            </a:lvl3pPr>
+            <a:lvl4pPr marL="1371600" indent="0">
+              <a:buNone/>
+              <a:defRPr sz="2000"/>
+            </a:lvl4pPr>
+            <a:lvl5pPr marL="1828800" indent="0">
+              <a:buNone/>
+              <a:defRPr sz="2000"/>
+            </a:lvl5pPr>
+            <a:lvl6pPr marL="2286000" indent="0">
+              <a:buNone/>
+              <a:defRPr sz="2000"/>
+            </a:lvl6pPr>
+            <a:lvl7pPr marL="2743200" indent="0">
+              <a:buNone/>
+              <a:defRPr sz="2000"/>
+            </a:lvl7pPr>
+            <a:lvl8pPr marL="3200400" indent="0">
+              <a:buNone/>
+              <a:defRPr sz="2000"/>
+            </a:lvl8pPr>
+            <a:lvl9pPr marL="3657600" indent="0">
+              <a:buNone/>
+              <a:defRPr sz="2000"/>
+            </a:lvl9pPr>
+          </a:lstStyle>
+          <a:p>
+            <a:endParaRPr lang="en-US"/>
+          </a:p>
+        </p:txBody>
+      </p:sp>
+      <p:sp>
+        <p:nvSpPr>
+          <p:cNvPr id="4" name="Text Placeholder 3">
+            <a:extLst>
+              <a:ext uri="{FF2B5EF4-FFF2-40B4-BE49-F238E27FC236}">
+                <a16:creationId xmlns:a16="http://schemas.microsoft.com/office/drawing/2014/main" id="{FE8E05F2-BB95-4277-A817-E8C10A43B697}"/>
+              </a:ext>
+            </a:extLst>
+          </p:cNvPr>
+          <p:cNvSpPr>
+            <a:spLocks noGrp="1"/>
+          </p:cNvSpPr>
+          <p:nvPr>
+            <p:ph type="body" sz="half" idx="2"/>
+          </p:nvPr>
+        </p:nvSpPr>
+        <p:spPr>
+          <a:xfrm>
+            <a:off x="839788" y="2057400"/>
+            <a:ext cx="3932237" cy="3811588"/>
+          </a:xfrm>
+        </p:spPr>
+        <p:txBody>
+          <a:bodyPr/>
+          <a:lstStyle>
+            <a:lvl1pPr marL="0" indent="0">
+              <a:buNone/>
+              <a:defRPr sz="1600"/>
+            </a:lvl1pPr>
+            <a:lvl2pPr marL="457200" indent="0">
+              <a:buNone/>
+              <a:defRPr sz="1400"/>
+            </a:lvl2pPr>
+            <a:lvl3pPr marL="914400" indent="0">
+              <a:buNone/>
+              <a:defRPr sz="1200"/>
+            </a:lvl3pPr>
+            <a:lvl4pPr marL="1371600" indent="0">
+              <a:buNone/>
+              <a:defRPr sz="1000"/>
+            </a:lvl4pPr>
+            <a:lvl5pPr marL="1828800" indent="0">
+              <a:buNone/>
+              <a:defRPr sz="1000"/>
+            </a:lvl5pPr>
+            <a:lvl6pPr marL="2286000" indent="0">
+              <a:buNone/>
+              <a:defRPr sz="1000"/>
+            </a:lvl6pPr>
+            <a:lvl7pPr marL="2743200" indent="0">
+              <a:buNone/>
+              <a:defRPr sz="1000"/>
+            </a:lvl7pPr>
+            <a:lvl8pPr marL="3200400" indent="0">
+              <a:buNone/>
+              <a:defRPr sz="1000"/>
+            </a:lvl8pPr>
+            <a:lvl9pPr marL="3657600" indent="0">
+              <a:buNone/>
+              <a:defRPr sz="1000"/>
+            </a:lvl9pPr>
+          </a:lstStyle>
+          <a:p>
+            <a:pPr lvl="0"/>
+            <a:r>
+              <a:rPr lang="en-US"/>
+              <a:t>Click to edit Master text styles</a:t>
+            </a:r>
+          </a:p>
+        </p:txBody>
+      </p:sp>
+      <p:sp>
+        <p:nvSpPr>
+          <p:cNvPr id="5" name="Date Placeholder 4">
+            <a:extLst>
+              <a:ext uri="{FF2B5EF4-FFF2-40B4-BE49-F238E27FC236}">
+                <a16:creationId xmlns:a16="http://schemas.microsoft.com/office/drawing/2014/main" id="{42CC2BF4-0B10-4CD8-B937-7C9A5562D0BA}"/>
+              </a:ext>
+            </a:extLst>
+          </p:cNvPr>
+          <p:cNvSpPr>
+            <a:spLocks noGrp="1"/>
+          </p:cNvSpPr>
+          <p:nvPr>
+            <p:ph type="dt" sz="half" idx="10"/>
+          </p:nvPr>
+        </p:nvSpPr>
+        <p:spPr/>
+        <p:txBody>
+          <a:bodyPr/>
+          <a:lstStyle/>
+          <a:p>
+            <a:fld id="{3B5B4DC6-48D7-4B5C-A9ED-BFFCC4396DAF}" type="datetimeFigureOut">
+              <a:rPr lang="en-US" smtClean="0"/>
+              <a:t>7/15/2019</a:t>
+            </a:fld>
+            <a:endParaRPr lang="en-US"/>
+          </a:p>
+        </p:txBody>
+      </p:sp>
+      <p:sp>
+        <p:nvSpPr>
+          <p:cNvPr id="6" name="Footer Placeholder 5">
+            <a:extLst>
+              <a:ext uri="{FF2B5EF4-FFF2-40B4-BE49-F238E27FC236}">
+                <a16:creationId xmlns:a16="http://schemas.microsoft.com/office/drawing/2014/main" id="{17F01E25-E2D9-4CDD-B5C0-2640CF88D482}"/>
+              </a:ext>
+            </a:extLst>
+          </p:cNvPr>
+          <p:cNvSpPr>
+            <a:spLocks noGrp="1"/>
+          </p:cNvSpPr>
+          <p:nvPr>
+            <p:ph type="ftr" sz="quarter" idx="11"/>
+          </p:nvPr>
+        </p:nvSpPr>
+        <p:spPr/>
+        <p:txBody>
+          <a:bodyPr/>
+          <a:lstStyle/>
+          <a:p>
+            <a:endParaRPr lang="en-US"/>
+          </a:p>
+        </p:txBody>
+      </p:sp>
+      <p:sp>
+        <p:nvSpPr>
+          <p:cNvPr id="7" name="Slide Number Placeholder 6">
+            <a:extLst>
+              <a:ext uri="{FF2B5EF4-FFF2-40B4-BE49-F238E27FC236}">
+                <a16:creationId xmlns:a16="http://schemas.microsoft.com/office/drawing/2014/main" id="{B2D3DE47-60D2-4EA9-9D04-01B82E743927}"/>
+              </a:ext>
+            </a:extLst>
+          </p:cNvPr>
+          <p:cNvSpPr>
+            <a:spLocks noGrp="1"/>
+          </p:cNvSpPr>
+          <p:nvPr>
+            <p:ph type="sldNum" sz="quarter" idx="12"/>
+          </p:nvPr>
+        </p:nvSpPr>
+        <p:spPr/>
+        <p:txBody>
+          <a:bodyPr/>
+          <a:lstStyle/>
+          <a:p>
+            <a:fld id="{569BA334-D3A4-470C-A1AD-F22DE6BC6CC1}" type="slidenum">
+              <a:rPr lang="en-US" smtClean="0"/>
+              <a:t>‹#›</a:t>
+            </a:fld>
+            <a:endParaRPr lang="en-US"/>
+          </a:p>
+        </p:txBody>
+      </p:sp>
+    </p:spTree>
+    <p:extLst>
+      <p:ext uri="{BB962C8B-B14F-4D97-AF65-F5344CB8AC3E}">
+        <p14:creationId xmlns:p14="http://schemas.microsoft.com/office/powerpoint/2010/main" val="1351404315"/>
+      </p:ext>
+    </p:extLst>
+  </p:cSld>
+  <p:clrMapOvr>
+    <a:masterClrMapping/>
+  </p:clrMapOvr>
+</p:sldLayout>
+</file>
+
+<file path=ppt/slideLayouts/slideLayout21.xml><?xml version="1.0" encoding="utf-8"?>
+<p:sldLayout xmlns:a="http://schemas.openxmlformats.org/drawingml/2006/main" xmlns:r="http://schemas.openxmlformats.org/officeDocument/2006/relationships" xmlns:p="http://schemas.openxmlformats.org/presentationml/2006/main" type="vertTx" preserve="1">
+  <p:cSld name="Title and Vertical Text">
+    <p:spTree>
+      <p:nvGrpSpPr>
+        <p:cNvPr id="1" name=""/>
+        <p:cNvGrpSpPr/>
+        <p:nvPr/>
+      </p:nvGrpSpPr>
+      <p:grpSpPr>
+        <a:xfrm>
+          <a:off x="0" y="0"/>
+          <a:ext cx="0" cy="0"/>
+          <a:chOff x="0" y="0"/>
+          <a:chExt cx="0" cy="0"/>
+        </a:xfrm>
+      </p:grpSpPr>
+      <p:sp>
+        <p:nvSpPr>
+          <p:cNvPr id="2" name="Title 1">
+            <a:extLst>
+              <a:ext uri="{FF2B5EF4-FFF2-40B4-BE49-F238E27FC236}">
+                <a16:creationId xmlns:a16="http://schemas.microsoft.com/office/drawing/2014/main" id="{04761369-5ECE-4F60-908F-884ACE775063}"/>
+              </a:ext>
+            </a:extLst>
+          </p:cNvPr>
+          <p:cNvSpPr>
+            <a:spLocks noGrp="1"/>
+          </p:cNvSpPr>
+          <p:nvPr>
+            <p:ph type="title"/>
+          </p:nvPr>
+        </p:nvSpPr>
+        <p:spPr/>
+        <p:txBody>
+          <a:bodyPr/>
+          <a:lstStyle/>
+          <a:p>
+            <a:r>
+              <a:rPr lang="en-US"/>
+              <a:t>Click to edit Master title style</a:t>
+            </a:r>
+          </a:p>
+        </p:txBody>
+      </p:sp>
+      <p:sp>
+        <p:nvSpPr>
+          <p:cNvPr id="3" name="Vertical Text Placeholder 2">
+            <a:extLst>
+              <a:ext uri="{FF2B5EF4-FFF2-40B4-BE49-F238E27FC236}">
+                <a16:creationId xmlns:a16="http://schemas.microsoft.com/office/drawing/2014/main" id="{3AD68283-0EA7-4707-BAA6-3A8FE5300E63}"/>
+              </a:ext>
+            </a:extLst>
+          </p:cNvPr>
+          <p:cNvSpPr>
+            <a:spLocks noGrp="1"/>
+          </p:cNvSpPr>
+          <p:nvPr>
+            <p:ph type="body" orient="vert" idx="1"/>
+          </p:nvPr>
+        </p:nvSpPr>
+        <p:spPr/>
+        <p:txBody>
+          <a:bodyPr vert="eaVert"/>
+          <a:lstStyle/>
+          <a:p>
+            <a:pPr lvl="0"/>
+            <a:r>
+              <a:rPr lang="en-US"/>
+              <a:t>Click to edit Master text styles</a:t>
+            </a:r>
+          </a:p>
+          <a:p>
+            <a:pPr lvl="1"/>
+            <a:r>
+              <a:rPr lang="en-US"/>
+              <a:t>Second level</a:t>
+            </a:r>
+          </a:p>
+          <a:p>
+            <a:pPr lvl="2"/>
+            <a:r>
+              <a:rPr lang="en-US"/>
+              <a:t>Third level</a:t>
+            </a:r>
+          </a:p>
+          <a:p>
+            <a:pPr lvl="3"/>
+            <a:r>
+              <a:rPr lang="en-US"/>
+              <a:t>Fourth level</a:t>
+            </a:r>
+          </a:p>
+          <a:p>
+            <a:pPr lvl="4"/>
+            <a:r>
+              <a:rPr lang="en-US"/>
+              <a:t>Fifth level</a:t>
+            </a:r>
+          </a:p>
+        </p:txBody>
+      </p:sp>
+      <p:sp>
+        <p:nvSpPr>
+          <p:cNvPr id="4" name="Date Placeholder 3">
+            <a:extLst>
+              <a:ext uri="{FF2B5EF4-FFF2-40B4-BE49-F238E27FC236}">
+                <a16:creationId xmlns:a16="http://schemas.microsoft.com/office/drawing/2014/main" id="{C4AEAE93-CE2D-4305-B802-24EA0C024369}"/>
+              </a:ext>
+            </a:extLst>
+          </p:cNvPr>
+          <p:cNvSpPr>
+            <a:spLocks noGrp="1"/>
+          </p:cNvSpPr>
+          <p:nvPr>
+            <p:ph type="dt" sz="half" idx="10"/>
+          </p:nvPr>
+        </p:nvSpPr>
+        <p:spPr/>
+        <p:txBody>
+          <a:bodyPr/>
+          <a:lstStyle/>
+          <a:p>
+            <a:fld id="{3B5B4DC6-48D7-4B5C-A9ED-BFFCC4396DAF}" type="datetimeFigureOut">
+              <a:rPr lang="en-US" smtClean="0"/>
+              <a:t>7/15/2019</a:t>
+            </a:fld>
+            <a:endParaRPr lang="en-US"/>
+          </a:p>
+        </p:txBody>
+      </p:sp>
+      <p:sp>
+        <p:nvSpPr>
+          <p:cNvPr id="5" name="Footer Placeholder 4">
+            <a:extLst>
+              <a:ext uri="{FF2B5EF4-FFF2-40B4-BE49-F238E27FC236}">
+                <a16:creationId xmlns:a16="http://schemas.microsoft.com/office/drawing/2014/main" id="{C2229F81-CD12-4E43-965F-9ADF5EB1E0EB}"/>
+              </a:ext>
+            </a:extLst>
+          </p:cNvPr>
+          <p:cNvSpPr>
+            <a:spLocks noGrp="1"/>
+          </p:cNvSpPr>
+          <p:nvPr>
+            <p:ph type="ftr" sz="quarter" idx="11"/>
+          </p:nvPr>
+        </p:nvSpPr>
+        <p:spPr/>
+        <p:txBody>
+          <a:bodyPr/>
+          <a:lstStyle/>
+          <a:p>
+            <a:endParaRPr lang="en-US"/>
+          </a:p>
+        </p:txBody>
+      </p:sp>
+      <p:sp>
+        <p:nvSpPr>
+          <p:cNvPr id="6" name="Slide Number Placeholder 5">
+            <a:extLst>
+              <a:ext uri="{FF2B5EF4-FFF2-40B4-BE49-F238E27FC236}">
+                <a16:creationId xmlns:a16="http://schemas.microsoft.com/office/drawing/2014/main" id="{D3790F0A-3A5F-4FB0-A72A-09913D99A5CA}"/>
+              </a:ext>
+            </a:extLst>
+          </p:cNvPr>
+          <p:cNvSpPr>
+            <a:spLocks noGrp="1"/>
+          </p:cNvSpPr>
+          <p:nvPr>
+            <p:ph type="sldNum" sz="quarter" idx="12"/>
+          </p:nvPr>
+        </p:nvSpPr>
+        <p:spPr/>
+        <p:txBody>
+          <a:bodyPr/>
+          <a:lstStyle/>
+          <a:p>
+            <a:fld id="{569BA334-D3A4-470C-A1AD-F22DE6BC6CC1}" type="slidenum">
+              <a:rPr lang="en-US" smtClean="0"/>
+              <a:t>‹#›</a:t>
+            </a:fld>
+            <a:endParaRPr lang="en-US"/>
+          </a:p>
+        </p:txBody>
+      </p:sp>
+    </p:spTree>
+    <p:extLst>
+      <p:ext uri="{BB962C8B-B14F-4D97-AF65-F5344CB8AC3E}">
+        <p14:creationId xmlns:p14="http://schemas.microsoft.com/office/powerpoint/2010/main" val="2481672576"/>
+      </p:ext>
+    </p:extLst>
+  </p:cSld>
+  <p:clrMapOvr>
+    <a:masterClrMapping/>
+  </p:clrMapOvr>
+</p:sldLayout>
+</file>
+
+<file path=ppt/slideLayouts/slideLayout22.xml><?xml version="1.0" encoding="utf-8"?>
+<p:sldLayout xmlns:a="http://schemas.openxmlformats.org/drawingml/2006/main" xmlns:r="http://schemas.openxmlformats.org/officeDocument/2006/relationships" xmlns:p="http://schemas.openxmlformats.org/presentationml/2006/main" type="vertTitleAndTx" preserve="1">
+  <p:cSld name="Vertical Title and Text">
+    <p:spTree>
+      <p:nvGrpSpPr>
+        <p:cNvPr id="1" name=""/>
+        <p:cNvGrpSpPr/>
+        <p:nvPr/>
+      </p:nvGrpSpPr>
+      <p:grpSpPr>
+        <a:xfrm>
+          <a:off x="0" y="0"/>
+          <a:ext cx="0" cy="0"/>
+          <a:chOff x="0" y="0"/>
+          <a:chExt cx="0" cy="0"/>
+        </a:xfrm>
+      </p:grpSpPr>
+      <p:sp>
+        <p:nvSpPr>
+          <p:cNvPr id="2" name="Vertical Title 1">
+            <a:extLst>
+              <a:ext uri="{FF2B5EF4-FFF2-40B4-BE49-F238E27FC236}">
+                <a16:creationId xmlns:a16="http://schemas.microsoft.com/office/drawing/2014/main" id="{8CF5CEBE-2FD5-4243-B5E9-DB6251E69218}"/>
+              </a:ext>
+            </a:extLst>
+          </p:cNvPr>
+          <p:cNvSpPr>
+            <a:spLocks noGrp="1"/>
+          </p:cNvSpPr>
+          <p:nvPr>
+            <p:ph type="title" orient="vert"/>
+          </p:nvPr>
+        </p:nvSpPr>
+        <p:spPr>
+          <a:xfrm>
+            <a:off x="8724900" y="365125"/>
+            <a:ext cx="2628900" cy="5811838"/>
+          </a:xfrm>
+        </p:spPr>
+        <p:txBody>
+          <a:bodyPr vert="eaVert"/>
+          <a:lstStyle/>
+          <a:p>
+            <a:r>
+              <a:rPr lang="en-US"/>
+              <a:t>Click to edit Master title style</a:t>
+            </a:r>
+          </a:p>
+        </p:txBody>
+      </p:sp>
+      <p:sp>
+        <p:nvSpPr>
+          <p:cNvPr id="3" name="Vertical Text Placeholder 2">
+            <a:extLst>
+              <a:ext uri="{FF2B5EF4-FFF2-40B4-BE49-F238E27FC236}">
+                <a16:creationId xmlns:a16="http://schemas.microsoft.com/office/drawing/2014/main" id="{57ADF263-E050-45BB-8BA6-0D70EFDB007E}"/>
+              </a:ext>
+            </a:extLst>
+          </p:cNvPr>
+          <p:cNvSpPr>
+            <a:spLocks noGrp="1"/>
+          </p:cNvSpPr>
+          <p:nvPr>
+            <p:ph type="body" orient="vert" idx="1"/>
+          </p:nvPr>
+        </p:nvSpPr>
+        <p:spPr>
+          <a:xfrm>
+            <a:off x="838200" y="365125"/>
+            <a:ext cx="7734300" cy="5811838"/>
+          </a:xfrm>
+        </p:spPr>
+        <p:txBody>
+          <a:bodyPr vert="eaVert"/>
+          <a:lstStyle/>
+          <a:p>
+            <a:pPr lvl="0"/>
+            <a:r>
+              <a:rPr lang="en-US"/>
+              <a:t>Click to edit Master text styles</a:t>
+            </a:r>
+          </a:p>
+          <a:p>
+            <a:pPr lvl="1"/>
+            <a:r>
+              <a:rPr lang="en-US"/>
+              <a:t>Second level</a:t>
+            </a:r>
+          </a:p>
+          <a:p>
+            <a:pPr lvl="2"/>
+            <a:r>
+              <a:rPr lang="en-US"/>
+              <a:t>Third level</a:t>
+            </a:r>
+          </a:p>
+          <a:p>
+            <a:pPr lvl="3"/>
+            <a:r>
+              <a:rPr lang="en-US"/>
+              <a:t>Fourth level</a:t>
+            </a:r>
+          </a:p>
+          <a:p>
+            <a:pPr lvl="4"/>
+            <a:r>
+              <a:rPr lang="en-US"/>
+              <a:t>Fifth level</a:t>
+            </a:r>
+          </a:p>
+        </p:txBody>
+      </p:sp>
+      <p:sp>
+        <p:nvSpPr>
+          <p:cNvPr id="4" name="Date Placeholder 3">
+            <a:extLst>
+              <a:ext uri="{FF2B5EF4-FFF2-40B4-BE49-F238E27FC236}">
+                <a16:creationId xmlns:a16="http://schemas.microsoft.com/office/drawing/2014/main" id="{F1868DC6-9EE2-46A3-9D46-AEE2DA332340}"/>
+              </a:ext>
+            </a:extLst>
+          </p:cNvPr>
+          <p:cNvSpPr>
+            <a:spLocks noGrp="1"/>
+          </p:cNvSpPr>
+          <p:nvPr>
+            <p:ph type="dt" sz="half" idx="10"/>
+          </p:nvPr>
+        </p:nvSpPr>
+        <p:spPr/>
+        <p:txBody>
+          <a:bodyPr/>
+          <a:lstStyle/>
+          <a:p>
+            <a:fld id="{3B5B4DC6-48D7-4B5C-A9ED-BFFCC4396DAF}" type="datetimeFigureOut">
+              <a:rPr lang="en-US" smtClean="0"/>
+              <a:t>7/15/2019</a:t>
+            </a:fld>
+            <a:endParaRPr lang="en-US"/>
+          </a:p>
+        </p:txBody>
+      </p:sp>
+      <p:sp>
+        <p:nvSpPr>
+          <p:cNvPr id="5" name="Footer Placeholder 4">
+            <a:extLst>
+              <a:ext uri="{FF2B5EF4-FFF2-40B4-BE49-F238E27FC236}">
+                <a16:creationId xmlns:a16="http://schemas.microsoft.com/office/drawing/2014/main" id="{8EEFE65C-9DA6-4AFF-B8FF-0D92290700BC}"/>
+              </a:ext>
+            </a:extLst>
+          </p:cNvPr>
+          <p:cNvSpPr>
+            <a:spLocks noGrp="1"/>
+          </p:cNvSpPr>
+          <p:nvPr>
+            <p:ph type="ftr" sz="quarter" idx="11"/>
+          </p:nvPr>
+        </p:nvSpPr>
+        <p:spPr/>
+        <p:txBody>
+          <a:bodyPr/>
+          <a:lstStyle/>
+          <a:p>
+            <a:endParaRPr lang="en-US"/>
+          </a:p>
+        </p:txBody>
+      </p:sp>
+      <p:sp>
+        <p:nvSpPr>
+          <p:cNvPr id="6" name="Slide Number Placeholder 5">
+            <a:extLst>
+              <a:ext uri="{FF2B5EF4-FFF2-40B4-BE49-F238E27FC236}">
+                <a16:creationId xmlns:a16="http://schemas.microsoft.com/office/drawing/2014/main" id="{10FA8465-FFB4-4499-A0A4-24B366AC5058}"/>
+              </a:ext>
+            </a:extLst>
+          </p:cNvPr>
+          <p:cNvSpPr>
+            <a:spLocks noGrp="1"/>
+          </p:cNvSpPr>
+          <p:nvPr>
+            <p:ph type="sldNum" sz="quarter" idx="12"/>
+          </p:nvPr>
+        </p:nvSpPr>
+        <p:spPr/>
+        <p:txBody>
+          <a:bodyPr/>
+          <a:lstStyle/>
+          <a:p>
+            <a:fld id="{569BA334-D3A4-470C-A1AD-F22DE6BC6CC1}" type="slidenum">
+              <a:rPr lang="en-US" smtClean="0"/>
+              <a:t>‹#›</a:t>
+            </a:fld>
+            <a:endParaRPr lang="en-US"/>
+          </a:p>
+        </p:txBody>
+      </p:sp>
+    </p:spTree>
+    <p:extLst>
+      <p:ext uri="{BB962C8B-B14F-4D97-AF65-F5344CB8AC3E}">
+        <p14:creationId xmlns:p14="http://schemas.microsoft.com/office/powerpoint/2010/main" val="3847587805"/>
+      </p:ext>
+    </p:extLst>
+  </p:cSld>
+  <p:clrMapOvr>
+    <a:masterClrMapping/>
+  </p:clrMapOvr>
+</p:sldLayout>
+</file>
+
+<file path=ppt/slideLayouts/slideLayout3.xml><?xml version="1.0" encoding="utf-8"?>
+<p:sldLayout xmlns:a="http://schemas.openxmlformats.org/drawingml/2006/main" xmlns:r="http://schemas.openxmlformats.org/officeDocument/2006/relationships" xmlns:p="http://schemas.openxmlformats.org/presentationml/2006/main" preserve="1" userDrawn="1">
+  <p:cSld name="AIA Objectives and Description">
+    <p:spTree>
+      <p:nvGrpSpPr>
+        <p:cNvPr id="1" name=""/>
+        <p:cNvGrpSpPr/>
+        <p:nvPr/>
+      </p:nvGrpSpPr>
+      <p:grpSpPr>
+        <a:xfrm>
+          <a:off x="0" y="0"/>
+          <a:ext cx="0" cy="0"/>
+          <a:chOff x="0" y="0"/>
+          <a:chExt cx="0" cy="0"/>
+        </a:xfrm>
+      </p:grpSpPr>
+      <p:pic>
+        <p:nvPicPr>
+          <p:cNvPr id="12" name="Picture 11">
+            <a:extLst>
+              <a:ext uri="{FF2B5EF4-FFF2-40B4-BE49-F238E27FC236}">
+                <a16:creationId xmlns:a16="http://schemas.microsoft.com/office/drawing/2014/main" id="{583BFF63-45ED-43CA-AC72-38E9074B1E7D}"/>
+              </a:ext>
+            </a:extLst>
+          </p:cNvPr>
+          <p:cNvPicPr>
+            <a:picLocks noChangeAspect="1"/>
+          </p:cNvPicPr>
+          <p:nvPr userDrawn="1"/>
+        </p:nvPicPr>
+        <p:blipFill>
+          <a:blip r:embed="rId2" cstate="print">
+            <a:extLst>
+              <a:ext uri="{28A0092B-C50C-407E-A947-70E740481C1C}">
+                <a14:useLocalDpi xmlns:a14="http://schemas.microsoft.com/office/drawing/2010/main" val="0"/>
+              </a:ext>
+            </a:extLst>
+          </a:blip>
+          <a:stretch>
+            <a:fillRect/>
+          </a:stretch>
+        </p:blipFill>
+        <p:spPr>
+          <a:xfrm>
+            <a:off x="11349862" y="156232"/>
+            <a:ext cx="720912" cy="677549"/>
+          </a:xfrm>
+          <a:prstGeom prst="rect">
+            <a:avLst/>
+          </a:prstGeom>
+        </p:spPr>
+      </p:pic>
+    </p:spTree>
+    <p:extLst>
+      <p:ext uri="{BB962C8B-B14F-4D97-AF65-F5344CB8AC3E}">
+        <p14:creationId xmlns:p14="http://schemas.microsoft.com/office/powerpoint/2010/main" val="4077654041"/>
+      </p:ext>
+    </p:extLst>
+  </p:cSld>
+  <p:clrMapOvr>
+    <a:masterClrMapping/>
+  </p:clrMapOvr>
+</p:sldLayout>
+</file>
+
+<file path=ppt/slideLayouts/slideLayout4.xml><?xml version="1.0" encoding="utf-8"?>
+<p:sldLayout xmlns:a="http://schemas.openxmlformats.org/drawingml/2006/main" xmlns:r="http://schemas.openxmlformats.org/officeDocument/2006/relationships" xmlns:p="http://schemas.openxmlformats.org/presentationml/2006/main" preserve="1" userDrawn="1">
+  <p:cSld name="Content Slide - BILT 1">
+    <p:spTree>
+      <p:nvGrpSpPr>
+        <p:cNvPr id="1" name=""/>
+        <p:cNvGrpSpPr/>
+        <p:nvPr/>
+      </p:nvGrpSpPr>
+      <p:grpSpPr>
+        <a:xfrm>
+          <a:off x="0" y="0"/>
+          <a:ext cx="0" cy="0"/>
+          <a:chOff x="0" y="0"/>
+          <a:chExt cx="0" cy="0"/>
+        </a:xfrm>
+      </p:grpSpPr>
+      <p:pic>
+        <p:nvPicPr>
+          <p:cNvPr id="11" name="Picture 10" descr="A close up of a screen&#10;&#10;Description automatically generated">
+            <a:extLst>
+              <a:ext uri="{FF2B5EF4-FFF2-40B4-BE49-F238E27FC236}">
+                <a16:creationId xmlns:a16="http://schemas.microsoft.com/office/drawing/2014/main" id="{4976E8EE-055A-4438-8C01-A0A07D6F2F5C}"/>
+              </a:ext>
+            </a:extLst>
+          </p:cNvPr>
+          <p:cNvPicPr>
+            <a:picLocks noChangeAspect="1"/>
+          </p:cNvPicPr>
+          <p:nvPr userDrawn="1"/>
+        </p:nvPicPr>
+        <p:blipFill>
+          <a:blip r:embed="rId2">
+            <a:extLst>
+              <a:ext uri="{28A0092B-C50C-407E-A947-70E740481C1C}">
+                <a14:useLocalDpi xmlns:a14="http://schemas.microsoft.com/office/drawing/2010/main" val="0"/>
+              </a:ext>
+            </a:extLst>
+          </a:blip>
+          <a:stretch>
+            <a:fillRect/>
+          </a:stretch>
+        </p:blipFill>
+        <p:spPr>
+          <a:xfrm>
+            <a:off x="11169164" y="6046431"/>
+            <a:ext cx="1082309" cy="811569"/>
+          </a:xfrm>
+          <a:prstGeom prst="rect">
+            <a:avLst/>
+          </a:prstGeom>
+        </p:spPr>
+      </p:pic>
+      <p:sp>
+        <p:nvSpPr>
+          <p:cNvPr id="3" name="Title Placeholder 1">
+            <a:extLst>
+              <a:ext uri="{FF2B5EF4-FFF2-40B4-BE49-F238E27FC236}">
+                <a16:creationId xmlns:a16="http://schemas.microsoft.com/office/drawing/2014/main" id="{A5E47F20-D135-43F9-8418-D47A5EA37DEA}"/>
+              </a:ext>
+            </a:extLst>
+          </p:cNvPr>
+          <p:cNvSpPr>
+            <a:spLocks noGrp="1"/>
+          </p:cNvSpPr>
+          <p:nvPr>
+            <p:ph type="title"/>
+          </p:nvPr>
+        </p:nvSpPr>
+        <p:spPr>
+          <a:xfrm>
+            <a:off x="838200" y="365125"/>
+            <a:ext cx="10515600" cy="1325563"/>
+          </a:xfrm>
+          <a:prstGeom prst="rect">
+            <a:avLst/>
+          </a:prstGeom>
+        </p:spPr>
+        <p:txBody>
+          <a:bodyPr vert="horz" lIns="91440" tIns="45720" rIns="91440" bIns="45720" rtlCol="0" anchor="ctr">
+            <a:normAutofit/>
+          </a:bodyPr>
+          <a:lstStyle>
+            <a:lvl1pPr>
+              <a:defRPr sz="3200"/>
+            </a:lvl1pPr>
+          </a:lstStyle>
+          <a:p>
+            <a:r>
+              <a:rPr lang="en-US" dirty="0"/>
+              <a:t>Click to edit Master title style</a:t>
+            </a:r>
+          </a:p>
+        </p:txBody>
+      </p:sp>
+      <p:sp>
+        <p:nvSpPr>
+          <p:cNvPr id="5" name="Text Placeholder 4">
+            <a:extLst>
+              <a:ext uri="{FF2B5EF4-FFF2-40B4-BE49-F238E27FC236}">
+                <a16:creationId xmlns:a16="http://schemas.microsoft.com/office/drawing/2014/main" id="{2BEE4A5F-B039-485A-8A97-DBB9B8F916BF}"/>
+              </a:ext>
+            </a:extLst>
+          </p:cNvPr>
+          <p:cNvSpPr>
+            <a:spLocks noGrp="1"/>
+          </p:cNvSpPr>
+          <p:nvPr>
+            <p:ph type="body" sz="quarter" idx="10"/>
+          </p:nvPr>
+        </p:nvSpPr>
+        <p:spPr>
+          <a:xfrm>
+            <a:off x="838200" y="1844675"/>
+            <a:ext cx="10515600" cy="4351338"/>
+          </a:xfrm>
+        </p:spPr>
+        <p:txBody>
+          <a:bodyPr/>
+          <a:lstStyle>
+            <a:lvl5pPr>
+              <a:defRPr/>
+            </a:lvl5pPr>
+            <a:lvl6pPr>
+              <a:defRPr>
+                <a:solidFill>
+                  <a:srgbClr val="606060"/>
+                </a:solidFill>
+              </a:defRPr>
+            </a:lvl6pPr>
+            <a:lvl7pPr>
+              <a:defRPr>
+                <a:solidFill>
+                  <a:srgbClr val="606060"/>
+                </a:solidFill>
+              </a:defRPr>
+            </a:lvl7pPr>
+            <a:lvl8pPr>
+              <a:defRPr>
+                <a:solidFill>
+                  <a:srgbClr val="606060"/>
+                </a:solidFill>
+              </a:defRPr>
+            </a:lvl8pPr>
+            <a:lvl9pPr marL="3657600" indent="0">
+              <a:buNone/>
+              <a:defRPr>
+                <a:solidFill>
+                  <a:srgbClr val="606060"/>
+                </a:solidFill>
+              </a:defRPr>
+            </a:lvl9pPr>
+          </a:lstStyle>
+          <a:p>
+            <a:pPr lvl="0"/>
+            <a:r>
+              <a:rPr lang="en-US" dirty="0"/>
+              <a:t>Click to edit Master text styles</a:t>
+            </a:r>
+          </a:p>
+          <a:p>
+            <a:pPr lvl="1"/>
+            <a:r>
+              <a:rPr lang="en-US" dirty="0"/>
+              <a:t>Second level</a:t>
+            </a:r>
+          </a:p>
+          <a:p>
+            <a:pPr lvl="2"/>
+            <a:r>
+              <a:rPr lang="en-US" dirty="0"/>
+              <a:t>Third level</a:t>
+            </a:r>
+          </a:p>
+          <a:p>
+            <a:pPr lvl="3"/>
+            <a:r>
+              <a:rPr lang="en-US" dirty="0"/>
+              <a:t>Fourth level</a:t>
+            </a:r>
+          </a:p>
+          <a:p>
+            <a:pPr lvl="4"/>
+            <a:r>
+              <a:rPr lang="en-US" dirty="0"/>
+              <a:t>Fifth level</a:t>
+            </a:r>
+          </a:p>
+          <a:p>
+            <a:pPr lvl="8"/>
+            <a:r>
+              <a:rPr lang="en-US" dirty="0"/>
+              <a:t>	</a:t>
+            </a:r>
+          </a:p>
+        </p:txBody>
+      </p:sp>
+    </p:spTree>
+    <p:extLst>
+      <p:ext uri="{BB962C8B-B14F-4D97-AF65-F5344CB8AC3E}">
+        <p14:creationId xmlns:p14="http://schemas.microsoft.com/office/powerpoint/2010/main" val="3264080727"/>
+      </p:ext>
+    </p:extLst>
+  </p:cSld>
+  <p:clrMapOvr>
+    <a:masterClrMapping/>
+  </p:clrMapOvr>
+</p:sldLayout>
+</file>
+
+<file path=ppt/slideLayouts/slideLayout5.xml><?xml version="1.0" encoding="utf-8"?>
+<p:sldLayout xmlns:a="http://schemas.openxmlformats.org/drawingml/2006/main" xmlns:r="http://schemas.openxmlformats.org/officeDocument/2006/relationships" xmlns:p="http://schemas.openxmlformats.org/presentationml/2006/main" preserve="1" userDrawn="1">
+  <p:cSld name="Content Slide - BILT 2">
+    <p:bg>
+      <p:bgPr>
+        <a:solidFill>
+          <a:schemeClr val="bg1"/>
+        </a:solidFill>
+        <a:effectLst/>
+      </p:bgPr>
+    </p:bg>
+    <p:spTree>
+      <p:nvGrpSpPr>
+        <p:cNvPr id="1" name=""/>
+        <p:cNvGrpSpPr/>
+        <p:nvPr/>
+      </p:nvGrpSpPr>
+      <p:grpSpPr>
+        <a:xfrm>
+          <a:off x="0" y="0"/>
+          <a:ext cx="0" cy="0"/>
+          <a:chOff x="0" y="0"/>
+          <a:chExt cx="0" cy="0"/>
+        </a:xfrm>
+      </p:grpSpPr>
+      <p:pic>
+        <p:nvPicPr>
+          <p:cNvPr id="3" name="Picture 2">
+            <a:extLst>
+              <a:ext uri="{FF2B5EF4-FFF2-40B4-BE49-F238E27FC236}">
+                <a16:creationId xmlns:a16="http://schemas.microsoft.com/office/drawing/2014/main" id="{1F5CBAEC-4D18-4176-A6C7-0ADB2B7E38D4}"/>
+              </a:ext>
+            </a:extLst>
+          </p:cNvPr>
+          <p:cNvPicPr>
+            <a:picLocks noChangeAspect="1"/>
+          </p:cNvPicPr>
+          <p:nvPr userDrawn="1"/>
+        </p:nvPicPr>
+        <p:blipFill>
+          <a:blip r:embed="rId2"/>
+          <a:stretch>
+            <a:fillRect/>
+          </a:stretch>
+        </p:blipFill>
+        <p:spPr>
+          <a:xfrm>
+            <a:off x="-130009" y="0"/>
+            <a:ext cx="301644" cy="6858000"/>
+          </a:xfrm>
+          <a:prstGeom prst="rect">
+            <a:avLst/>
+          </a:prstGeom>
+        </p:spPr>
+      </p:pic>
+      <p:pic>
+        <p:nvPicPr>
+          <p:cNvPr id="4" name="Picture 3" descr="A close up of a screen&#10;&#10;Description automatically generated">
+            <a:extLst>
+              <a:ext uri="{FF2B5EF4-FFF2-40B4-BE49-F238E27FC236}">
+                <a16:creationId xmlns:a16="http://schemas.microsoft.com/office/drawing/2014/main" id="{D8128BD7-0C53-41AE-B323-069DB687BC82}"/>
+              </a:ext>
+            </a:extLst>
+          </p:cNvPr>
+          <p:cNvPicPr>
+            <a:picLocks noChangeAspect="1"/>
+          </p:cNvPicPr>
+          <p:nvPr userDrawn="1"/>
+        </p:nvPicPr>
+        <p:blipFill>
+          <a:blip r:embed="rId3">
+            <a:extLst>
+              <a:ext uri="{28A0092B-C50C-407E-A947-70E740481C1C}">
+                <a14:useLocalDpi xmlns:a14="http://schemas.microsoft.com/office/drawing/2010/main" val="0"/>
+              </a:ext>
+            </a:extLst>
+          </a:blip>
+          <a:stretch>
+            <a:fillRect/>
+          </a:stretch>
+        </p:blipFill>
+        <p:spPr>
+          <a:xfrm>
+            <a:off x="11109691" y="6087089"/>
+            <a:ext cx="1082309" cy="811569"/>
+          </a:xfrm>
+          <a:prstGeom prst="rect">
+            <a:avLst/>
+          </a:prstGeom>
+        </p:spPr>
+      </p:pic>
+      <p:sp>
+        <p:nvSpPr>
+          <p:cNvPr id="9" name="Content Placeholder 3">
+            <a:extLst>
+              <a:ext uri="{FF2B5EF4-FFF2-40B4-BE49-F238E27FC236}">
+                <a16:creationId xmlns:a16="http://schemas.microsoft.com/office/drawing/2014/main" id="{F1080DBA-7163-4EC8-ABC8-26E2AFE4AAB8}"/>
+              </a:ext>
+            </a:extLst>
+          </p:cNvPr>
+          <p:cNvSpPr>
+            <a:spLocks noGrp="1"/>
+          </p:cNvSpPr>
+          <p:nvPr>
+            <p:ph sz="half" idx="2"/>
+          </p:nvPr>
+        </p:nvSpPr>
+        <p:spPr>
+          <a:xfrm>
+            <a:off x="6172200" y="1825625"/>
+            <a:ext cx="5181600" cy="4351338"/>
+          </a:xfrm>
+          <a:prstGeom prst="rect">
+            <a:avLst/>
+          </a:prstGeom>
+        </p:spPr>
+        <p:txBody>
+          <a:bodyPr/>
+          <a:lstStyle>
+            <a:lvl5pPr>
+              <a:defRPr/>
+            </a:lvl5pPr>
+            <a:lvl6pPr>
+              <a:defRPr>
+                <a:solidFill>
+                  <a:srgbClr val="606060"/>
+                </a:solidFill>
+              </a:defRPr>
+            </a:lvl6pPr>
+            <a:lvl7pPr>
+              <a:defRPr>
+                <a:solidFill>
+                  <a:srgbClr val="606060"/>
+                </a:solidFill>
+              </a:defRPr>
+            </a:lvl7pPr>
+            <a:lvl8pPr>
+              <a:defRPr>
+                <a:solidFill>
+                  <a:srgbClr val="606060"/>
+                </a:solidFill>
+              </a:defRPr>
+            </a:lvl8pPr>
+            <a:lvl9pPr>
+              <a:defRPr>
+                <a:solidFill>
+                  <a:srgbClr val="606060"/>
+                </a:solidFill>
+              </a:defRPr>
+            </a:lvl9pPr>
+          </a:lstStyle>
+          <a:p>
+            <a:pPr lvl="0"/>
+            <a:r>
+              <a:rPr lang="en-US" dirty="0"/>
+              <a:t>Click to edit Master text styles</a:t>
+            </a:r>
+          </a:p>
+          <a:p>
+            <a:pPr lvl="1"/>
+            <a:r>
+              <a:rPr lang="en-US" dirty="0"/>
+              <a:t>Second level</a:t>
+            </a:r>
+          </a:p>
+          <a:p>
+            <a:pPr lvl="2"/>
+            <a:r>
+              <a:rPr lang="en-US" dirty="0"/>
+              <a:t>Third level</a:t>
+            </a:r>
+          </a:p>
+          <a:p>
+            <a:pPr lvl="3"/>
+            <a:r>
+              <a:rPr lang="en-US" dirty="0"/>
+              <a:t>Fourth level</a:t>
+            </a:r>
+          </a:p>
+          <a:p>
+            <a:pPr lvl="4"/>
+            <a:r>
+              <a:rPr lang="en-US" dirty="0"/>
+              <a:t>Fifth level</a:t>
+            </a:r>
+          </a:p>
+          <a:p>
+            <a:pPr lvl="5"/>
+            <a:endParaRPr lang="en-US" dirty="0"/>
+          </a:p>
+        </p:txBody>
+      </p:sp>
+      <p:sp>
+        <p:nvSpPr>
+          <p:cNvPr id="10" name="Content Placeholder 3">
+            <a:extLst>
+              <a:ext uri="{FF2B5EF4-FFF2-40B4-BE49-F238E27FC236}">
+                <a16:creationId xmlns:a16="http://schemas.microsoft.com/office/drawing/2014/main" id="{BD08937D-B234-4DC0-BA56-968F904288AA}"/>
+              </a:ext>
+            </a:extLst>
+          </p:cNvPr>
+          <p:cNvSpPr>
+            <a:spLocks noGrp="1"/>
+          </p:cNvSpPr>
+          <p:nvPr>
+            <p:ph sz="half" idx="10"/>
+          </p:nvPr>
+        </p:nvSpPr>
+        <p:spPr>
+          <a:xfrm>
+            <a:off x="821537" y="1825625"/>
+            <a:ext cx="5181600" cy="4351338"/>
+          </a:xfrm>
+          <a:prstGeom prst="rect">
+            <a:avLst/>
+          </a:prstGeom>
+        </p:spPr>
+        <p:txBody>
+          <a:bodyPr/>
+          <a:lstStyle>
+            <a:lvl5pPr>
+              <a:defRPr/>
+            </a:lvl5pPr>
+            <a:lvl6pPr marL="2286000" indent="0">
+              <a:buNone/>
+              <a:defRPr>
+                <a:solidFill>
+                  <a:srgbClr val="606060"/>
+                </a:solidFill>
+              </a:defRPr>
+            </a:lvl6pPr>
+            <a:lvl7pPr>
+              <a:defRPr>
+                <a:solidFill>
+                  <a:srgbClr val="606060"/>
+                </a:solidFill>
+              </a:defRPr>
+            </a:lvl7pPr>
+            <a:lvl8pPr>
+              <a:defRPr>
+                <a:solidFill>
+                  <a:srgbClr val="606060"/>
+                </a:solidFill>
+              </a:defRPr>
+            </a:lvl8pPr>
+            <a:lvl9pPr>
+              <a:defRPr>
+                <a:solidFill>
+                  <a:srgbClr val="606060"/>
+                </a:solidFill>
+              </a:defRPr>
+            </a:lvl9pPr>
+          </a:lstStyle>
+          <a:p>
+            <a:pPr lvl="0"/>
+            <a:r>
+              <a:rPr lang="en-US" dirty="0"/>
+              <a:t>Click to edit Master text styles</a:t>
+            </a:r>
+          </a:p>
+          <a:p>
+            <a:pPr lvl="1"/>
+            <a:r>
+              <a:rPr lang="en-US" dirty="0"/>
+              <a:t>Second level</a:t>
+            </a:r>
+          </a:p>
+          <a:p>
+            <a:pPr lvl="2"/>
+            <a:r>
+              <a:rPr lang="en-US" dirty="0"/>
+              <a:t>Third level</a:t>
+            </a:r>
+          </a:p>
+          <a:p>
+            <a:pPr lvl="3"/>
+            <a:r>
+              <a:rPr lang="en-US" dirty="0"/>
+              <a:t>Fourth level</a:t>
+            </a:r>
+          </a:p>
+          <a:p>
+            <a:pPr lvl="4"/>
+            <a:r>
+              <a:rPr lang="en-US" dirty="0"/>
+              <a:t>Fifth level</a:t>
+            </a:r>
+          </a:p>
+          <a:p>
+            <a:pPr lvl="5"/>
+            <a:endParaRPr lang="en-US" dirty="0"/>
+          </a:p>
+        </p:txBody>
+      </p:sp>
+      <p:sp>
+        <p:nvSpPr>
+          <p:cNvPr id="11" name="Title 1">
+            <a:extLst>
+              <a:ext uri="{FF2B5EF4-FFF2-40B4-BE49-F238E27FC236}">
+                <a16:creationId xmlns:a16="http://schemas.microsoft.com/office/drawing/2014/main" id="{16B801A1-2AFE-410A-A355-797AE8EDD29E}"/>
+              </a:ext>
+            </a:extLst>
+          </p:cNvPr>
+          <p:cNvSpPr>
+            <a:spLocks noGrp="1"/>
+          </p:cNvSpPr>
+          <p:nvPr>
+            <p:ph type="title"/>
+          </p:nvPr>
+        </p:nvSpPr>
+        <p:spPr>
+          <a:xfrm>
+            <a:off x="838200" y="365125"/>
+            <a:ext cx="10515600" cy="1325563"/>
+          </a:xfrm>
+          <a:prstGeom prst="rect">
+            <a:avLst/>
+          </a:prstGeom>
+        </p:spPr>
+        <p:txBody>
+          <a:bodyPr/>
+          <a:lstStyle/>
+          <a:p>
+            <a:r>
+              <a:rPr lang="en-US" dirty="0"/>
+              <a:t>Click to edit Master title style</a:t>
+            </a:r>
+          </a:p>
+        </p:txBody>
+      </p:sp>
+    </p:spTree>
+    <p:extLst>
+      <p:ext uri="{BB962C8B-B14F-4D97-AF65-F5344CB8AC3E}">
+        <p14:creationId xmlns:p14="http://schemas.microsoft.com/office/powerpoint/2010/main" val="3304728413"/>
+      </p:ext>
+    </p:extLst>
+  </p:cSld>
+  <p:clrMapOvr>
+    <a:masterClrMapping/>
+  </p:clrMapOvr>
+</p:sldLayout>
+</file>
+
+<file path=ppt/slideLayouts/slideLayout6.xml><?xml version="1.0" encoding="utf-8"?>
+<p:sldLayout xmlns:a="http://schemas.openxmlformats.org/drawingml/2006/main" xmlns:r="http://schemas.openxmlformats.org/officeDocument/2006/relationships" xmlns:p="http://schemas.openxmlformats.org/presentationml/2006/main" type="twoObj" preserve="1">
+  <p:cSld name="1_Two Content">
+    <p:spTree>
+      <p:nvGrpSpPr>
+        <p:cNvPr id="1" name=""/>
+        <p:cNvGrpSpPr/>
+        <p:nvPr/>
+      </p:nvGrpSpPr>
+      <p:grpSpPr>
+        <a:xfrm>
+          <a:off x="0" y="0"/>
+          <a:ext cx="0" cy="0"/>
+          <a:chOff x="0" y="0"/>
+          <a:chExt cx="0" cy="0"/>
+        </a:xfrm>
+      </p:grpSpPr>
+      <p:sp>
+        <p:nvSpPr>
+          <p:cNvPr id="2" name="Title 1">
+            <a:extLst>
+              <a:ext uri="{FF2B5EF4-FFF2-40B4-BE49-F238E27FC236}">
+                <a16:creationId xmlns:a16="http://schemas.microsoft.com/office/drawing/2014/main" id="{EED9EC9C-D4C4-4A7A-ABDF-DAE919CD6E95}"/>
+              </a:ext>
+            </a:extLst>
+          </p:cNvPr>
+          <p:cNvSpPr>
+            <a:spLocks noGrp="1"/>
+          </p:cNvSpPr>
+          <p:nvPr>
+            <p:ph type="title"/>
+          </p:nvPr>
+        </p:nvSpPr>
+        <p:spPr>
+          <a:xfrm>
+            <a:off x="838200" y="365125"/>
+            <a:ext cx="10515600" cy="1325563"/>
+          </a:xfrm>
+          <a:prstGeom prst="rect">
+            <a:avLst/>
+          </a:prstGeom>
+        </p:spPr>
+        <p:txBody>
+          <a:bodyPr/>
+          <a:lstStyle/>
+          <a:p>
+            <a:r>
+              <a:rPr lang="en-US"/>
+              <a:t>Click to edit Master title style</a:t>
+            </a:r>
+          </a:p>
+        </p:txBody>
+      </p:sp>
+      <p:sp>
+        <p:nvSpPr>
+          <p:cNvPr id="3" name="Content Placeholder 2">
+            <a:extLst>
+              <a:ext uri="{FF2B5EF4-FFF2-40B4-BE49-F238E27FC236}">
+                <a16:creationId xmlns:a16="http://schemas.microsoft.com/office/drawing/2014/main" id="{54610302-6541-41DE-ACBF-5FFB43EB75E1}"/>
+              </a:ext>
+            </a:extLst>
+          </p:cNvPr>
+          <p:cNvSpPr>
+            <a:spLocks noGrp="1"/>
+          </p:cNvSpPr>
+          <p:nvPr>
+            <p:ph sz="half" idx="1"/>
+          </p:nvPr>
+        </p:nvSpPr>
+        <p:spPr>
+          <a:xfrm>
+            <a:off x="838200" y="1825625"/>
+            <a:ext cx="5181600" cy="4351338"/>
+          </a:xfrm>
+          <a:prstGeom prst="rect">
+            <a:avLst/>
+          </a:prstGeom>
+        </p:spPr>
+        <p:txBody>
+          <a:bodyPr/>
+          <a:lstStyle/>
+          <a:p>
+            <a:pPr lvl="0"/>
+            <a:r>
+              <a:rPr lang="en-US" dirty="0"/>
+              <a:t>Click to edit Master text styles</a:t>
+            </a:r>
+          </a:p>
+          <a:p>
+            <a:pPr lvl="1"/>
+            <a:r>
+              <a:rPr lang="en-US" dirty="0"/>
+              <a:t>Second level</a:t>
+            </a:r>
+          </a:p>
+          <a:p>
+            <a:pPr lvl="2"/>
+            <a:r>
+              <a:rPr lang="en-US" dirty="0"/>
+              <a:t>Third level</a:t>
+            </a:r>
+          </a:p>
+          <a:p>
+            <a:pPr lvl="3"/>
+            <a:r>
+              <a:rPr lang="en-US" dirty="0"/>
+              <a:t>Fourth level</a:t>
+            </a:r>
+          </a:p>
+          <a:p>
+            <a:pPr lvl="4"/>
+            <a:r>
+              <a:rPr lang="en-US" dirty="0"/>
+              <a:t>Fifth level</a:t>
+            </a:r>
+          </a:p>
+        </p:txBody>
+      </p:sp>
+      <p:sp>
+        <p:nvSpPr>
+          <p:cNvPr id="4" name="Content Placeholder 3">
+            <a:extLst>
+              <a:ext uri="{FF2B5EF4-FFF2-40B4-BE49-F238E27FC236}">
+                <a16:creationId xmlns:a16="http://schemas.microsoft.com/office/drawing/2014/main" id="{4EB7FCC8-E67F-4CDA-94AC-832D1A9E3965}"/>
+              </a:ext>
+            </a:extLst>
+          </p:cNvPr>
+          <p:cNvSpPr>
+            <a:spLocks noGrp="1"/>
+          </p:cNvSpPr>
+          <p:nvPr>
+            <p:ph sz="half" idx="2"/>
+          </p:nvPr>
+        </p:nvSpPr>
+        <p:spPr>
+          <a:xfrm>
+            <a:off x="6172200" y="1825625"/>
+            <a:ext cx="5181600" cy="4351338"/>
+          </a:xfrm>
+          <a:prstGeom prst="rect">
+            <a:avLst/>
+          </a:prstGeom>
+        </p:spPr>
+        <p:txBody>
+          <a:bodyPr/>
+          <a:lstStyle/>
+          <a:p>
+            <a:pPr lvl="0"/>
+            <a:r>
+              <a:rPr lang="en-US"/>
+              <a:t>Click to edit Master text styles</a:t>
+            </a:r>
+          </a:p>
+          <a:p>
+            <a:pPr lvl="1"/>
+            <a:r>
+              <a:rPr lang="en-US"/>
+              <a:t>Second level</a:t>
+            </a:r>
+          </a:p>
+          <a:p>
+            <a:pPr lvl="2"/>
+            <a:r>
+              <a:rPr lang="en-US"/>
+              <a:t>Third level</a:t>
+            </a:r>
+          </a:p>
+          <a:p>
+            <a:pPr lvl="3"/>
+            <a:r>
+              <a:rPr lang="en-US"/>
+              <a:t>Fourth level</a:t>
+            </a:r>
+          </a:p>
+          <a:p>
+            <a:pPr lvl="4"/>
+            <a:r>
+              <a:rPr lang="en-US"/>
+              <a:t>Fifth level</a:t>
+            </a:r>
+          </a:p>
+        </p:txBody>
+      </p:sp>
+    </p:spTree>
+    <p:extLst>
+      <p:ext uri="{BB962C8B-B14F-4D97-AF65-F5344CB8AC3E}">
+        <p14:creationId xmlns:p14="http://schemas.microsoft.com/office/powerpoint/2010/main" val="2769312459"/>
+      </p:ext>
+    </p:extLst>
+  </p:cSld>
+  <p:clrMapOvr>
+    <a:masterClrMapping/>
+  </p:clrMapOvr>
+</p:sldLayout>
+</file>
+
+<file path=ppt/slideLayouts/slideLayout7.xml><?xml version="1.0" encoding="utf-8"?>
+<p:sldLayout xmlns:a="http://schemas.openxmlformats.org/drawingml/2006/main" xmlns:r="http://schemas.openxmlformats.org/officeDocument/2006/relationships" xmlns:p="http://schemas.openxmlformats.org/presentationml/2006/main" type="blank" preserve="1">
+  <p:cSld name="Blank">
+    <p:spTree>
+      <p:nvGrpSpPr>
+        <p:cNvPr id="1" name=""/>
+        <p:cNvGrpSpPr/>
+        <p:nvPr/>
+      </p:nvGrpSpPr>
+      <p:grpSpPr>
+        <a:xfrm>
+          <a:off x="0" y="0"/>
+          <a:ext cx="0" cy="0"/>
+          <a:chOff x="0" y="0"/>
+          <a:chExt cx="0" cy="0"/>
+        </a:xfrm>
+      </p:grpSpPr>
+    </p:spTree>
+    <p:extLst>
+      <p:ext uri="{BB962C8B-B14F-4D97-AF65-F5344CB8AC3E}">
+        <p14:creationId xmlns:p14="http://schemas.microsoft.com/office/powerpoint/2010/main" val="1812493936"/>
+      </p:ext>
+    </p:extLst>
+  </p:cSld>
+  <p:clrMapOvr>
+    <a:masterClrMapping/>
+  </p:clrMapOvr>
+</p:sldLayout>
+</file>
+
+<file path=ppt/slideLayouts/slideLayout8.xml><?xml version="1.0" encoding="utf-8"?>
+<p:sldLayout xmlns:a="http://schemas.openxmlformats.org/drawingml/2006/main" xmlns:r="http://schemas.openxmlformats.org/officeDocument/2006/relationships" xmlns:p="http://schemas.openxmlformats.org/presentationml/2006/main" type="objTx" preserve="1">
+  <p:cSld name="Content with Caption">
+    <p:spTree>
+      <p:nvGrpSpPr>
+        <p:cNvPr id="1" name=""/>
+        <p:cNvGrpSpPr/>
+        <p:nvPr/>
+      </p:nvGrpSpPr>
+      <p:grpSpPr>
+        <a:xfrm>
+          <a:off x="0" y="0"/>
+          <a:ext cx="0" cy="0"/>
+          <a:chOff x="0" y="0"/>
+          <a:chExt cx="0" cy="0"/>
+        </a:xfrm>
+      </p:grpSpPr>
+      <p:sp>
+        <p:nvSpPr>
+          <p:cNvPr id="2" name="Title 1">
+            <a:extLst>
+              <a:ext uri="{FF2B5EF4-FFF2-40B4-BE49-F238E27FC236}">
+                <a16:creationId xmlns:a16="http://schemas.microsoft.com/office/drawing/2014/main" id="{D2BD447F-8449-4EAC-AA54-AEA261DD4B51}"/>
+              </a:ext>
+            </a:extLst>
+          </p:cNvPr>
+          <p:cNvSpPr>
+            <a:spLocks noGrp="1"/>
+          </p:cNvSpPr>
+          <p:nvPr>
+            <p:ph type="title"/>
+          </p:nvPr>
+        </p:nvSpPr>
+        <p:spPr>
+          <a:xfrm>
+            <a:off x="839788" y="457200"/>
+            <a:ext cx="3932237" cy="1600200"/>
+          </a:xfrm>
+          <a:prstGeom prst="rect">
+            <a:avLst/>
+          </a:prstGeom>
+        </p:spPr>
+        <p:txBody>
+          <a:bodyPr anchor="b"/>
+          <a:lstStyle>
+            <a:lvl1pPr>
+              <a:defRPr sz="3200"/>
+            </a:lvl1pPr>
+          </a:lstStyle>
+          <a:p>
+            <a:r>
+              <a:rPr lang="en-US"/>
+              <a:t>Click to edit Master title style</a:t>
+            </a:r>
+          </a:p>
+        </p:txBody>
+      </p:sp>
+      <p:sp>
+        <p:nvSpPr>
+          <p:cNvPr id="3" name="Content Placeholder 2">
+            <a:extLst>
+              <a:ext uri="{FF2B5EF4-FFF2-40B4-BE49-F238E27FC236}">
+                <a16:creationId xmlns:a16="http://schemas.microsoft.com/office/drawing/2014/main" id="{F06EDC61-2718-4F8A-9EFB-02DA5DD47651}"/>
+              </a:ext>
+            </a:extLst>
+          </p:cNvPr>
+          <p:cNvSpPr>
+            <a:spLocks noGrp="1"/>
+          </p:cNvSpPr>
+          <p:nvPr>
+            <p:ph idx="1"/>
+          </p:nvPr>
+        </p:nvSpPr>
+        <p:spPr>
+          <a:xfrm>
+            <a:off x="5183188" y="987425"/>
+            <a:ext cx="6172200" cy="4873625"/>
+          </a:xfrm>
+          <a:prstGeom prst="rect">
+            <a:avLst/>
+          </a:prstGeom>
+        </p:spPr>
+        <p:txBody>
+          <a:bodyPr/>
+          <a:lstStyle>
+            <a:lvl1pPr>
+              <a:defRPr sz="3200"/>
+            </a:lvl1pPr>
+            <a:lvl2pPr>
+              <a:defRPr sz="2800"/>
+            </a:lvl2pPr>
+            <a:lvl3pPr>
+              <a:defRPr sz="2400"/>
+            </a:lvl3pPr>
+            <a:lvl4pPr>
+              <a:defRPr sz="2000"/>
+            </a:lvl4pPr>
+            <a:lvl5pPr>
+              <a:defRPr sz="2000"/>
+            </a:lvl5pPr>
+            <a:lvl6pPr>
+              <a:defRPr sz="2000"/>
+            </a:lvl6pPr>
+            <a:lvl7pPr>
+              <a:defRPr sz="2000"/>
+            </a:lvl7pPr>
+            <a:lvl8pPr>
+              <a:defRPr sz="2000"/>
+            </a:lvl8pPr>
+            <a:lvl9pPr>
+              <a:defRPr sz="2000"/>
+            </a:lvl9pPr>
+          </a:lstStyle>
+          <a:p>
+            <a:pPr lvl="0"/>
+            <a:r>
+              <a:rPr lang="en-US"/>
+              <a:t>Click to edit Master text styles</a:t>
+            </a:r>
+          </a:p>
+          <a:p>
+            <a:pPr lvl="1"/>
+            <a:r>
+              <a:rPr lang="en-US"/>
+              <a:t>Second level</a:t>
+            </a:r>
+          </a:p>
+          <a:p>
+            <a:pPr lvl="2"/>
+            <a:r>
+              <a:rPr lang="en-US"/>
+              <a:t>Third level</a:t>
+            </a:r>
+          </a:p>
+          <a:p>
+            <a:pPr lvl="3"/>
+            <a:r>
+              <a:rPr lang="en-US"/>
+              <a:t>Fourth level</a:t>
+            </a:r>
+          </a:p>
+          <a:p>
+            <a:pPr lvl="4"/>
+            <a:r>
+              <a:rPr lang="en-US"/>
+              <a:t>Fifth level</a:t>
+            </a:r>
+          </a:p>
+        </p:txBody>
+      </p:sp>
+      <p:sp>
+        <p:nvSpPr>
+          <p:cNvPr id="4" name="Text Placeholder 3">
+            <a:extLst>
+              <a:ext uri="{FF2B5EF4-FFF2-40B4-BE49-F238E27FC236}">
+                <a16:creationId xmlns:a16="http://schemas.microsoft.com/office/drawing/2014/main" id="{420BF6F2-0F6E-4D4D-81DF-E7368F94A304}"/>
+              </a:ext>
+            </a:extLst>
+          </p:cNvPr>
+          <p:cNvSpPr>
+            <a:spLocks noGrp="1"/>
+          </p:cNvSpPr>
+          <p:nvPr>
+            <p:ph type="body" sz="half" idx="2"/>
+          </p:nvPr>
+        </p:nvSpPr>
+        <p:spPr>
+          <a:xfrm>
+            <a:off x="839788" y="2057400"/>
+            <a:ext cx="3932237" cy="3811588"/>
+          </a:xfrm>
+          <a:prstGeom prst="rect">
+            <a:avLst/>
+          </a:prstGeom>
+        </p:spPr>
+        <p:txBody>
+          <a:bodyPr/>
+          <a:lstStyle>
+            <a:lvl1pPr marL="0" indent="0">
+              <a:buNone/>
+              <a:defRPr sz="1600"/>
+            </a:lvl1pPr>
+            <a:lvl2pPr marL="457200" indent="0">
+              <a:buNone/>
+              <a:defRPr sz="1400"/>
+            </a:lvl2pPr>
+            <a:lvl3pPr marL="914400" indent="0">
+              <a:buNone/>
+              <a:defRPr sz="1200"/>
+            </a:lvl3pPr>
+            <a:lvl4pPr marL="1371600" indent="0">
+              <a:buNone/>
+              <a:defRPr sz="1000"/>
+            </a:lvl4pPr>
+            <a:lvl5pPr marL="1828800" indent="0">
+              <a:buNone/>
+              <a:defRPr sz="1000"/>
+            </a:lvl5pPr>
+            <a:lvl6pPr marL="2286000" indent="0">
+              <a:buNone/>
+              <a:defRPr sz="1000"/>
+            </a:lvl6pPr>
+            <a:lvl7pPr marL="2743200" indent="0">
+              <a:buNone/>
+              <a:defRPr sz="1000"/>
+            </a:lvl7pPr>
+            <a:lvl8pPr marL="3200400" indent="0">
+              <a:buNone/>
+              <a:defRPr sz="1000"/>
+            </a:lvl8pPr>
+            <a:lvl9pPr marL="3657600" indent="0">
+              <a:buNone/>
+              <a:defRPr sz="1000"/>
+            </a:lvl9pPr>
+          </a:lstStyle>
+          <a:p>
+            <a:pPr lvl="0"/>
+            <a:r>
+              <a:rPr lang="en-US"/>
+              <a:t>Click to edit Master text styles</a:t>
+            </a:r>
+          </a:p>
+        </p:txBody>
+      </p:sp>
+      <p:sp>
+        <p:nvSpPr>
+          <p:cNvPr id="5" name="Date Placeholder 4">
+            <a:extLst>
+              <a:ext uri="{FF2B5EF4-FFF2-40B4-BE49-F238E27FC236}">
+                <a16:creationId xmlns:a16="http://schemas.microsoft.com/office/drawing/2014/main" id="{6F7C8B6D-F1C8-4EE0-9582-1F84734D3208}"/>
+              </a:ext>
+            </a:extLst>
+          </p:cNvPr>
+          <p:cNvSpPr>
+            <a:spLocks noGrp="1"/>
+          </p:cNvSpPr>
+          <p:nvPr>
+            <p:ph type="dt" sz="half" idx="10"/>
+          </p:nvPr>
+        </p:nvSpPr>
+        <p:spPr>
+          <a:xfrm>
+            <a:off x="838200" y="6356350"/>
+            <a:ext cx="2743200" cy="365125"/>
+          </a:xfrm>
+          <a:prstGeom prst="rect">
+            <a:avLst/>
+          </a:prstGeom>
+        </p:spPr>
+        <p:txBody>
+          <a:bodyPr/>
+          <a:lstStyle/>
+          <a:p>
+            <a:fld id="{CACF8A1F-E1DF-45DE-B509-0D7EF9C4A967}" type="datetimeFigureOut">
+              <a:rPr lang="en-US" smtClean="0"/>
+              <a:t>7/15/2019</a:t>
+            </a:fld>
+            <a:endParaRPr lang="en-US"/>
+          </a:p>
+        </p:txBody>
+      </p:sp>
+      <p:sp>
+        <p:nvSpPr>
+          <p:cNvPr id="6" name="Footer Placeholder 5">
+            <a:extLst>
+              <a:ext uri="{FF2B5EF4-FFF2-40B4-BE49-F238E27FC236}">
+                <a16:creationId xmlns:a16="http://schemas.microsoft.com/office/drawing/2014/main" id="{1C2A9567-5958-421D-B4FC-C67870A882E8}"/>
+              </a:ext>
+            </a:extLst>
+          </p:cNvPr>
+          <p:cNvSpPr>
+            <a:spLocks noGrp="1"/>
+          </p:cNvSpPr>
+          <p:nvPr>
+            <p:ph type="ftr" sz="quarter" idx="11"/>
+          </p:nvPr>
+        </p:nvSpPr>
+        <p:spPr>
+          <a:xfrm>
+            <a:off x="4038600" y="6356350"/>
+            <a:ext cx="4114800" cy="365125"/>
+          </a:xfrm>
+          <a:prstGeom prst="rect">
+            <a:avLst/>
+          </a:prstGeom>
+        </p:spPr>
+        <p:txBody>
+          <a:bodyPr/>
+          <a:lstStyle/>
+          <a:p>
+            <a:endParaRPr lang="en-US"/>
+          </a:p>
+        </p:txBody>
+      </p:sp>
+      <p:sp>
+        <p:nvSpPr>
+          <p:cNvPr id="7" name="Slide Number Placeholder 6">
+            <a:extLst>
+              <a:ext uri="{FF2B5EF4-FFF2-40B4-BE49-F238E27FC236}">
+                <a16:creationId xmlns:a16="http://schemas.microsoft.com/office/drawing/2014/main" id="{7FE14CE0-E2B4-40B0-920D-7F221F5A61FA}"/>
+              </a:ext>
+            </a:extLst>
+          </p:cNvPr>
+          <p:cNvSpPr>
+            <a:spLocks noGrp="1"/>
+          </p:cNvSpPr>
+          <p:nvPr>
+            <p:ph type="sldNum" sz="quarter" idx="12"/>
+          </p:nvPr>
+        </p:nvSpPr>
+        <p:spPr>
+          <a:xfrm>
+            <a:off x="8610600" y="6356350"/>
+            <a:ext cx="2743200" cy="365125"/>
+          </a:xfrm>
+          <a:prstGeom prst="rect">
+            <a:avLst/>
+          </a:prstGeom>
+        </p:spPr>
+        <p:txBody>
+          <a:bodyPr/>
+          <a:lstStyle/>
+          <a:p>
+            <a:fld id="{2E361830-40F8-42E6-BE41-2D8BE0280DC3}" type="slidenum">
+              <a:rPr lang="en-US" smtClean="0"/>
+              <a:t>‹#›</a:t>
+            </a:fld>
+            <a:endParaRPr lang="en-US"/>
+          </a:p>
+        </p:txBody>
+      </p:sp>
+    </p:spTree>
+    <p:extLst>
+      <p:ext uri="{BB962C8B-B14F-4D97-AF65-F5344CB8AC3E}">
+        <p14:creationId xmlns:p14="http://schemas.microsoft.com/office/powerpoint/2010/main" val="4226996633"/>
       </p:ext>
     </p:extLst>
   </p:cSld>
@@ -2476,7 +5358,7 @@
           <p:cNvPr id="2" name="Title 1">
             <a:extLst>
               <a:ext uri="{FF2B5EF4-FFF2-40B4-BE49-F238E27FC236}">
-                <a16:creationId xmlns:a16="http://schemas.microsoft.com/office/drawing/2014/main" id="{B7979EFD-58BA-4EA2-B19B-662CDC55538C}"/>
+                <a16:creationId xmlns:a16="http://schemas.microsoft.com/office/drawing/2014/main" id="{893633EF-1A59-4E40-804B-C2807C4B8C7C}"/>
               </a:ext>
             </a:extLst>
           </p:cNvPr>
@@ -2492,6 +5374,9 @@
             <a:off x="839788" y="457200"/>
             <a:ext cx="3932237" cy="1600200"/>
           </a:xfrm>
+          <a:prstGeom prst="rect">
+            <a:avLst/>
+          </a:prstGeom>
         </p:spPr>
         <p:txBody>
           <a:bodyPr anchor="b"/>
@@ -2513,7 +5398,7 @@
           <p:cNvPr id="3" name="Picture Placeholder 2">
             <a:extLst>
               <a:ext uri="{FF2B5EF4-FFF2-40B4-BE49-F238E27FC236}">
-                <a16:creationId xmlns:a16="http://schemas.microsoft.com/office/drawing/2014/main" id="{D10576C4-DDD4-46E3-881B-808A68AE6FBC}"/>
+                <a16:creationId xmlns:a16="http://schemas.microsoft.com/office/drawing/2014/main" id="{83473831-9550-44EF-A953-3F62F1961271}"/>
               </a:ext>
             </a:extLst>
           </p:cNvPr>
@@ -2529,6 +5414,9 @@
             <a:off x="5183188" y="987425"/>
             <a:ext cx="6172200" cy="4873625"/>
           </a:xfrm>
+          <a:prstGeom prst="rect">
+            <a:avLst/>
+          </a:prstGeom>
         </p:spPr>
         <p:txBody>
           <a:bodyPr/>
@@ -2580,7 +5468,7 @@
           <p:cNvPr id="4" name="Text Placeholder 3">
             <a:extLst>
               <a:ext uri="{FF2B5EF4-FFF2-40B4-BE49-F238E27FC236}">
-                <a16:creationId xmlns:a16="http://schemas.microsoft.com/office/drawing/2014/main" id="{13226E40-BC5C-4F61-B47F-E5E66F78E5AE}"/>
+                <a16:creationId xmlns:a16="http://schemas.microsoft.com/office/drawing/2014/main" id="{301CF893-799E-4916-96ED-DD1C8000B5EE}"/>
               </a:ext>
             </a:extLst>
           </p:cNvPr>
@@ -2596,6 +5484,9 @@
             <a:off x="839788" y="2057400"/>
             <a:ext cx="3932237" cy="3811588"/>
           </a:xfrm>
+          <a:prstGeom prst="rect">
+            <a:avLst/>
+          </a:prstGeom>
         </p:spPr>
         <p:txBody>
           <a:bodyPr/>
@@ -2651,7 +5542,7 @@
           <p:cNvPr id="5" name="Date Placeholder 4">
             <a:extLst>
               <a:ext uri="{FF2B5EF4-FFF2-40B4-BE49-F238E27FC236}">
-                <a16:creationId xmlns:a16="http://schemas.microsoft.com/office/drawing/2014/main" id="{E59A205C-02FE-4456-B46E-9F1BC87036B8}"/>
+                <a16:creationId xmlns:a16="http://schemas.microsoft.com/office/drawing/2014/main" id="{71E87F23-9FC4-4385-B6CE-93149AB97238}"/>
               </a:ext>
             </a:extLst>
           </p:cNvPr>
@@ -2662,12 +5553,20 @@
             <p:ph type="dt" sz="half" idx="10"/>
           </p:nvPr>
         </p:nvSpPr>
-        <p:spPr/>
+        <p:spPr>
+          <a:xfrm>
+            <a:off x="838200" y="6356350"/>
+            <a:ext cx="2743200" cy="365125"/>
+          </a:xfrm>
+          <a:prstGeom prst="rect">
+            <a:avLst/>
+          </a:prstGeom>
+        </p:spPr>
         <p:txBody>
           <a:bodyPr/>
           <a:lstStyle/>
           <a:p>
-            <a:fld id="{44A53013-1A0E-4E68-9D19-244B4260222B}" type="datetimeFigureOut">
+            <a:fld id="{CACF8A1F-E1DF-45DE-B509-0D7EF9C4A967}" type="datetimeFigureOut">
               <a:rPr lang="en-US" smtClean="0"/>
               <a:t>7/15/2019</a:t>
             </a:fld>
@@ -2680,7 +5579,7 @@
           <p:cNvPr id="6" name="Footer Placeholder 5">
             <a:extLst>
               <a:ext uri="{FF2B5EF4-FFF2-40B4-BE49-F238E27FC236}">
-                <a16:creationId xmlns:a16="http://schemas.microsoft.com/office/drawing/2014/main" id="{3CDCE78D-EDD9-40CA-833D-E97ED61A44F6}"/>
+                <a16:creationId xmlns:a16="http://schemas.microsoft.com/office/drawing/2014/main" id="{A8B76B0A-468C-4151-AAAB-3446AFB7171E}"/>
               </a:ext>
             </a:extLst>
           </p:cNvPr>
@@ -2691,7 +5590,15 @@
             <p:ph type="ftr" sz="quarter" idx="11"/>
           </p:nvPr>
         </p:nvSpPr>
-        <p:spPr/>
+        <p:spPr>
+          <a:xfrm>
+            <a:off x="4038600" y="6356350"/>
+            <a:ext cx="4114800" cy="365125"/>
+          </a:xfrm>
+          <a:prstGeom prst="rect">
+            <a:avLst/>
+          </a:prstGeom>
+        </p:spPr>
         <p:txBody>
           <a:bodyPr/>
           <a:lstStyle/>
@@ -2705,7 +5612,7 @@
           <p:cNvPr id="7" name="Slide Number Placeholder 6">
             <a:extLst>
               <a:ext uri="{FF2B5EF4-FFF2-40B4-BE49-F238E27FC236}">
-                <a16:creationId xmlns:a16="http://schemas.microsoft.com/office/drawing/2014/main" id="{E485DB6F-5DC0-4166-8753-C1F4B6D07EBE}"/>
+                <a16:creationId xmlns:a16="http://schemas.microsoft.com/office/drawing/2014/main" id="{8F080785-E72A-41DD-B72A-15A93F6ABE43}"/>
               </a:ext>
             </a:extLst>
           </p:cNvPr>
@@ -2716,12 +5623,20 @@
             <p:ph type="sldNum" sz="quarter" idx="12"/>
           </p:nvPr>
         </p:nvSpPr>
-        <p:spPr/>
+        <p:spPr>
+          <a:xfrm>
+            <a:off x="8610600" y="6356350"/>
+            <a:ext cx="2743200" cy="365125"/>
+          </a:xfrm>
+          <a:prstGeom prst="rect">
+            <a:avLst/>
+          </a:prstGeom>
+        </p:spPr>
         <p:txBody>
           <a:bodyPr/>
           <a:lstStyle/>
           <a:p>
-            <a:fld id="{FC9874BA-1FDF-46C3-9DF1-0CB858519E96}" type="slidenum">
+            <a:fld id="{2E361830-40F8-42E6-BE41-2D8BE0280DC3}" type="slidenum">
               <a:rPr lang="en-US" smtClean="0"/>
               <a:t>‹#›</a:t>
             </a:fld>
@@ -2732,7 +5647,7 @@
     </p:spTree>
     <p:extLst>
       <p:ext uri="{BB962C8B-B14F-4D97-AF65-F5344CB8AC3E}">
-        <p14:creationId xmlns:p14="http://schemas.microsoft.com/office/powerpoint/2010/main" val="270417825"/>
+        <p14:creationId xmlns:p14="http://schemas.microsoft.com/office/powerpoint/2010/main" val="2715410318"/>
       </p:ext>
     </p:extLst>
   </p:cSld>
@@ -2744,6 +5659,384 @@
 
 <file path=ppt/slideMasters/slideMaster1.xml><?xml version="1.0" encoding="utf-8"?>
 <p:sldMaster xmlns:a="http://schemas.openxmlformats.org/drawingml/2006/main" xmlns:r="http://schemas.openxmlformats.org/officeDocument/2006/relationships" xmlns:p="http://schemas.openxmlformats.org/presentationml/2006/main">
+  <p:cSld>
+    <p:bg>
+      <p:bgPr>
+        <a:blipFill dpi="0" rotWithShape="1">
+          <a:blip r:embed="rId4">
+            <a:lum/>
+          </a:blip>
+          <a:srcRect/>
+          <a:stretch>
+            <a:fillRect/>
+          </a:stretch>
+        </a:blipFill>
+        <a:effectLst/>
+      </p:bgPr>
+    </p:bg>
+    <p:spTree>
+      <p:nvGrpSpPr>
+        <p:cNvPr id="1" name=""/>
+        <p:cNvGrpSpPr/>
+        <p:nvPr/>
+      </p:nvGrpSpPr>
+      <p:grpSpPr>
+        <a:xfrm>
+          <a:off x="0" y="0"/>
+          <a:ext cx="0" cy="0"/>
+          <a:chOff x="0" y="0"/>
+          <a:chExt cx="0" cy="0"/>
+        </a:xfrm>
+      </p:grpSpPr>
+      <p:sp>
+        <p:nvSpPr>
+          <p:cNvPr id="9" name="Title 1">
+            <a:extLst>
+              <a:ext uri="{FF2B5EF4-FFF2-40B4-BE49-F238E27FC236}">
+                <a16:creationId xmlns:a16="http://schemas.microsoft.com/office/drawing/2014/main" id="{4A9DA6F7-C3EB-4743-92AD-B999324C62B3}"/>
+              </a:ext>
+            </a:extLst>
+          </p:cNvPr>
+          <p:cNvSpPr txBox="1">
+            <a:spLocks/>
+          </p:cNvSpPr>
+          <p:nvPr userDrawn="1"/>
+        </p:nvSpPr>
+        <p:spPr>
+          <a:xfrm>
+            <a:off x="400050" y="1070289"/>
+            <a:ext cx="9211429" cy="2982914"/>
+          </a:xfrm>
+          <a:prstGeom prst="rect">
+            <a:avLst/>
+          </a:prstGeom>
+        </p:spPr>
+        <p:txBody>
+          <a:bodyPr anchor="b"/>
+          <a:lstStyle>
+            <a:lvl1pPr algn="ctr" defTabSz="914400" rtl="0" eaLnBrk="1" latinLnBrk="0" hangingPunct="1">
+              <a:lnSpc>
+                <a:spcPct val="90000"/>
+              </a:lnSpc>
+              <a:spcBef>
+                <a:spcPct val="0"/>
+              </a:spcBef>
+              <a:buNone/>
+              <a:defRPr sz="4400" b="1" kern="1200">
+                <a:solidFill>
+                  <a:schemeClr val="tx1"/>
+                </a:solidFill>
+                <a:latin typeface="+mj-lt"/>
+                <a:ea typeface="+mj-ea"/>
+                <a:cs typeface="+mj-cs"/>
+              </a:defRPr>
+            </a:lvl1pPr>
+          </a:lstStyle>
+          <a:p>
+            <a:br>
+              <a:rPr lang="en-US" dirty="0"/>
+            </a:br>
+            <a:endParaRPr lang="en-US" dirty="0"/>
+          </a:p>
+        </p:txBody>
+      </p:sp>
+    </p:spTree>
+    <p:extLst>
+      <p:ext uri="{BB962C8B-B14F-4D97-AF65-F5344CB8AC3E}">
+        <p14:creationId xmlns:p14="http://schemas.microsoft.com/office/powerpoint/2010/main" val="3246898382"/>
+      </p:ext>
+    </p:extLst>
+  </p:cSld>
+  <p:clrMap bg1="lt1" tx1="dk1" bg2="lt2" tx2="dk2" accent1="accent1" accent2="accent2" accent3="accent3" accent4="accent4" accent5="accent5" accent6="accent6" hlink="hlink" folHlink="folHlink"/>
+  <p:sldLayoutIdLst>
+    <p:sldLayoutId id="2147483649" r:id="rId1"/>
+    <p:sldLayoutId id="2147483667" r:id="rId2"/>
+  </p:sldLayoutIdLst>
+  <p:txStyles>
+    <p:titleStyle>
+      <a:lvl1pPr algn="l" defTabSz="914400" rtl="0" eaLnBrk="1" latinLnBrk="0" hangingPunct="1">
+        <a:lnSpc>
+          <a:spcPct val="90000"/>
+        </a:lnSpc>
+        <a:spcBef>
+          <a:spcPct val="0"/>
+        </a:spcBef>
+        <a:buNone/>
+        <a:defRPr sz="4400" kern="1200">
+          <a:solidFill>
+            <a:schemeClr val="tx1"/>
+          </a:solidFill>
+          <a:latin typeface="+mj-lt"/>
+          <a:ea typeface="+mj-ea"/>
+          <a:cs typeface="+mj-cs"/>
+        </a:defRPr>
+      </a:lvl1pPr>
+    </p:titleStyle>
+    <p:bodyStyle>
+      <a:lvl1pPr marL="228600" indent="-228600" algn="l" defTabSz="914400" rtl="0" eaLnBrk="1" latinLnBrk="0" hangingPunct="1">
+        <a:lnSpc>
+          <a:spcPct val="90000"/>
+        </a:lnSpc>
+        <a:spcBef>
+          <a:spcPts val="1000"/>
+        </a:spcBef>
+        <a:buFont typeface="Arial" panose="020B0604020202020204" pitchFamily="34" charset="0"/>
+        <a:buChar char="•"/>
+        <a:defRPr sz="2800" kern="1200">
+          <a:solidFill>
+            <a:schemeClr val="tx1"/>
+          </a:solidFill>
+          <a:latin typeface="+mn-lt"/>
+          <a:ea typeface="+mn-ea"/>
+          <a:cs typeface="+mn-cs"/>
+        </a:defRPr>
+      </a:lvl1pPr>
+      <a:lvl2pPr marL="685800" indent="-228600" algn="l" defTabSz="914400" rtl="0" eaLnBrk="1" latinLnBrk="0" hangingPunct="1">
+        <a:lnSpc>
+          <a:spcPct val="90000"/>
+        </a:lnSpc>
+        <a:spcBef>
+          <a:spcPts val="500"/>
+        </a:spcBef>
+        <a:buFont typeface="Arial" panose="020B0604020202020204" pitchFamily="34" charset="0"/>
+        <a:buChar char="•"/>
+        <a:defRPr sz="2400" kern="1200">
+          <a:solidFill>
+            <a:schemeClr val="tx1"/>
+          </a:solidFill>
+          <a:latin typeface="+mn-lt"/>
+          <a:ea typeface="+mn-ea"/>
+          <a:cs typeface="+mn-cs"/>
+        </a:defRPr>
+      </a:lvl2pPr>
+      <a:lvl3pPr marL="1143000" indent="-228600" algn="l" defTabSz="914400" rtl="0" eaLnBrk="1" latinLnBrk="0" hangingPunct="1">
+        <a:lnSpc>
+          <a:spcPct val="90000"/>
+        </a:lnSpc>
+        <a:spcBef>
+          <a:spcPts val="500"/>
+        </a:spcBef>
+        <a:buFont typeface="Arial" panose="020B0604020202020204" pitchFamily="34" charset="0"/>
+        <a:buChar char="•"/>
+        <a:defRPr sz="2000" kern="1200">
+          <a:solidFill>
+            <a:schemeClr val="tx1"/>
+          </a:solidFill>
+          <a:latin typeface="+mn-lt"/>
+          <a:ea typeface="+mn-ea"/>
+          <a:cs typeface="+mn-cs"/>
+        </a:defRPr>
+      </a:lvl3pPr>
+      <a:lvl4pPr marL="1600200" indent="-228600" algn="l" defTabSz="914400" rtl="0" eaLnBrk="1" latinLnBrk="0" hangingPunct="1">
+        <a:lnSpc>
+          <a:spcPct val="90000"/>
+        </a:lnSpc>
+        <a:spcBef>
+          <a:spcPts val="500"/>
+        </a:spcBef>
+        <a:buFont typeface="Arial" panose="020B0604020202020204" pitchFamily="34" charset="0"/>
+        <a:buChar char="•"/>
+        <a:defRPr sz="1800" kern="1200">
+          <a:solidFill>
+            <a:schemeClr val="tx1"/>
+          </a:solidFill>
+          <a:latin typeface="+mn-lt"/>
+          <a:ea typeface="+mn-ea"/>
+          <a:cs typeface="+mn-cs"/>
+        </a:defRPr>
+      </a:lvl4pPr>
+      <a:lvl5pPr marL="2057400" indent="-228600" algn="l" defTabSz="914400" rtl="0" eaLnBrk="1" latinLnBrk="0" hangingPunct="1">
+        <a:lnSpc>
+          <a:spcPct val="90000"/>
+        </a:lnSpc>
+        <a:spcBef>
+          <a:spcPts val="500"/>
+        </a:spcBef>
+        <a:buFont typeface="Arial" panose="020B0604020202020204" pitchFamily="34" charset="0"/>
+        <a:buChar char="•"/>
+        <a:defRPr sz="1800" kern="1200">
+          <a:solidFill>
+            <a:schemeClr val="tx1"/>
+          </a:solidFill>
+          <a:latin typeface="+mn-lt"/>
+          <a:ea typeface="+mn-ea"/>
+          <a:cs typeface="+mn-cs"/>
+        </a:defRPr>
+      </a:lvl5pPr>
+      <a:lvl6pPr marL="2514600" indent="-228600" algn="l" defTabSz="914400" rtl="0" eaLnBrk="1" latinLnBrk="0" hangingPunct="1">
+        <a:lnSpc>
+          <a:spcPct val="90000"/>
+        </a:lnSpc>
+        <a:spcBef>
+          <a:spcPts val="500"/>
+        </a:spcBef>
+        <a:buFont typeface="Arial" panose="020B0604020202020204" pitchFamily="34" charset="0"/>
+        <a:buChar char="•"/>
+        <a:defRPr sz="1800" kern="1200">
+          <a:solidFill>
+            <a:schemeClr val="tx1"/>
+          </a:solidFill>
+          <a:latin typeface="+mn-lt"/>
+          <a:ea typeface="+mn-ea"/>
+          <a:cs typeface="+mn-cs"/>
+        </a:defRPr>
+      </a:lvl6pPr>
+      <a:lvl7pPr marL="2971800" indent="-228600" algn="l" defTabSz="914400" rtl="0" eaLnBrk="1" latinLnBrk="0" hangingPunct="1">
+        <a:lnSpc>
+          <a:spcPct val="90000"/>
+        </a:lnSpc>
+        <a:spcBef>
+          <a:spcPts val="500"/>
+        </a:spcBef>
+        <a:buFont typeface="Arial" panose="020B0604020202020204" pitchFamily="34" charset="0"/>
+        <a:buChar char="•"/>
+        <a:defRPr sz="1800" kern="1200">
+          <a:solidFill>
+            <a:schemeClr val="tx1"/>
+          </a:solidFill>
+          <a:latin typeface="+mn-lt"/>
+          <a:ea typeface="+mn-ea"/>
+          <a:cs typeface="+mn-cs"/>
+        </a:defRPr>
+      </a:lvl7pPr>
+      <a:lvl8pPr marL="3429000" indent="-228600" algn="l" defTabSz="914400" rtl="0" eaLnBrk="1" latinLnBrk="0" hangingPunct="1">
+        <a:lnSpc>
+          <a:spcPct val="90000"/>
+        </a:lnSpc>
+        <a:spcBef>
+          <a:spcPts val="500"/>
+        </a:spcBef>
+        <a:buFont typeface="Arial" panose="020B0604020202020204" pitchFamily="34" charset="0"/>
+        <a:buChar char="•"/>
+        <a:defRPr sz="1800" kern="1200">
+          <a:solidFill>
+            <a:schemeClr val="tx1"/>
+          </a:solidFill>
+          <a:latin typeface="+mn-lt"/>
+          <a:ea typeface="+mn-ea"/>
+          <a:cs typeface="+mn-cs"/>
+        </a:defRPr>
+      </a:lvl8pPr>
+      <a:lvl9pPr marL="3886200" indent="-228600" algn="l" defTabSz="914400" rtl="0" eaLnBrk="1" latinLnBrk="0" hangingPunct="1">
+        <a:lnSpc>
+          <a:spcPct val="90000"/>
+        </a:lnSpc>
+        <a:spcBef>
+          <a:spcPts val="500"/>
+        </a:spcBef>
+        <a:buFont typeface="Arial" panose="020B0604020202020204" pitchFamily="34" charset="0"/>
+        <a:buChar char="•"/>
+        <a:defRPr sz="1800" kern="1200">
+          <a:solidFill>
+            <a:schemeClr val="tx1"/>
+          </a:solidFill>
+          <a:latin typeface="+mn-lt"/>
+          <a:ea typeface="+mn-ea"/>
+          <a:cs typeface="+mn-cs"/>
+        </a:defRPr>
+      </a:lvl9pPr>
+    </p:bodyStyle>
+    <p:otherStyle>
+      <a:defPPr>
+        <a:defRPr lang="en-US"/>
+      </a:defPPr>
+      <a:lvl1pPr marL="0" algn="l" defTabSz="914400" rtl="0" eaLnBrk="1" latinLnBrk="0" hangingPunct="1">
+        <a:defRPr sz="1800" kern="1200">
+          <a:solidFill>
+            <a:schemeClr val="tx1"/>
+          </a:solidFill>
+          <a:latin typeface="+mn-lt"/>
+          <a:ea typeface="+mn-ea"/>
+          <a:cs typeface="+mn-cs"/>
+        </a:defRPr>
+      </a:lvl1pPr>
+      <a:lvl2pPr marL="457200" algn="l" defTabSz="914400" rtl="0" eaLnBrk="1" latinLnBrk="0" hangingPunct="1">
+        <a:defRPr sz="1800" kern="1200">
+          <a:solidFill>
+            <a:schemeClr val="tx1"/>
+          </a:solidFill>
+          <a:latin typeface="+mn-lt"/>
+          <a:ea typeface="+mn-ea"/>
+          <a:cs typeface="+mn-cs"/>
+        </a:defRPr>
+      </a:lvl2pPr>
+      <a:lvl3pPr marL="914400" algn="l" defTabSz="914400" rtl="0" eaLnBrk="1" latinLnBrk="0" hangingPunct="1">
+        <a:defRPr sz="1800" kern="1200">
+          <a:solidFill>
+            <a:schemeClr val="tx1"/>
+          </a:solidFill>
+          <a:latin typeface="+mn-lt"/>
+          <a:ea typeface="+mn-ea"/>
+          <a:cs typeface="+mn-cs"/>
+        </a:defRPr>
+      </a:lvl3pPr>
+      <a:lvl4pPr marL="1371600" algn="l" defTabSz="914400" rtl="0" eaLnBrk="1" latinLnBrk="0" hangingPunct="1">
+        <a:defRPr sz="1800" kern="1200">
+          <a:solidFill>
+            <a:schemeClr val="tx1"/>
+          </a:solidFill>
+          <a:latin typeface="+mn-lt"/>
+          <a:ea typeface="+mn-ea"/>
+          <a:cs typeface="+mn-cs"/>
+        </a:defRPr>
+      </a:lvl4pPr>
+      <a:lvl5pPr marL="1828800" algn="l" defTabSz="914400" rtl="0" eaLnBrk="1" latinLnBrk="0" hangingPunct="1">
+        <a:defRPr sz="1800" kern="1200">
+          <a:solidFill>
+            <a:schemeClr val="tx1"/>
+          </a:solidFill>
+          <a:latin typeface="+mn-lt"/>
+          <a:ea typeface="+mn-ea"/>
+          <a:cs typeface="+mn-cs"/>
+        </a:defRPr>
+      </a:lvl5pPr>
+      <a:lvl6pPr marL="2286000" algn="l" defTabSz="914400" rtl="0" eaLnBrk="1" latinLnBrk="0" hangingPunct="1">
+        <a:defRPr sz="1800" kern="1200">
+          <a:solidFill>
+            <a:schemeClr val="tx1"/>
+          </a:solidFill>
+          <a:latin typeface="+mn-lt"/>
+          <a:ea typeface="+mn-ea"/>
+          <a:cs typeface="+mn-cs"/>
+        </a:defRPr>
+      </a:lvl6pPr>
+      <a:lvl7pPr marL="2743200" algn="l" defTabSz="914400" rtl="0" eaLnBrk="1" latinLnBrk="0" hangingPunct="1">
+        <a:defRPr sz="1800" kern="1200">
+          <a:solidFill>
+            <a:schemeClr val="tx1"/>
+          </a:solidFill>
+          <a:latin typeface="+mn-lt"/>
+          <a:ea typeface="+mn-ea"/>
+          <a:cs typeface="+mn-cs"/>
+        </a:defRPr>
+      </a:lvl7pPr>
+      <a:lvl8pPr marL="3200400" algn="l" defTabSz="914400" rtl="0" eaLnBrk="1" latinLnBrk="0" hangingPunct="1">
+        <a:defRPr sz="1800" kern="1200">
+          <a:solidFill>
+            <a:schemeClr val="tx1"/>
+          </a:solidFill>
+          <a:latin typeface="+mn-lt"/>
+          <a:ea typeface="+mn-ea"/>
+          <a:cs typeface="+mn-cs"/>
+        </a:defRPr>
+      </a:lvl8pPr>
+      <a:lvl9pPr marL="3657600" algn="l" defTabSz="914400" rtl="0" eaLnBrk="1" latinLnBrk="0" hangingPunct="1">
+        <a:defRPr sz="1800" kern="1200">
+          <a:solidFill>
+            <a:schemeClr val="tx1"/>
+          </a:solidFill>
+          <a:latin typeface="+mn-lt"/>
+          <a:ea typeface="+mn-ea"/>
+          <a:cs typeface="+mn-cs"/>
+        </a:defRPr>
+      </a:lvl9pPr>
+    </p:otherStyle>
+  </p:txStyles>
+</p:sldMaster>
+</file>
+
+<file path=ppt/slideMasters/slideMaster2.xml><?xml version="1.0" encoding="utf-8"?>
+<p:sldMaster xmlns:a="http://schemas.openxmlformats.org/drawingml/2006/main" xmlns:r="http://schemas.openxmlformats.org/officeDocument/2006/relationships" xmlns:p="http://schemas.openxmlformats.org/presentationml/2006/main" preserve="1">
   <p:cSld>
     <p:bg>
       <p:bgRef idx="1001">
@@ -2769,7 +6062,7 @@
           <p:cNvPr id="2" name="Title Placeholder 1">
             <a:extLst>
               <a:ext uri="{FF2B5EF4-FFF2-40B4-BE49-F238E27FC236}">
-                <a16:creationId xmlns:a16="http://schemas.microsoft.com/office/drawing/2014/main" id="{EE4A3A20-E441-4D8E-843C-654572265CC9}"/>
+                <a16:creationId xmlns:a16="http://schemas.microsoft.com/office/drawing/2014/main" id="{75430572-DB10-41E7-B35B-73D68A6CBE6B}"/>
               </a:ext>
             </a:extLst>
           </p:cNvPr>
@@ -2796,7 +6089,7 @@
           <a:lstStyle/>
           <a:p>
             <a:r>
-              <a:rPr lang="en-US"/>
+              <a:rPr lang="en-US" dirty="0"/>
               <a:t>Click to edit Master title style</a:t>
             </a:r>
           </a:p>
@@ -2807,7 +6100,7 @@
           <p:cNvPr id="3" name="Text Placeholder 2">
             <a:extLst>
               <a:ext uri="{FF2B5EF4-FFF2-40B4-BE49-F238E27FC236}">
-                <a16:creationId xmlns:a16="http://schemas.microsoft.com/office/drawing/2014/main" id="{5F4FA986-09AB-4BFD-A492-207EC48ACC3C}"/>
+                <a16:creationId xmlns:a16="http://schemas.microsoft.com/office/drawing/2014/main" id="{0876BBC9-25DF-4BBE-BCB1-FA8644058C03}"/>
               </a:ext>
             </a:extLst>
           </p:cNvPr>
@@ -2835,46 +6128,541 @@
           <a:p>
             <a:pPr lvl="0"/>
             <a:r>
-              <a:rPr lang="en-US"/>
+              <a:rPr lang="en-US" dirty="0"/>
               <a:t>Click to edit Master text styles</a:t>
             </a:r>
           </a:p>
           <a:p>
             <a:pPr lvl="1"/>
             <a:r>
-              <a:rPr lang="en-US"/>
+              <a:rPr lang="en-US" dirty="0"/>
               <a:t>Second level</a:t>
             </a:r>
           </a:p>
           <a:p>
             <a:pPr lvl="2"/>
             <a:r>
-              <a:rPr lang="en-US"/>
+              <a:rPr lang="en-US" dirty="0"/>
               <a:t>Third level</a:t>
             </a:r>
           </a:p>
           <a:p>
             <a:pPr lvl="3"/>
             <a:r>
-              <a:rPr lang="en-US"/>
+              <a:rPr lang="en-US" dirty="0"/>
               <a:t>Fourth level</a:t>
             </a:r>
           </a:p>
           <a:p>
             <a:pPr lvl="4"/>
             <a:r>
-              <a:rPr lang="en-US"/>
+              <a:rPr lang="en-US" dirty="0"/>
               <a:t>Fifth level</a:t>
             </a:r>
           </a:p>
         </p:txBody>
       </p:sp>
+      <p:pic>
+        <p:nvPicPr>
+          <p:cNvPr id="7" name="Picture 6">
+            <a:extLst>
+              <a:ext uri="{FF2B5EF4-FFF2-40B4-BE49-F238E27FC236}">
+                <a16:creationId xmlns:a16="http://schemas.microsoft.com/office/drawing/2014/main" id="{03E172DB-F7E8-4987-9E20-F664D1904524}"/>
+              </a:ext>
+            </a:extLst>
+          </p:cNvPr>
+          <p:cNvPicPr>
+            <a:picLocks noChangeAspect="1"/>
+          </p:cNvPicPr>
+          <p:nvPr userDrawn="1"/>
+        </p:nvPicPr>
+        <p:blipFill>
+          <a:blip r:embed="rId11"/>
+          <a:stretch>
+            <a:fillRect/>
+          </a:stretch>
+        </p:blipFill>
+        <p:spPr>
+          <a:xfrm>
+            <a:off x="-130009" y="0"/>
+            <a:ext cx="301644" cy="6858000"/>
+          </a:xfrm>
+          <a:prstGeom prst="rect">
+            <a:avLst/>
+          </a:prstGeom>
+        </p:spPr>
+      </p:pic>
+      <p:pic>
+        <p:nvPicPr>
+          <p:cNvPr id="9" name="Picture 8" descr="A close up of a logo&#10;&#10;Description automatically generated">
+            <a:extLst>
+              <a:ext uri="{FF2B5EF4-FFF2-40B4-BE49-F238E27FC236}">
+                <a16:creationId xmlns:a16="http://schemas.microsoft.com/office/drawing/2014/main" id="{6E9AC478-FC2B-45B0-8FFC-485313C61B7A}"/>
+              </a:ext>
+            </a:extLst>
+          </p:cNvPr>
+          <p:cNvPicPr>
+            <a:picLocks noChangeAspect="1"/>
+          </p:cNvPicPr>
+          <p:nvPr userDrawn="1"/>
+        </p:nvPicPr>
+        <p:blipFill>
+          <a:blip r:embed="rId12">
+            <a:extLst>
+              <a:ext uri="{28A0092B-C50C-407E-A947-70E740481C1C}">
+                <a14:useLocalDpi xmlns:a14="http://schemas.microsoft.com/office/drawing/2010/main" val="0"/>
+              </a:ext>
+            </a:extLst>
+          </a:blip>
+          <a:stretch>
+            <a:fillRect/>
+          </a:stretch>
+        </p:blipFill>
+        <p:spPr>
+          <a:xfrm>
+            <a:off x="221758" y="6214170"/>
+            <a:ext cx="1391142" cy="570604"/>
+          </a:xfrm>
+          <a:prstGeom prst="rect">
+            <a:avLst/>
+          </a:prstGeom>
+        </p:spPr>
+      </p:pic>
+    </p:spTree>
+    <p:extLst>
+      <p:ext uri="{BB962C8B-B14F-4D97-AF65-F5344CB8AC3E}">
+        <p14:creationId xmlns:p14="http://schemas.microsoft.com/office/powerpoint/2010/main" val="4268951041"/>
+      </p:ext>
+    </p:extLst>
+  </p:cSld>
+  <p:clrMap bg1="lt1" tx1="dk1" bg2="lt2" tx2="dk2" accent1="accent1" accent2="accent2" accent3="accent3" accent4="accent4" accent5="accent5" accent6="accent6" hlink="hlink" folHlink="folHlink"/>
+  <p:sldLayoutIdLst>
+    <p:sldLayoutId id="2147483672" r:id="rId1"/>
+    <p:sldLayoutId id="2147483687" r:id="rId2"/>
+    <p:sldLayoutId id="2147483670" r:id="rId3"/>
+    <p:sldLayoutId id="2147483686" r:id="rId4"/>
+    <p:sldLayoutId id="2147483678" r:id="rId5"/>
+    <p:sldLayoutId id="2147483679" r:id="rId6"/>
+    <p:sldLayoutId id="2147483680" r:id="rId7"/>
+    <p:sldLayoutId id="2147483681" r:id="rId8"/>
+    <p:sldLayoutId id="2147483682" r:id="rId9"/>
+  </p:sldLayoutIdLst>
+  <p:txStyles>
+    <p:titleStyle>
+      <a:lvl1pPr algn="ctr" defTabSz="914400" rtl="0" eaLnBrk="1" latinLnBrk="0" hangingPunct="1">
+        <a:lnSpc>
+          <a:spcPct val="90000"/>
+        </a:lnSpc>
+        <a:spcBef>
+          <a:spcPct val="0"/>
+        </a:spcBef>
+        <a:buNone/>
+        <a:defRPr sz="3200" kern="1200">
+          <a:solidFill>
+            <a:srgbClr val="606060"/>
+          </a:solidFill>
+          <a:latin typeface="Arial" panose="020B0604020202020204" pitchFamily="34" charset="0"/>
+          <a:ea typeface="+mj-ea"/>
+          <a:cs typeface="Arial" panose="020B0604020202020204" pitchFamily="34" charset="0"/>
+        </a:defRPr>
+      </a:lvl1pPr>
+    </p:titleStyle>
+    <p:bodyStyle>
+      <a:lvl1pPr marL="228600" indent="-228600" algn="l" defTabSz="914400" rtl="0" eaLnBrk="1" latinLnBrk="0" hangingPunct="1">
+        <a:lnSpc>
+          <a:spcPct val="90000"/>
+        </a:lnSpc>
+        <a:spcBef>
+          <a:spcPts val="1000"/>
+        </a:spcBef>
+        <a:buFont typeface="Arial" panose="020B0604020202020204" pitchFamily="34" charset="0"/>
+        <a:buChar char="•"/>
+        <a:defRPr sz="2800" kern="1200">
+          <a:solidFill>
+            <a:srgbClr val="606060"/>
+          </a:solidFill>
+          <a:latin typeface="Arial" panose="020B0604020202020204" pitchFamily="34" charset="0"/>
+          <a:ea typeface="+mn-ea"/>
+          <a:cs typeface="Arial" panose="020B0604020202020204" pitchFamily="34" charset="0"/>
+        </a:defRPr>
+      </a:lvl1pPr>
+      <a:lvl2pPr marL="685800" indent="-228600" algn="l" defTabSz="914400" rtl="0" eaLnBrk="1" latinLnBrk="0" hangingPunct="1">
+        <a:lnSpc>
+          <a:spcPct val="90000"/>
+        </a:lnSpc>
+        <a:spcBef>
+          <a:spcPts val="500"/>
+        </a:spcBef>
+        <a:buFont typeface="Arial" panose="020B0604020202020204" pitchFamily="34" charset="0"/>
+        <a:buChar char="•"/>
+        <a:defRPr sz="2400" kern="1200">
+          <a:solidFill>
+            <a:srgbClr val="606060"/>
+          </a:solidFill>
+          <a:latin typeface="Arial" panose="020B0604020202020204" pitchFamily="34" charset="0"/>
+          <a:ea typeface="+mn-ea"/>
+          <a:cs typeface="Arial" panose="020B0604020202020204" pitchFamily="34" charset="0"/>
+        </a:defRPr>
+      </a:lvl2pPr>
+      <a:lvl3pPr marL="1143000" indent="-228600" algn="l" defTabSz="914400" rtl="0" eaLnBrk="1" latinLnBrk="0" hangingPunct="1">
+        <a:lnSpc>
+          <a:spcPct val="90000"/>
+        </a:lnSpc>
+        <a:spcBef>
+          <a:spcPts val="500"/>
+        </a:spcBef>
+        <a:buFont typeface="Arial" panose="020B0604020202020204" pitchFamily="34" charset="0"/>
+        <a:buChar char="•"/>
+        <a:defRPr sz="2000" kern="1200">
+          <a:solidFill>
+            <a:srgbClr val="606060"/>
+          </a:solidFill>
+          <a:latin typeface="Arial" panose="020B0604020202020204" pitchFamily="34" charset="0"/>
+          <a:ea typeface="+mn-ea"/>
+          <a:cs typeface="Arial" panose="020B0604020202020204" pitchFamily="34" charset="0"/>
+        </a:defRPr>
+      </a:lvl3pPr>
+      <a:lvl4pPr marL="1600200" indent="-228600" algn="l" defTabSz="914400" rtl="0" eaLnBrk="1" latinLnBrk="0" hangingPunct="1">
+        <a:lnSpc>
+          <a:spcPct val="90000"/>
+        </a:lnSpc>
+        <a:spcBef>
+          <a:spcPts val="500"/>
+        </a:spcBef>
+        <a:buFont typeface="Arial" panose="020B0604020202020204" pitchFamily="34" charset="0"/>
+        <a:buChar char="•"/>
+        <a:defRPr sz="1800" kern="1200">
+          <a:solidFill>
+            <a:srgbClr val="606060"/>
+          </a:solidFill>
+          <a:latin typeface="Arial" panose="020B0604020202020204" pitchFamily="34" charset="0"/>
+          <a:ea typeface="+mn-ea"/>
+          <a:cs typeface="Arial" panose="020B0604020202020204" pitchFamily="34" charset="0"/>
+        </a:defRPr>
+      </a:lvl4pPr>
+      <a:lvl5pPr marL="2057400" indent="-228600" algn="l" defTabSz="914400" rtl="0" eaLnBrk="1" latinLnBrk="0" hangingPunct="1">
+        <a:lnSpc>
+          <a:spcPct val="90000"/>
+        </a:lnSpc>
+        <a:spcBef>
+          <a:spcPts val="500"/>
+        </a:spcBef>
+        <a:buFont typeface="Arial" panose="020B0604020202020204" pitchFamily="34" charset="0"/>
+        <a:buChar char="•"/>
+        <a:defRPr sz="1800" kern="1200">
+          <a:solidFill>
+            <a:srgbClr val="606060"/>
+          </a:solidFill>
+          <a:latin typeface="Arial" panose="020B0604020202020204" pitchFamily="34" charset="0"/>
+          <a:ea typeface="+mn-ea"/>
+          <a:cs typeface="Arial" panose="020B0604020202020204" pitchFamily="34" charset="0"/>
+        </a:defRPr>
+      </a:lvl5pPr>
+      <a:lvl6pPr marL="2514600" indent="-228600" algn="l" defTabSz="914400" rtl="0" eaLnBrk="1" latinLnBrk="0" hangingPunct="1">
+        <a:lnSpc>
+          <a:spcPct val="90000"/>
+        </a:lnSpc>
+        <a:spcBef>
+          <a:spcPts val="500"/>
+        </a:spcBef>
+        <a:buFont typeface="Arial" panose="020B0604020202020204" pitchFamily="34" charset="0"/>
+        <a:buChar char="•"/>
+        <a:defRPr sz="1800" kern="1200">
+          <a:solidFill>
+            <a:schemeClr val="tx1"/>
+          </a:solidFill>
+          <a:latin typeface="+mn-lt"/>
+          <a:ea typeface="+mn-ea"/>
+          <a:cs typeface="+mn-cs"/>
+        </a:defRPr>
+      </a:lvl6pPr>
+      <a:lvl7pPr marL="2971800" indent="-228600" algn="l" defTabSz="914400" rtl="0" eaLnBrk="1" latinLnBrk="0" hangingPunct="1">
+        <a:lnSpc>
+          <a:spcPct val="90000"/>
+        </a:lnSpc>
+        <a:spcBef>
+          <a:spcPts val="500"/>
+        </a:spcBef>
+        <a:buFont typeface="Arial" panose="020B0604020202020204" pitchFamily="34" charset="0"/>
+        <a:buChar char="•"/>
+        <a:defRPr sz="1800" kern="1200">
+          <a:solidFill>
+            <a:schemeClr val="tx1"/>
+          </a:solidFill>
+          <a:latin typeface="+mn-lt"/>
+          <a:ea typeface="+mn-ea"/>
+          <a:cs typeface="+mn-cs"/>
+        </a:defRPr>
+      </a:lvl7pPr>
+      <a:lvl8pPr marL="3429000" indent="-228600" algn="l" defTabSz="914400" rtl="0" eaLnBrk="1" latinLnBrk="0" hangingPunct="1">
+        <a:lnSpc>
+          <a:spcPct val="90000"/>
+        </a:lnSpc>
+        <a:spcBef>
+          <a:spcPts val="500"/>
+        </a:spcBef>
+        <a:buFont typeface="Arial" panose="020B0604020202020204" pitchFamily="34" charset="0"/>
+        <a:buChar char="•"/>
+        <a:defRPr sz="1800" kern="1200">
+          <a:solidFill>
+            <a:schemeClr val="tx1"/>
+          </a:solidFill>
+          <a:latin typeface="+mn-lt"/>
+          <a:ea typeface="+mn-ea"/>
+          <a:cs typeface="+mn-cs"/>
+        </a:defRPr>
+      </a:lvl8pPr>
+      <a:lvl9pPr marL="3886200" indent="-228600" algn="l" defTabSz="914400" rtl="0" eaLnBrk="1" latinLnBrk="0" hangingPunct="1">
+        <a:lnSpc>
+          <a:spcPct val="90000"/>
+        </a:lnSpc>
+        <a:spcBef>
+          <a:spcPts val="500"/>
+        </a:spcBef>
+        <a:buFont typeface="Arial" panose="020B0604020202020204" pitchFamily="34" charset="0"/>
+        <a:buChar char="•"/>
+        <a:defRPr sz="1800" kern="1200">
+          <a:solidFill>
+            <a:schemeClr val="tx1"/>
+          </a:solidFill>
+          <a:latin typeface="+mn-lt"/>
+          <a:ea typeface="+mn-ea"/>
+          <a:cs typeface="+mn-cs"/>
+        </a:defRPr>
+      </a:lvl9pPr>
+    </p:bodyStyle>
+    <p:otherStyle>
+      <a:defPPr>
+        <a:defRPr lang="en-US"/>
+      </a:defPPr>
+      <a:lvl1pPr marL="0" algn="l" defTabSz="914400" rtl="0" eaLnBrk="1" latinLnBrk="0" hangingPunct="1">
+        <a:defRPr sz="1800" kern="1200">
+          <a:solidFill>
+            <a:schemeClr val="tx1"/>
+          </a:solidFill>
+          <a:latin typeface="+mn-lt"/>
+          <a:ea typeface="+mn-ea"/>
+          <a:cs typeface="+mn-cs"/>
+        </a:defRPr>
+      </a:lvl1pPr>
+      <a:lvl2pPr marL="457200" algn="l" defTabSz="914400" rtl="0" eaLnBrk="1" latinLnBrk="0" hangingPunct="1">
+        <a:defRPr sz="1800" kern="1200">
+          <a:solidFill>
+            <a:schemeClr val="tx1"/>
+          </a:solidFill>
+          <a:latin typeface="+mn-lt"/>
+          <a:ea typeface="+mn-ea"/>
+          <a:cs typeface="+mn-cs"/>
+        </a:defRPr>
+      </a:lvl2pPr>
+      <a:lvl3pPr marL="914400" algn="l" defTabSz="914400" rtl="0" eaLnBrk="1" latinLnBrk="0" hangingPunct="1">
+        <a:defRPr sz="1800" kern="1200">
+          <a:solidFill>
+            <a:schemeClr val="tx1"/>
+          </a:solidFill>
+          <a:latin typeface="+mn-lt"/>
+          <a:ea typeface="+mn-ea"/>
+          <a:cs typeface="+mn-cs"/>
+        </a:defRPr>
+      </a:lvl3pPr>
+      <a:lvl4pPr marL="1371600" algn="l" defTabSz="914400" rtl="0" eaLnBrk="1" latinLnBrk="0" hangingPunct="1">
+        <a:defRPr sz="1800" kern="1200">
+          <a:solidFill>
+            <a:schemeClr val="tx1"/>
+          </a:solidFill>
+          <a:latin typeface="+mn-lt"/>
+          <a:ea typeface="+mn-ea"/>
+          <a:cs typeface="+mn-cs"/>
+        </a:defRPr>
+      </a:lvl4pPr>
+      <a:lvl5pPr marL="1828800" algn="l" defTabSz="914400" rtl="0" eaLnBrk="1" latinLnBrk="0" hangingPunct="1">
+        <a:defRPr sz="1800" kern="1200">
+          <a:solidFill>
+            <a:schemeClr val="tx1"/>
+          </a:solidFill>
+          <a:latin typeface="+mn-lt"/>
+          <a:ea typeface="+mn-ea"/>
+          <a:cs typeface="+mn-cs"/>
+        </a:defRPr>
+      </a:lvl5pPr>
+      <a:lvl6pPr marL="2286000" algn="l" defTabSz="914400" rtl="0" eaLnBrk="1" latinLnBrk="0" hangingPunct="1">
+        <a:defRPr sz="1800" kern="1200">
+          <a:solidFill>
+            <a:schemeClr val="tx1"/>
+          </a:solidFill>
+          <a:latin typeface="+mn-lt"/>
+          <a:ea typeface="+mn-ea"/>
+          <a:cs typeface="+mn-cs"/>
+        </a:defRPr>
+      </a:lvl6pPr>
+      <a:lvl7pPr marL="2743200" algn="l" defTabSz="914400" rtl="0" eaLnBrk="1" latinLnBrk="0" hangingPunct="1">
+        <a:defRPr sz="1800" kern="1200">
+          <a:solidFill>
+            <a:schemeClr val="tx1"/>
+          </a:solidFill>
+          <a:latin typeface="+mn-lt"/>
+          <a:ea typeface="+mn-ea"/>
+          <a:cs typeface="+mn-cs"/>
+        </a:defRPr>
+      </a:lvl7pPr>
+      <a:lvl8pPr marL="3200400" algn="l" defTabSz="914400" rtl="0" eaLnBrk="1" latinLnBrk="0" hangingPunct="1">
+        <a:defRPr sz="1800" kern="1200">
+          <a:solidFill>
+            <a:schemeClr val="tx1"/>
+          </a:solidFill>
+          <a:latin typeface="+mn-lt"/>
+          <a:ea typeface="+mn-ea"/>
+          <a:cs typeface="+mn-cs"/>
+        </a:defRPr>
+      </a:lvl8pPr>
+      <a:lvl9pPr marL="3657600" algn="l" defTabSz="914400" rtl="0" eaLnBrk="1" latinLnBrk="0" hangingPunct="1">
+        <a:defRPr sz="1800" kern="1200">
+          <a:solidFill>
+            <a:schemeClr val="tx1"/>
+          </a:solidFill>
+          <a:latin typeface="+mn-lt"/>
+          <a:ea typeface="+mn-ea"/>
+          <a:cs typeface="+mn-cs"/>
+        </a:defRPr>
+      </a:lvl9pPr>
+    </p:otherStyle>
+  </p:txStyles>
+</p:sldMaster>
+</file>
+
+<file path=ppt/slideMasters/slideMaster3.xml><?xml version="1.0" encoding="utf-8"?>
+<p:sldMaster xmlns:a="http://schemas.openxmlformats.org/drawingml/2006/main" xmlns:r="http://schemas.openxmlformats.org/officeDocument/2006/relationships" xmlns:p="http://schemas.openxmlformats.org/presentationml/2006/main" preserve="1">
+  <p:cSld>
+    <p:bg>
+      <p:bgRef idx="1001">
+        <a:schemeClr val="bg1"/>
+      </p:bgRef>
+    </p:bg>
+    <p:spTree>
+      <p:nvGrpSpPr>
+        <p:cNvPr id="1" name=""/>
+        <p:cNvGrpSpPr/>
+        <p:nvPr/>
+      </p:nvGrpSpPr>
+      <p:grpSpPr>
+        <a:xfrm>
+          <a:off x="0" y="0"/>
+          <a:ext cx="0" cy="0"/>
+          <a:chOff x="0" y="0"/>
+          <a:chExt cx="0" cy="0"/>
+        </a:xfrm>
+      </p:grpSpPr>
+      <p:sp>
+        <p:nvSpPr>
+          <p:cNvPr id="2" name="Title Placeholder 1">
+            <a:extLst>
+              <a:ext uri="{FF2B5EF4-FFF2-40B4-BE49-F238E27FC236}">
+                <a16:creationId xmlns:a16="http://schemas.microsoft.com/office/drawing/2014/main" id="{E6ED078C-226F-45A1-82F0-486643F45962}"/>
+              </a:ext>
+            </a:extLst>
+          </p:cNvPr>
+          <p:cNvSpPr>
+            <a:spLocks noGrp="1"/>
+          </p:cNvSpPr>
+          <p:nvPr>
+            <p:ph type="title"/>
+          </p:nvPr>
+        </p:nvSpPr>
+        <p:spPr>
+          <a:xfrm>
+            <a:off x="838200" y="365125"/>
+            <a:ext cx="10515600" cy="1325563"/>
+          </a:xfrm>
+          <a:prstGeom prst="rect">
+            <a:avLst/>
+          </a:prstGeom>
+        </p:spPr>
+        <p:txBody>
+          <a:bodyPr vert="horz" lIns="91440" tIns="45720" rIns="91440" bIns="45720" rtlCol="0" anchor="ctr">
+            <a:normAutofit/>
+          </a:bodyPr>
+          <a:lstStyle/>
+          <a:p>
+            <a:r>
+              <a:rPr lang="en-US"/>
+              <a:t>Click to edit Master title style</a:t>
+            </a:r>
+          </a:p>
+        </p:txBody>
+      </p:sp>
+      <p:sp>
+        <p:nvSpPr>
+          <p:cNvPr id="3" name="Text Placeholder 2">
+            <a:extLst>
+              <a:ext uri="{FF2B5EF4-FFF2-40B4-BE49-F238E27FC236}">
+                <a16:creationId xmlns:a16="http://schemas.microsoft.com/office/drawing/2014/main" id="{B5097EAA-CF34-40C5-8936-DF4DC59371B4}"/>
+              </a:ext>
+            </a:extLst>
+          </p:cNvPr>
+          <p:cNvSpPr>
+            <a:spLocks noGrp="1"/>
+          </p:cNvSpPr>
+          <p:nvPr>
+            <p:ph type="body" idx="1"/>
+          </p:nvPr>
+        </p:nvSpPr>
+        <p:spPr>
+          <a:xfrm>
+            <a:off x="838200" y="1825625"/>
+            <a:ext cx="10515600" cy="4351338"/>
+          </a:xfrm>
+          <a:prstGeom prst="rect">
+            <a:avLst/>
+          </a:prstGeom>
+        </p:spPr>
+        <p:txBody>
+          <a:bodyPr vert="horz" lIns="91440" tIns="45720" rIns="91440" bIns="45720" rtlCol="0">
+            <a:normAutofit/>
+          </a:bodyPr>
+          <a:lstStyle/>
+          <a:p>
+            <a:pPr lvl="0"/>
+            <a:r>
+              <a:rPr lang="en-US"/>
+              <a:t>Click to edit Master text styles</a:t>
+            </a:r>
+          </a:p>
+          <a:p>
+            <a:pPr lvl="1"/>
+            <a:r>
+              <a:rPr lang="en-US"/>
+              <a:t>Second level</a:t>
+            </a:r>
+          </a:p>
+          <a:p>
+            <a:pPr lvl="2"/>
+            <a:r>
+              <a:rPr lang="en-US"/>
+              <a:t>Third level</a:t>
+            </a:r>
+          </a:p>
+          <a:p>
+            <a:pPr lvl="3"/>
+            <a:r>
+              <a:rPr lang="en-US"/>
+              <a:t>Fourth level</a:t>
+            </a:r>
+          </a:p>
+          <a:p>
+            <a:pPr lvl="4"/>
+            <a:r>
+              <a:rPr lang="en-US"/>
+              <a:t>Fifth level</a:t>
+            </a:r>
+          </a:p>
+        </p:txBody>
+      </p:sp>
       <p:sp>
         <p:nvSpPr>
           <p:cNvPr id="4" name="Date Placeholder 3">
             <a:extLst>
               <a:ext uri="{FF2B5EF4-FFF2-40B4-BE49-F238E27FC236}">
-                <a16:creationId xmlns:a16="http://schemas.microsoft.com/office/drawing/2014/main" id="{665B058F-FB04-4435-BBBB-2E8D3F1F040B}"/>
+                <a16:creationId xmlns:a16="http://schemas.microsoft.com/office/drawing/2014/main" id="{514599F6-34BD-4220-877A-23F670FA37A4}"/>
               </a:ext>
             </a:extLst>
           </p:cNvPr>
@@ -2908,7 +6696,7 @@
             </a:lvl1pPr>
           </a:lstStyle>
           <a:p>
-            <a:fld id="{44A53013-1A0E-4E68-9D19-244B4260222B}" type="datetimeFigureOut">
+            <a:fld id="{3B5B4DC6-48D7-4B5C-A9ED-BFFCC4396DAF}" type="datetimeFigureOut">
               <a:rPr lang="en-US" smtClean="0"/>
               <a:t>7/15/2019</a:t>
             </a:fld>
@@ -2921,7 +6709,7 @@
           <p:cNvPr id="5" name="Footer Placeholder 4">
             <a:extLst>
               <a:ext uri="{FF2B5EF4-FFF2-40B4-BE49-F238E27FC236}">
-                <a16:creationId xmlns:a16="http://schemas.microsoft.com/office/drawing/2014/main" id="{4376ED39-1280-4C0D-99AC-D9EE83484B39}"/>
+                <a16:creationId xmlns:a16="http://schemas.microsoft.com/office/drawing/2014/main" id="{4B83ABA3-36C0-4445-A8DF-C3F7B2A62EF7}"/>
               </a:ext>
             </a:extLst>
           </p:cNvPr>
@@ -2964,7 +6752,7 @@
           <p:cNvPr id="6" name="Slide Number Placeholder 5">
             <a:extLst>
               <a:ext uri="{FF2B5EF4-FFF2-40B4-BE49-F238E27FC236}">
-                <a16:creationId xmlns:a16="http://schemas.microsoft.com/office/drawing/2014/main" id="{5F99A03E-C153-4FE7-AF44-D209ED2333CE}"/>
+                <a16:creationId xmlns:a16="http://schemas.microsoft.com/office/drawing/2014/main" id="{9728A6D7-847C-4285-8954-E4E4EB8F9E73}"/>
               </a:ext>
             </a:extLst>
           </p:cNvPr>
@@ -2998,7 +6786,7 @@
             </a:lvl1pPr>
           </a:lstStyle>
           <a:p>
-            <a:fld id="{FC9874BA-1FDF-46C3-9DF1-0CB858519E96}" type="slidenum">
+            <a:fld id="{569BA334-D3A4-470C-A1AD-F22DE6BC6CC1}" type="slidenum">
               <a:rPr lang="en-US" smtClean="0"/>
               <a:t>‹#›</a:t>
             </a:fld>
@@ -3009,23 +6797,23 @@
     </p:spTree>
     <p:extLst>
       <p:ext uri="{BB962C8B-B14F-4D97-AF65-F5344CB8AC3E}">
-        <p14:creationId xmlns:p14="http://schemas.microsoft.com/office/powerpoint/2010/main" val="3878777021"/>
+        <p14:creationId xmlns:p14="http://schemas.microsoft.com/office/powerpoint/2010/main" val="3548240562"/>
       </p:ext>
     </p:extLst>
   </p:cSld>
   <p:clrMap bg1="lt1" tx1="dk1" bg2="lt2" tx2="dk2" accent1="accent1" accent2="accent2" accent3="accent3" accent4="accent4" accent5="accent5" accent6="accent6" hlink="hlink" folHlink="folHlink"/>
   <p:sldLayoutIdLst>
-    <p:sldLayoutId id="2147483649" r:id="rId1"/>
-    <p:sldLayoutId id="2147483650" r:id="rId2"/>
-    <p:sldLayoutId id="2147483651" r:id="rId3"/>
-    <p:sldLayoutId id="2147483652" r:id="rId4"/>
-    <p:sldLayoutId id="2147483653" r:id="rId5"/>
-    <p:sldLayoutId id="2147483654" r:id="rId6"/>
-    <p:sldLayoutId id="2147483655" r:id="rId7"/>
-    <p:sldLayoutId id="2147483656" r:id="rId8"/>
-    <p:sldLayoutId id="2147483657" r:id="rId9"/>
-    <p:sldLayoutId id="2147483658" r:id="rId10"/>
-    <p:sldLayoutId id="2147483659" r:id="rId11"/>
+    <p:sldLayoutId id="2147483689" r:id="rId1"/>
+    <p:sldLayoutId id="2147483690" r:id="rId2"/>
+    <p:sldLayoutId id="2147483691" r:id="rId3"/>
+    <p:sldLayoutId id="2147483692" r:id="rId4"/>
+    <p:sldLayoutId id="2147483693" r:id="rId5"/>
+    <p:sldLayoutId id="2147483694" r:id="rId6"/>
+    <p:sldLayoutId id="2147483695" r:id="rId7"/>
+    <p:sldLayoutId id="2147483696" r:id="rId8"/>
+    <p:sldLayoutId id="2147483697" r:id="rId9"/>
+    <p:sldLayoutId id="2147483698" r:id="rId10"/>
+    <p:sldLayoutId id="2147483699" r:id="rId11"/>
   </p:sldLayoutIdLst>
   <p:txStyles>
     <p:titleStyle>
@@ -3329,138 +7117,100 @@
       </p:grpSpPr>
       <p:sp>
         <p:nvSpPr>
-          <p:cNvPr id="2" name="Title 1">
-            <a:extLst>
-              <a:ext uri="{FF2B5EF4-FFF2-40B4-BE49-F238E27FC236}">
-                <a16:creationId xmlns:a16="http://schemas.microsoft.com/office/drawing/2014/main" id="{E42A6A65-FD97-47C1-9F8F-4052DF0B9946}"/>
-              </a:ext>
-            </a:extLst>
-          </p:cNvPr>
-          <p:cNvSpPr>
-            <a:spLocks noGrp="1"/>
-          </p:cNvSpPr>
-          <p:nvPr>
-            <p:ph type="ctrTitle"/>
-          </p:nvPr>
-        </p:nvSpPr>
-        <p:spPr/>
+          <p:cNvPr id="3" name="Text Placeholder 2">
+            <a:extLst>
+              <a:ext uri="{FF2B5EF4-FFF2-40B4-BE49-F238E27FC236}">
+                <a16:creationId xmlns:a16="http://schemas.microsoft.com/office/drawing/2014/main" id="{7D324FF0-B009-4CEE-B1D1-FD441B12BBD5}"/>
+              </a:ext>
+            </a:extLst>
+          </p:cNvPr>
+          <p:cNvSpPr>
+            <a:spLocks noGrp="1"/>
+          </p:cNvSpPr>
+          <p:nvPr>
+            <p:ph type="body" sz="quarter" idx="11"/>
+          </p:nvPr>
+        </p:nvSpPr>
+        <p:spPr>
+          <a:xfrm>
+            <a:off x="446085" y="763398"/>
+            <a:ext cx="9337249" cy="1107347"/>
+          </a:xfrm>
+        </p:spPr>
         <p:txBody>
           <a:bodyPr/>
           <a:lstStyle/>
           <a:p>
-            <a:endParaRPr lang="en-US" dirty="0"/>
-          </a:p>
-        </p:txBody>
-      </p:sp>
-      <p:sp>
-        <p:nvSpPr>
-          <p:cNvPr id="3" name="Subtitle 2">
-            <a:extLst>
-              <a:ext uri="{FF2B5EF4-FFF2-40B4-BE49-F238E27FC236}">
-                <a16:creationId xmlns:a16="http://schemas.microsoft.com/office/drawing/2014/main" id="{7C0F9725-AB69-4453-A99C-7C988B16A786}"/>
-              </a:ext>
-            </a:extLst>
-          </p:cNvPr>
-          <p:cNvSpPr>
-            <a:spLocks noGrp="1"/>
-          </p:cNvSpPr>
-          <p:nvPr>
-            <p:ph type="subTitle" idx="1"/>
-          </p:nvPr>
-        </p:nvSpPr>
-        <p:spPr/>
+            <a:r>
+              <a:rPr lang="en-US" sz="6600" dirty="0"/>
+              <a:t>the DAM</a:t>
+            </a:r>
+          </a:p>
+        </p:txBody>
+      </p:sp>
+      <p:sp>
+        <p:nvSpPr>
+          <p:cNvPr id="4" name="Text Placeholder 3">
+            <a:extLst>
+              <a:ext uri="{FF2B5EF4-FFF2-40B4-BE49-F238E27FC236}">
+                <a16:creationId xmlns:a16="http://schemas.microsoft.com/office/drawing/2014/main" id="{F8A7ADB7-967C-4A39-B7D4-285E70D4E8D1}"/>
+              </a:ext>
+            </a:extLst>
+          </p:cNvPr>
+          <p:cNvSpPr>
+            <a:spLocks noGrp="1"/>
+          </p:cNvSpPr>
+          <p:nvPr>
+            <p:ph type="body" sz="quarter" idx="12"/>
+          </p:nvPr>
+        </p:nvSpPr>
+        <p:spPr>
+          <a:xfrm>
+            <a:off x="446085" y="2340528"/>
+            <a:ext cx="9337249" cy="3045204"/>
+          </a:xfrm>
+        </p:spPr>
         <p:txBody>
           <a:bodyPr/>
           <a:lstStyle/>
           <a:p>
-            <a:endParaRPr lang="en-US"/>
+            <a:r>
+              <a:rPr lang="en-US" dirty="0"/>
+              <a:t>Team </a:t>
+            </a:r>
+            <a:r>
+              <a:rPr lang="en-US" b="1" dirty="0">
+                <a:solidFill>
+                  <a:schemeClr val="tx1"/>
+                </a:solidFill>
+              </a:rPr>
+              <a:t>Hack in Black</a:t>
+            </a:r>
+            <a:r>
+              <a:rPr lang="en-US" dirty="0"/>
+              <a:t>: </a:t>
+            </a:r>
+          </a:p>
+          <a:p>
+            <a:r>
+              <a:rPr lang="en-US" dirty="0"/>
+              <a:t>Jason Boehning, John Pierson, Marcello </a:t>
+            </a:r>
+            <a:r>
+              <a:rPr lang="en-US" dirty="0" err="1"/>
+              <a:t>Sgamulluri</a:t>
+            </a:r>
+            <a:r>
+              <a:rPr lang="en-US" dirty="0"/>
+              <a:t>, Carl Storms, Adam Thomas</a:t>
+            </a:r>
           </a:p>
         </p:txBody>
       </p:sp>
     </p:spTree>
     <p:extLst>
       <p:ext uri="{BB962C8B-B14F-4D97-AF65-F5344CB8AC3E}">
-        <p14:creationId xmlns:p14="http://schemas.microsoft.com/office/powerpoint/2010/main" val="2754023352"/>
-      </p:ext>
-    </p:extLst>
-  </p:cSld>
-  <p:clrMapOvr>
-    <a:masterClrMapping/>
-  </p:clrMapOvr>
-</p:sld>
-</file>
-
-<file path=ppt/slides/slide2.xml><?xml version="1.0" encoding="utf-8"?>
-<p:sld xmlns:a="http://schemas.openxmlformats.org/drawingml/2006/main" xmlns:r="http://schemas.openxmlformats.org/officeDocument/2006/relationships" xmlns:p="http://schemas.openxmlformats.org/presentationml/2006/main">
-  <p:cSld>
-    <p:spTree>
-      <p:nvGrpSpPr>
-        <p:cNvPr id="1" name=""/>
-        <p:cNvGrpSpPr/>
-        <p:nvPr/>
-      </p:nvGrpSpPr>
-      <p:grpSpPr>
-        <a:xfrm>
-          <a:off x="0" y="0"/>
-          <a:ext cx="0" cy="0"/>
-          <a:chOff x="0" y="0"/>
-          <a:chExt cx="0" cy="0"/>
-        </a:xfrm>
-      </p:grpSpPr>
-      <p:sp>
-        <p:nvSpPr>
-          <p:cNvPr id="2" name="Title 1">
-            <a:extLst>
-              <a:ext uri="{FF2B5EF4-FFF2-40B4-BE49-F238E27FC236}">
-                <a16:creationId xmlns:a16="http://schemas.microsoft.com/office/drawing/2014/main" id="{53A98428-F043-4ACD-85FE-B5DB80CEB858}"/>
-              </a:ext>
-            </a:extLst>
-          </p:cNvPr>
-          <p:cNvSpPr>
-            <a:spLocks noGrp="1"/>
-          </p:cNvSpPr>
-          <p:nvPr>
-            <p:ph type="title"/>
-          </p:nvPr>
-        </p:nvSpPr>
-        <p:spPr/>
-        <p:txBody>
-          <a:bodyPr/>
-          <a:lstStyle/>
-          <a:p>
-            <a:endParaRPr lang="en-US"/>
-          </a:p>
-        </p:txBody>
-      </p:sp>
-      <p:sp>
-        <p:nvSpPr>
-          <p:cNvPr id="3" name="Content Placeholder 2">
-            <a:extLst>
-              <a:ext uri="{FF2B5EF4-FFF2-40B4-BE49-F238E27FC236}">
-                <a16:creationId xmlns:a16="http://schemas.microsoft.com/office/drawing/2014/main" id="{A8271EDC-1364-4426-9A9B-1A78A59A57E8}"/>
-              </a:ext>
-            </a:extLst>
-          </p:cNvPr>
-          <p:cNvSpPr>
-            <a:spLocks noGrp="1"/>
-          </p:cNvSpPr>
-          <p:nvPr>
-            <p:ph idx="1"/>
-          </p:nvPr>
-        </p:nvSpPr>
-        <p:spPr/>
-        <p:txBody>
-          <a:bodyPr/>
-          <a:lstStyle/>
-          <a:p>
-            <a:endParaRPr lang="en-US"/>
-          </a:p>
-        </p:txBody>
-      </p:sp>
-    </p:spTree>
-    <p:extLst>
-      <p:ext uri="{BB962C8B-B14F-4D97-AF65-F5344CB8AC3E}">
-        <p14:creationId xmlns:p14="http://schemas.microsoft.com/office/powerpoint/2010/main" val="2738241934"/>
+        <p14:creationId xmlns:p14="http://schemas.microsoft.com/office/powerpoint/2010/main" val="1050575768"/>
       </p:ext>
     </p:extLst>
   </p:cSld>
@@ -3763,4 +7513,889 @@
     </a:ext>
   </a:extLst>
 </a:theme>
+</file>
+
+<file path=ppt/theme/theme2.xml><?xml version="1.0" encoding="utf-8"?>
+<a:theme xmlns:a="http://schemas.openxmlformats.org/drawingml/2006/main" name="Main Content">
+  <a:themeElements>
+    <a:clrScheme name="Office">
+      <a:dk1>
+        <a:sysClr val="windowText" lastClr="000000"/>
+      </a:dk1>
+      <a:lt1>
+        <a:sysClr val="window" lastClr="FFFFFF"/>
+      </a:lt1>
+      <a:dk2>
+        <a:srgbClr val="44546A"/>
+      </a:dk2>
+      <a:lt2>
+        <a:srgbClr val="E7E6E6"/>
+      </a:lt2>
+      <a:accent1>
+        <a:srgbClr val="4472C4"/>
+      </a:accent1>
+      <a:accent2>
+        <a:srgbClr val="ED7D31"/>
+      </a:accent2>
+      <a:accent3>
+        <a:srgbClr val="A5A5A5"/>
+      </a:accent3>
+      <a:accent4>
+        <a:srgbClr val="FFC000"/>
+      </a:accent4>
+      <a:accent5>
+        <a:srgbClr val="5B9BD5"/>
+      </a:accent5>
+      <a:accent6>
+        <a:srgbClr val="70AD47"/>
+      </a:accent6>
+      <a:hlink>
+        <a:srgbClr val="0563C1"/>
+      </a:hlink>
+      <a:folHlink>
+        <a:srgbClr val="954F72"/>
+      </a:folHlink>
+    </a:clrScheme>
+    <a:fontScheme name="Office">
+      <a:majorFont>
+        <a:latin typeface="Calibri Light" panose="020F0302020204030204"/>
+        <a:ea typeface=""/>
+        <a:cs typeface=""/>
+        <a:font script="Jpan" typeface="游ゴシック Light"/>
+        <a:font script="Hang" typeface="맑은 고딕"/>
+        <a:font script="Hans" typeface="等线 Light"/>
+        <a:font script="Hant" typeface="新細明體"/>
+        <a:font script="Arab" typeface="Times New Roman"/>
+        <a:font script="Hebr" typeface="Times New Roman"/>
+        <a:font script="Thai" typeface="Angsana New"/>
+        <a:font script="Ethi" typeface="Nyala"/>
+        <a:font script="Beng" typeface="Vrinda"/>
+        <a:font script="Gujr" typeface="Shruti"/>
+        <a:font script="Khmr" typeface="MoolBoran"/>
+        <a:font script="Knda" typeface="Tunga"/>
+        <a:font script="Guru" typeface="Raavi"/>
+        <a:font script="Cans" typeface="Euphemia"/>
+        <a:font script="Cher" typeface="Plantagenet Cherokee"/>
+        <a:font script="Yiii" typeface="Microsoft Yi Baiti"/>
+        <a:font script="Tibt" typeface="Microsoft Himalaya"/>
+        <a:font script="Thaa" typeface="MV Boli"/>
+        <a:font script="Deva" typeface="Mangal"/>
+        <a:font script="Telu" typeface="Gautami"/>
+        <a:font script="Taml" typeface="Latha"/>
+        <a:font script="Syrc" typeface="Estrangelo Edessa"/>
+        <a:font script="Orya" typeface="Kalinga"/>
+        <a:font script="Mlym" typeface="Kartika"/>
+        <a:font script="Laoo" typeface="DokChampa"/>
+        <a:font script="Sinh" typeface="Iskoola Pota"/>
+        <a:font script="Mong" typeface="Mongolian Baiti"/>
+        <a:font script="Viet" typeface="Times New Roman"/>
+        <a:font script="Uigh" typeface="Microsoft Uighur"/>
+        <a:font script="Geor" typeface="Sylfaen"/>
+        <a:font script="Armn" typeface="Arial"/>
+        <a:font script="Bugi" typeface="Leelawadee UI"/>
+        <a:font script="Bopo" typeface="Microsoft JhengHei"/>
+        <a:font script="Java" typeface="Javanese Text"/>
+        <a:font script="Lisu" typeface="Segoe UI"/>
+        <a:font script="Mymr" typeface="Myanmar Text"/>
+        <a:font script="Nkoo" typeface="Ebrima"/>
+        <a:font script="Olck" typeface="Nirmala UI"/>
+        <a:font script="Osma" typeface="Ebrima"/>
+        <a:font script="Phag" typeface="Phagspa"/>
+        <a:font script="Syrn" typeface="Estrangelo Edessa"/>
+        <a:font script="Syrj" typeface="Estrangelo Edessa"/>
+        <a:font script="Syre" typeface="Estrangelo Edessa"/>
+        <a:font script="Sora" typeface="Nirmala UI"/>
+        <a:font script="Tale" typeface="Microsoft Tai Le"/>
+        <a:font script="Talu" typeface="Microsoft New Tai Lue"/>
+        <a:font script="Tfng" typeface="Ebrima"/>
+      </a:majorFont>
+      <a:minorFont>
+        <a:latin typeface="Calibri" panose="020F0502020204030204"/>
+        <a:ea typeface=""/>
+        <a:cs typeface=""/>
+        <a:font script="Jpan" typeface="游ゴシック"/>
+        <a:font script="Hang" typeface="맑은 고딕"/>
+        <a:font script="Hans" typeface="等线"/>
+        <a:font script="Hant" typeface="新細明體"/>
+        <a:font script="Arab" typeface="Arial"/>
+        <a:font script="Hebr" typeface="Arial"/>
+        <a:font script="Thai" typeface="Cordia New"/>
+        <a:font script="Ethi" typeface="Nyala"/>
+        <a:font script="Beng" typeface="Vrinda"/>
+        <a:font script="Gujr" typeface="Shruti"/>
+        <a:font script="Khmr" typeface="DaunPenh"/>
+        <a:font script="Knda" typeface="Tunga"/>
+        <a:font script="Guru" typeface="Raavi"/>
+        <a:font script="Cans" typeface="Euphemia"/>
+        <a:font script="Cher" typeface="Plantagenet Cherokee"/>
+        <a:font script="Yiii" typeface="Microsoft Yi Baiti"/>
+        <a:font script="Tibt" typeface="Microsoft Himalaya"/>
+        <a:font script="Thaa" typeface="MV Boli"/>
+        <a:font script="Deva" typeface="Mangal"/>
+        <a:font script="Telu" typeface="Gautami"/>
+        <a:font script="Taml" typeface="Latha"/>
+        <a:font script="Syrc" typeface="Estrangelo Edessa"/>
+        <a:font script="Orya" typeface="Kalinga"/>
+        <a:font script="Mlym" typeface="Kartika"/>
+        <a:font script="Laoo" typeface="DokChampa"/>
+        <a:font script="Sinh" typeface="Iskoola Pota"/>
+        <a:font script="Mong" typeface="Mongolian Baiti"/>
+        <a:font script="Viet" typeface="Arial"/>
+        <a:font script="Uigh" typeface="Microsoft Uighur"/>
+        <a:font script="Geor" typeface="Sylfaen"/>
+        <a:font script="Armn" typeface="Arial"/>
+        <a:font script="Bugi" typeface="Leelawadee UI"/>
+        <a:font script="Bopo" typeface="Microsoft JhengHei"/>
+        <a:font script="Java" typeface="Javanese Text"/>
+        <a:font script="Lisu" typeface="Segoe UI"/>
+        <a:font script="Mymr" typeface="Myanmar Text"/>
+        <a:font script="Nkoo" typeface="Ebrima"/>
+        <a:font script="Olck" typeface="Nirmala UI"/>
+        <a:font script="Osma" typeface="Ebrima"/>
+        <a:font script="Phag" typeface="Phagspa"/>
+        <a:font script="Syrn" typeface="Estrangelo Edessa"/>
+        <a:font script="Syrj" typeface="Estrangelo Edessa"/>
+        <a:font script="Syre" typeface="Estrangelo Edessa"/>
+        <a:font script="Sora" typeface="Nirmala UI"/>
+        <a:font script="Tale" typeface="Microsoft Tai Le"/>
+        <a:font script="Talu" typeface="Microsoft New Tai Lue"/>
+        <a:font script="Tfng" typeface="Ebrima"/>
+      </a:minorFont>
+    </a:fontScheme>
+    <a:fmtScheme name="Office">
+      <a:fillStyleLst>
+        <a:solidFill>
+          <a:schemeClr val="phClr"/>
+        </a:solidFill>
+        <a:gradFill rotWithShape="1">
+          <a:gsLst>
+            <a:gs pos="0">
+              <a:schemeClr val="phClr">
+                <a:lumMod val="110000"/>
+                <a:satMod val="105000"/>
+                <a:tint val="67000"/>
+              </a:schemeClr>
+            </a:gs>
+            <a:gs pos="50000">
+              <a:schemeClr val="phClr">
+                <a:lumMod val="105000"/>
+                <a:satMod val="103000"/>
+                <a:tint val="73000"/>
+              </a:schemeClr>
+            </a:gs>
+            <a:gs pos="100000">
+              <a:schemeClr val="phClr">
+                <a:lumMod val="105000"/>
+                <a:satMod val="109000"/>
+                <a:tint val="81000"/>
+              </a:schemeClr>
+            </a:gs>
+          </a:gsLst>
+          <a:lin ang="5400000" scaled="0"/>
+        </a:gradFill>
+        <a:gradFill rotWithShape="1">
+          <a:gsLst>
+            <a:gs pos="0">
+              <a:schemeClr val="phClr">
+                <a:satMod val="103000"/>
+                <a:lumMod val="102000"/>
+                <a:tint val="94000"/>
+              </a:schemeClr>
+            </a:gs>
+            <a:gs pos="50000">
+              <a:schemeClr val="phClr">
+                <a:satMod val="110000"/>
+                <a:lumMod val="100000"/>
+                <a:shade val="100000"/>
+              </a:schemeClr>
+            </a:gs>
+            <a:gs pos="100000">
+              <a:schemeClr val="phClr">
+                <a:lumMod val="99000"/>
+                <a:satMod val="120000"/>
+                <a:shade val="78000"/>
+              </a:schemeClr>
+            </a:gs>
+          </a:gsLst>
+          <a:lin ang="5400000" scaled="0"/>
+        </a:gradFill>
+      </a:fillStyleLst>
+      <a:lnStyleLst>
+        <a:ln w="6350" cap="flat" cmpd="sng" algn="ctr">
+          <a:solidFill>
+            <a:schemeClr val="phClr"/>
+          </a:solidFill>
+          <a:prstDash val="solid"/>
+          <a:miter lim="800000"/>
+        </a:ln>
+        <a:ln w="12700" cap="flat" cmpd="sng" algn="ctr">
+          <a:solidFill>
+            <a:schemeClr val="phClr"/>
+          </a:solidFill>
+          <a:prstDash val="solid"/>
+          <a:miter lim="800000"/>
+        </a:ln>
+        <a:ln w="19050" cap="flat" cmpd="sng" algn="ctr">
+          <a:solidFill>
+            <a:schemeClr val="phClr"/>
+          </a:solidFill>
+          <a:prstDash val="solid"/>
+          <a:miter lim="800000"/>
+        </a:ln>
+      </a:lnStyleLst>
+      <a:effectStyleLst>
+        <a:effectStyle>
+          <a:effectLst/>
+        </a:effectStyle>
+        <a:effectStyle>
+          <a:effectLst/>
+        </a:effectStyle>
+        <a:effectStyle>
+          <a:effectLst>
+            <a:outerShdw blurRad="57150" dist="19050" dir="5400000" algn="ctr" rotWithShape="0">
+              <a:srgbClr val="000000">
+                <a:alpha val="63000"/>
+              </a:srgbClr>
+            </a:outerShdw>
+          </a:effectLst>
+        </a:effectStyle>
+      </a:effectStyleLst>
+      <a:bgFillStyleLst>
+        <a:solidFill>
+          <a:schemeClr val="phClr"/>
+        </a:solidFill>
+        <a:solidFill>
+          <a:schemeClr val="phClr">
+            <a:tint val="95000"/>
+            <a:satMod val="170000"/>
+          </a:schemeClr>
+        </a:solidFill>
+        <a:gradFill rotWithShape="1">
+          <a:gsLst>
+            <a:gs pos="0">
+              <a:schemeClr val="phClr">
+                <a:tint val="93000"/>
+                <a:satMod val="150000"/>
+                <a:shade val="98000"/>
+                <a:lumMod val="102000"/>
+              </a:schemeClr>
+            </a:gs>
+            <a:gs pos="50000">
+              <a:schemeClr val="phClr">
+                <a:tint val="98000"/>
+                <a:satMod val="130000"/>
+                <a:shade val="90000"/>
+                <a:lumMod val="103000"/>
+              </a:schemeClr>
+            </a:gs>
+            <a:gs pos="100000">
+              <a:schemeClr val="phClr">
+                <a:shade val="63000"/>
+                <a:satMod val="120000"/>
+              </a:schemeClr>
+            </a:gs>
+          </a:gsLst>
+          <a:lin ang="5400000" scaled="0"/>
+        </a:gradFill>
+      </a:bgFillStyleLst>
+    </a:fmtScheme>
+  </a:themeElements>
+  <a:objectDefaults/>
+  <a:extraClrSchemeLst/>
+  <a:extLst>
+    <a:ext uri="{05A4C25C-085E-4340-85A3-A5531E510DB2}">
+      <thm15:themeFamily xmlns:thm15="http://schemas.microsoft.com/office/thememl/2012/main" name="Office Theme" id="{62F939B6-93AF-4DB8-9C6B-D6C7DFDC589F}" vid="{4A3C46E8-61CC-4603-A589-7422A47A8E4A}"/>
+    </a:ext>
+  </a:extLst>
+</a:theme>
+</file>
+
+<file path=ppt/theme/theme3.xml><?xml version="1.0" encoding="utf-8"?>
+<a:theme xmlns:a="http://schemas.openxmlformats.org/drawingml/2006/main" name="BLANK">
+  <a:themeElements>
+    <a:clrScheme name="Office">
+      <a:dk1>
+        <a:sysClr val="windowText" lastClr="000000"/>
+      </a:dk1>
+      <a:lt1>
+        <a:sysClr val="window" lastClr="FFFFFF"/>
+      </a:lt1>
+      <a:dk2>
+        <a:srgbClr val="44546A"/>
+      </a:dk2>
+      <a:lt2>
+        <a:srgbClr val="E7E6E6"/>
+      </a:lt2>
+      <a:accent1>
+        <a:srgbClr val="4472C4"/>
+      </a:accent1>
+      <a:accent2>
+        <a:srgbClr val="ED7D31"/>
+      </a:accent2>
+      <a:accent3>
+        <a:srgbClr val="A5A5A5"/>
+      </a:accent3>
+      <a:accent4>
+        <a:srgbClr val="FFC000"/>
+      </a:accent4>
+      <a:accent5>
+        <a:srgbClr val="5B9BD5"/>
+      </a:accent5>
+      <a:accent6>
+        <a:srgbClr val="70AD47"/>
+      </a:accent6>
+      <a:hlink>
+        <a:srgbClr val="0563C1"/>
+      </a:hlink>
+      <a:folHlink>
+        <a:srgbClr val="954F72"/>
+      </a:folHlink>
+    </a:clrScheme>
+    <a:fontScheme name="Office">
+      <a:majorFont>
+        <a:latin typeface="Calibri Light" panose="020F0302020204030204"/>
+        <a:ea typeface=""/>
+        <a:cs typeface=""/>
+        <a:font script="Jpan" typeface="游ゴシック Light"/>
+        <a:font script="Hang" typeface="맑은 고딕"/>
+        <a:font script="Hans" typeface="等线 Light"/>
+        <a:font script="Hant" typeface="新細明體"/>
+        <a:font script="Arab" typeface="Times New Roman"/>
+        <a:font script="Hebr" typeface="Times New Roman"/>
+        <a:font script="Thai" typeface="Angsana New"/>
+        <a:font script="Ethi" typeface="Nyala"/>
+        <a:font script="Beng" typeface="Vrinda"/>
+        <a:font script="Gujr" typeface="Shruti"/>
+        <a:font script="Khmr" typeface="MoolBoran"/>
+        <a:font script="Knda" typeface="Tunga"/>
+        <a:font script="Guru" typeface="Raavi"/>
+        <a:font script="Cans" typeface="Euphemia"/>
+        <a:font script="Cher" typeface="Plantagenet Cherokee"/>
+        <a:font script="Yiii" typeface="Microsoft Yi Baiti"/>
+        <a:font script="Tibt" typeface="Microsoft Himalaya"/>
+        <a:font script="Thaa" typeface="MV Boli"/>
+        <a:font script="Deva" typeface="Mangal"/>
+        <a:font script="Telu" typeface="Gautami"/>
+        <a:font script="Taml" typeface="Latha"/>
+        <a:font script="Syrc" typeface="Estrangelo Edessa"/>
+        <a:font script="Orya" typeface="Kalinga"/>
+        <a:font script="Mlym" typeface="Kartika"/>
+        <a:font script="Laoo" typeface="DokChampa"/>
+        <a:font script="Sinh" typeface="Iskoola Pota"/>
+        <a:font script="Mong" typeface="Mongolian Baiti"/>
+        <a:font script="Viet" typeface="Times New Roman"/>
+        <a:font script="Uigh" typeface="Microsoft Uighur"/>
+        <a:font script="Geor" typeface="Sylfaen"/>
+        <a:font script="Armn" typeface="Arial"/>
+        <a:font script="Bugi" typeface="Leelawadee UI"/>
+        <a:font script="Bopo" typeface="Microsoft JhengHei"/>
+        <a:font script="Java" typeface="Javanese Text"/>
+        <a:font script="Lisu" typeface="Segoe UI"/>
+        <a:font script="Mymr" typeface="Myanmar Text"/>
+        <a:font script="Nkoo" typeface="Ebrima"/>
+        <a:font script="Olck" typeface="Nirmala UI"/>
+        <a:font script="Osma" typeface="Ebrima"/>
+        <a:font script="Phag" typeface="Phagspa"/>
+        <a:font script="Syrn" typeface="Estrangelo Edessa"/>
+        <a:font script="Syrj" typeface="Estrangelo Edessa"/>
+        <a:font script="Syre" typeface="Estrangelo Edessa"/>
+        <a:font script="Sora" typeface="Nirmala UI"/>
+        <a:font script="Tale" typeface="Microsoft Tai Le"/>
+        <a:font script="Talu" typeface="Microsoft New Tai Lue"/>
+        <a:font script="Tfng" typeface="Ebrima"/>
+      </a:majorFont>
+      <a:minorFont>
+        <a:latin typeface="Calibri" panose="020F0502020204030204"/>
+        <a:ea typeface=""/>
+        <a:cs typeface=""/>
+        <a:font script="Jpan" typeface="游ゴシック"/>
+        <a:font script="Hang" typeface="맑은 고딕"/>
+        <a:font script="Hans" typeface="等线"/>
+        <a:font script="Hant" typeface="新細明體"/>
+        <a:font script="Arab" typeface="Arial"/>
+        <a:font script="Hebr" typeface="Arial"/>
+        <a:font script="Thai" typeface="Cordia New"/>
+        <a:font script="Ethi" typeface="Nyala"/>
+        <a:font script="Beng" typeface="Vrinda"/>
+        <a:font script="Gujr" typeface="Shruti"/>
+        <a:font script="Khmr" typeface="DaunPenh"/>
+        <a:font script="Knda" typeface="Tunga"/>
+        <a:font script="Guru" typeface="Raavi"/>
+        <a:font script="Cans" typeface="Euphemia"/>
+        <a:font script="Cher" typeface="Plantagenet Cherokee"/>
+        <a:font script="Yiii" typeface="Microsoft Yi Baiti"/>
+        <a:font script="Tibt" typeface="Microsoft Himalaya"/>
+        <a:font script="Thaa" typeface="MV Boli"/>
+        <a:font script="Deva" typeface="Mangal"/>
+        <a:font script="Telu" typeface="Gautami"/>
+        <a:font script="Taml" typeface="Latha"/>
+        <a:font script="Syrc" typeface="Estrangelo Edessa"/>
+        <a:font script="Orya" typeface="Kalinga"/>
+        <a:font script="Mlym" typeface="Kartika"/>
+        <a:font script="Laoo" typeface="DokChampa"/>
+        <a:font script="Sinh" typeface="Iskoola Pota"/>
+        <a:font script="Mong" typeface="Mongolian Baiti"/>
+        <a:font script="Viet" typeface="Arial"/>
+        <a:font script="Uigh" typeface="Microsoft Uighur"/>
+        <a:font script="Geor" typeface="Sylfaen"/>
+        <a:font script="Armn" typeface="Arial"/>
+        <a:font script="Bugi" typeface="Leelawadee UI"/>
+        <a:font script="Bopo" typeface="Microsoft JhengHei"/>
+        <a:font script="Java" typeface="Javanese Text"/>
+        <a:font script="Lisu" typeface="Segoe UI"/>
+        <a:font script="Mymr" typeface="Myanmar Text"/>
+        <a:font script="Nkoo" typeface="Ebrima"/>
+        <a:font script="Olck" typeface="Nirmala UI"/>
+        <a:font script="Osma" typeface="Ebrima"/>
+        <a:font script="Phag" typeface="Phagspa"/>
+        <a:font script="Syrn" typeface="Estrangelo Edessa"/>
+        <a:font script="Syrj" typeface="Estrangelo Edessa"/>
+        <a:font script="Syre" typeface="Estrangelo Edessa"/>
+        <a:font script="Sora" typeface="Nirmala UI"/>
+        <a:font script="Tale" typeface="Microsoft Tai Le"/>
+        <a:font script="Talu" typeface="Microsoft New Tai Lue"/>
+        <a:font script="Tfng" typeface="Ebrima"/>
+      </a:minorFont>
+    </a:fontScheme>
+    <a:fmtScheme name="Office">
+      <a:fillStyleLst>
+        <a:solidFill>
+          <a:schemeClr val="phClr"/>
+        </a:solidFill>
+        <a:gradFill rotWithShape="1">
+          <a:gsLst>
+            <a:gs pos="0">
+              <a:schemeClr val="phClr">
+                <a:lumMod val="110000"/>
+                <a:satMod val="105000"/>
+                <a:tint val="67000"/>
+              </a:schemeClr>
+            </a:gs>
+            <a:gs pos="50000">
+              <a:schemeClr val="phClr">
+                <a:lumMod val="105000"/>
+                <a:satMod val="103000"/>
+                <a:tint val="73000"/>
+              </a:schemeClr>
+            </a:gs>
+            <a:gs pos="100000">
+              <a:schemeClr val="phClr">
+                <a:lumMod val="105000"/>
+                <a:satMod val="109000"/>
+                <a:tint val="81000"/>
+              </a:schemeClr>
+            </a:gs>
+          </a:gsLst>
+          <a:lin ang="5400000" scaled="0"/>
+        </a:gradFill>
+        <a:gradFill rotWithShape="1">
+          <a:gsLst>
+            <a:gs pos="0">
+              <a:schemeClr val="phClr">
+                <a:satMod val="103000"/>
+                <a:lumMod val="102000"/>
+                <a:tint val="94000"/>
+              </a:schemeClr>
+            </a:gs>
+            <a:gs pos="50000">
+              <a:schemeClr val="phClr">
+                <a:satMod val="110000"/>
+                <a:lumMod val="100000"/>
+                <a:shade val="100000"/>
+              </a:schemeClr>
+            </a:gs>
+            <a:gs pos="100000">
+              <a:schemeClr val="phClr">
+                <a:lumMod val="99000"/>
+                <a:satMod val="120000"/>
+                <a:shade val="78000"/>
+              </a:schemeClr>
+            </a:gs>
+          </a:gsLst>
+          <a:lin ang="5400000" scaled="0"/>
+        </a:gradFill>
+      </a:fillStyleLst>
+      <a:lnStyleLst>
+        <a:ln w="6350" cap="flat" cmpd="sng" algn="ctr">
+          <a:solidFill>
+            <a:schemeClr val="phClr"/>
+          </a:solidFill>
+          <a:prstDash val="solid"/>
+          <a:miter lim="800000"/>
+        </a:ln>
+        <a:ln w="12700" cap="flat" cmpd="sng" algn="ctr">
+          <a:solidFill>
+            <a:schemeClr val="phClr"/>
+          </a:solidFill>
+          <a:prstDash val="solid"/>
+          <a:miter lim="800000"/>
+        </a:ln>
+        <a:ln w="19050" cap="flat" cmpd="sng" algn="ctr">
+          <a:solidFill>
+            <a:schemeClr val="phClr"/>
+          </a:solidFill>
+          <a:prstDash val="solid"/>
+          <a:miter lim="800000"/>
+        </a:ln>
+      </a:lnStyleLst>
+      <a:effectStyleLst>
+        <a:effectStyle>
+          <a:effectLst/>
+        </a:effectStyle>
+        <a:effectStyle>
+          <a:effectLst/>
+        </a:effectStyle>
+        <a:effectStyle>
+          <a:effectLst>
+            <a:outerShdw blurRad="57150" dist="19050" dir="5400000" algn="ctr" rotWithShape="0">
+              <a:srgbClr val="000000">
+                <a:alpha val="63000"/>
+              </a:srgbClr>
+            </a:outerShdw>
+          </a:effectLst>
+        </a:effectStyle>
+      </a:effectStyleLst>
+      <a:bgFillStyleLst>
+        <a:solidFill>
+          <a:schemeClr val="phClr"/>
+        </a:solidFill>
+        <a:solidFill>
+          <a:schemeClr val="phClr">
+            <a:tint val="95000"/>
+            <a:satMod val="170000"/>
+          </a:schemeClr>
+        </a:solidFill>
+        <a:gradFill rotWithShape="1">
+          <a:gsLst>
+            <a:gs pos="0">
+              <a:schemeClr val="phClr">
+                <a:tint val="93000"/>
+                <a:satMod val="150000"/>
+                <a:shade val="98000"/>
+                <a:lumMod val="102000"/>
+              </a:schemeClr>
+            </a:gs>
+            <a:gs pos="50000">
+              <a:schemeClr val="phClr">
+                <a:tint val="98000"/>
+                <a:satMod val="130000"/>
+                <a:shade val="90000"/>
+                <a:lumMod val="103000"/>
+              </a:schemeClr>
+            </a:gs>
+            <a:gs pos="100000">
+              <a:schemeClr val="phClr">
+                <a:shade val="63000"/>
+                <a:satMod val="120000"/>
+              </a:schemeClr>
+            </a:gs>
+          </a:gsLst>
+          <a:lin ang="5400000" scaled="0"/>
+        </a:gradFill>
+      </a:bgFillStyleLst>
+    </a:fmtScheme>
+  </a:themeElements>
+  <a:objectDefaults/>
+  <a:extraClrSchemeLst/>
+  <a:extLst>
+    <a:ext uri="{05A4C25C-085E-4340-85A3-A5531E510DB2}">
+      <thm15:themeFamily xmlns:thm15="http://schemas.microsoft.com/office/thememl/2012/main" name="Office Theme" id="{62F939B6-93AF-4DB8-9C6B-D6C7DFDC589F}" vid="{4A3C46E8-61CC-4603-A589-7422A47A8E4A}"/>
+    </a:ext>
+  </a:extLst>
+</a:theme>
+</file>
+
+<file path=ppt/theme/theme4.xml><?xml version="1.0" encoding="utf-8"?>
+<a:theme xmlns:a="http://schemas.openxmlformats.org/drawingml/2006/main" name="Office Theme">
+  <a:themeElements>
+    <a:clrScheme name="Office">
+      <a:dk1>
+        <a:sysClr val="windowText" lastClr="000000"/>
+      </a:dk1>
+      <a:lt1>
+        <a:sysClr val="window" lastClr="FFFFFF"/>
+      </a:lt1>
+      <a:dk2>
+        <a:srgbClr val="44546A"/>
+      </a:dk2>
+      <a:lt2>
+        <a:srgbClr val="E7E6E6"/>
+      </a:lt2>
+      <a:accent1>
+        <a:srgbClr val="4472C4"/>
+      </a:accent1>
+      <a:accent2>
+        <a:srgbClr val="ED7D31"/>
+      </a:accent2>
+      <a:accent3>
+        <a:srgbClr val="A5A5A5"/>
+      </a:accent3>
+      <a:accent4>
+        <a:srgbClr val="FFC000"/>
+      </a:accent4>
+      <a:accent5>
+        <a:srgbClr val="5B9BD5"/>
+      </a:accent5>
+      <a:accent6>
+        <a:srgbClr val="70AD47"/>
+      </a:accent6>
+      <a:hlink>
+        <a:srgbClr val="0563C1"/>
+      </a:hlink>
+      <a:folHlink>
+        <a:srgbClr val="954F72"/>
+      </a:folHlink>
+    </a:clrScheme>
+    <a:fontScheme name="Office">
+      <a:majorFont>
+        <a:latin typeface="Calibri Light" panose="020F0302020204030204"/>
+        <a:ea typeface=""/>
+        <a:cs typeface=""/>
+        <a:font script="Jpan" typeface="游ゴシック Light"/>
+        <a:font script="Hang" typeface="맑은 고딕"/>
+        <a:font script="Hans" typeface="等线 Light"/>
+        <a:font script="Hant" typeface="新細明體"/>
+        <a:font script="Arab" typeface="Times New Roman"/>
+        <a:font script="Hebr" typeface="Times New Roman"/>
+        <a:font script="Thai" typeface="Angsana New"/>
+        <a:font script="Ethi" typeface="Nyala"/>
+        <a:font script="Beng" typeface="Vrinda"/>
+        <a:font script="Gujr" typeface="Shruti"/>
+        <a:font script="Khmr" typeface="MoolBoran"/>
+        <a:font script="Knda" typeface="Tunga"/>
+        <a:font script="Guru" typeface="Raavi"/>
+        <a:font script="Cans" typeface="Euphemia"/>
+        <a:font script="Cher" typeface="Plantagenet Cherokee"/>
+        <a:font script="Yiii" typeface="Microsoft Yi Baiti"/>
+        <a:font script="Tibt" typeface="Microsoft Himalaya"/>
+        <a:font script="Thaa" typeface="MV Boli"/>
+        <a:font script="Deva" typeface="Mangal"/>
+        <a:font script="Telu" typeface="Gautami"/>
+        <a:font script="Taml" typeface="Latha"/>
+        <a:font script="Syrc" typeface="Estrangelo Edessa"/>
+        <a:font script="Orya" typeface="Kalinga"/>
+        <a:font script="Mlym" typeface="Kartika"/>
+        <a:font script="Laoo" typeface="DokChampa"/>
+        <a:font script="Sinh" typeface="Iskoola Pota"/>
+        <a:font script="Mong" typeface="Mongolian Baiti"/>
+        <a:font script="Viet" typeface="Times New Roman"/>
+        <a:font script="Uigh" typeface="Microsoft Uighur"/>
+        <a:font script="Geor" typeface="Sylfaen"/>
+        <a:font script="Armn" typeface="Arial"/>
+        <a:font script="Bugi" typeface="Leelawadee UI"/>
+        <a:font script="Bopo" typeface="Microsoft JhengHei"/>
+        <a:font script="Java" typeface="Javanese Text"/>
+        <a:font script="Lisu" typeface="Segoe UI"/>
+        <a:font script="Mymr" typeface="Myanmar Text"/>
+        <a:font script="Nkoo" typeface="Ebrima"/>
+        <a:font script="Olck" typeface="Nirmala UI"/>
+        <a:font script="Osma" typeface="Ebrima"/>
+        <a:font script="Phag" typeface="Phagspa"/>
+        <a:font script="Syrn" typeface="Estrangelo Edessa"/>
+        <a:font script="Syrj" typeface="Estrangelo Edessa"/>
+        <a:font script="Syre" typeface="Estrangelo Edessa"/>
+        <a:font script="Sora" typeface="Nirmala UI"/>
+        <a:font script="Tale" typeface="Microsoft Tai Le"/>
+        <a:font script="Talu" typeface="Microsoft New Tai Lue"/>
+        <a:font script="Tfng" typeface="Ebrima"/>
+      </a:majorFont>
+      <a:minorFont>
+        <a:latin typeface="Calibri" panose="020F0502020204030204"/>
+        <a:ea typeface=""/>
+        <a:cs typeface=""/>
+        <a:font script="Jpan" typeface="游ゴシック"/>
+        <a:font script="Hang" typeface="맑은 고딕"/>
+        <a:font script="Hans" typeface="等线"/>
+        <a:font script="Hant" typeface="新細明體"/>
+        <a:font script="Arab" typeface="Arial"/>
+        <a:font script="Hebr" typeface="Arial"/>
+        <a:font script="Thai" typeface="Cordia New"/>
+        <a:font script="Ethi" typeface="Nyala"/>
+        <a:font script="Beng" typeface="Vrinda"/>
+        <a:font script="Gujr" typeface="Shruti"/>
+        <a:font script="Khmr" typeface="DaunPenh"/>
+        <a:font script="Knda" typeface="Tunga"/>
+        <a:font script="Guru" typeface="Raavi"/>
+        <a:font script="Cans" typeface="Euphemia"/>
+        <a:font script="Cher" typeface="Plantagenet Cherokee"/>
+        <a:font script="Yiii" typeface="Microsoft Yi Baiti"/>
+        <a:font script="Tibt" typeface="Microsoft Himalaya"/>
+        <a:font script="Thaa" typeface="MV Boli"/>
+        <a:font script="Deva" typeface="Mangal"/>
+        <a:font script="Telu" typeface="Gautami"/>
+        <a:font script="Taml" typeface="Latha"/>
+        <a:font script="Syrc" typeface="Estrangelo Edessa"/>
+        <a:font script="Orya" typeface="Kalinga"/>
+        <a:font script="Mlym" typeface="Kartika"/>
+        <a:font script="Laoo" typeface="DokChampa"/>
+        <a:font script="Sinh" typeface="Iskoola Pota"/>
+        <a:font script="Mong" typeface="Mongolian Baiti"/>
+        <a:font script="Viet" typeface="Arial"/>
+        <a:font script="Uigh" typeface="Microsoft Uighur"/>
+        <a:font script="Geor" typeface="Sylfaen"/>
+        <a:font script="Armn" typeface="Arial"/>
+        <a:font script="Bugi" typeface="Leelawadee UI"/>
+        <a:font script="Bopo" typeface="Microsoft JhengHei"/>
+        <a:font script="Java" typeface="Javanese Text"/>
+        <a:font script="Lisu" typeface="Segoe UI"/>
+        <a:font script="Mymr" typeface="Myanmar Text"/>
+        <a:font script="Nkoo" typeface="Ebrima"/>
+        <a:font script="Olck" typeface="Nirmala UI"/>
+        <a:font script="Osma" typeface="Ebrima"/>
+        <a:font script="Phag" typeface="Phagspa"/>
+        <a:font script="Syrn" typeface="Estrangelo Edessa"/>
+        <a:font script="Syrj" typeface="Estrangelo Edessa"/>
+        <a:font script="Syre" typeface="Estrangelo Edessa"/>
+        <a:font script="Sora" typeface="Nirmala UI"/>
+        <a:font script="Tale" typeface="Microsoft Tai Le"/>
+        <a:font script="Talu" typeface="Microsoft New Tai Lue"/>
+        <a:font script="Tfng" typeface="Ebrima"/>
+      </a:minorFont>
+    </a:fontScheme>
+    <a:fmtScheme name="Office">
+      <a:fillStyleLst>
+        <a:solidFill>
+          <a:schemeClr val="phClr"/>
+        </a:solidFill>
+        <a:gradFill rotWithShape="1">
+          <a:gsLst>
+            <a:gs pos="0">
+              <a:schemeClr val="phClr">
+                <a:lumMod val="110000"/>
+                <a:satMod val="105000"/>
+                <a:tint val="67000"/>
+              </a:schemeClr>
+            </a:gs>
+            <a:gs pos="50000">
+              <a:schemeClr val="phClr">
+                <a:lumMod val="105000"/>
+                <a:satMod val="103000"/>
+                <a:tint val="73000"/>
+              </a:schemeClr>
+            </a:gs>
+            <a:gs pos="100000">
+              <a:schemeClr val="phClr">
+                <a:lumMod val="105000"/>
+                <a:satMod val="109000"/>
+                <a:tint val="81000"/>
+              </a:schemeClr>
+            </a:gs>
+          </a:gsLst>
+          <a:lin ang="5400000" scaled="0"/>
+        </a:gradFill>
+        <a:gradFill rotWithShape="1">
+          <a:gsLst>
+            <a:gs pos="0">
+              <a:schemeClr val="phClr">
+                <a:satMod val="103000"/>
+                <a:lumMod val="102000"/>
+                <a:tint val="94000"/>
+              </a:schemeClr>
+            </a:gs>
+            <a:gs pos="50000">
+              <a:schemeClr val="phClr">
+                <a:satMod val="110000"/>
+                <a:lumMod val="100000"/>
+                <a:shade val="100000"/>
+              </a:schemeClr>
+            </a:gs>
+            <a:gs pos="100000">
+              <a:schemeClr val="phClr">
+                <a:lumMod val="99000"/>
+                <a:satMod val="120000"/>
+                <a:shade val="78000"/>
+              </a:schemeClr>
+            </a:gs>
+          </a:gsLst>
+          <a:lin ang="5400000" scaled="0"/>
+        </a:gradFill>
+      </a:fillStyleLst>
+      <a:lnStyleLst>
+        <a:ln w="6350" cap="flat" cmpd="sng" algn="ctr">
+          <a:solidFill>
+            <a:schemeClr val="phClr"/>
+          </a:solidFill>
+          <a:prstDash val="solid"/>
+          <a:miter lim="800000"/>
+        </a:ln>
+        <a:ln w="12700" cap="flat" cmpd="sng" algn="ctr">
+          <a:solidFill>
+            <a:schemeClr val="phClr"/>
+          </a:solidFill>
+          <a:prstDash val="solid"/>
+          <a:miter lim="800000"/>
+        </a:ln>
+        <a:ln w="19050" cap="flat" cmpd="sng" algn="ctr">
+          <a:solidFill>
+            <a:schemeClr val="phClr"/>
+          </a:solidFill>
+          <a:prstDash val="solid"/>
+          <a:miter lim="800000"/>
+        </a:ln>
+      </a:lnStyleLst>
+      <a:effectStyleLst>
+        <a:effectStyle>
+          <a:effectLst/>
+        </a:effectStyle>
+        <a:effectStyle>
+          <a:effectLst/>
+        </a:effectStyle>
+        <a:effectStyle>
+          <a:effectLst>
+            <a:outerShdw blurRad="57150" dist="19050" dir="5400000" algn="ctr" rotWithShape="0">
+              <a:srgbClr val="000000">
+                <a:alpha val="63000"/>
+              </a:srgbClr>
+            </a:outerShdw>
+          </a:effectLst>
+        </a:effectStyle>
+      </a:effectStyleLst>
+      <a:bgFillStyleLst>
+        <a:solidFill>
+          <a:schemeClr val="phClr"/>
+        </a:solidFill>
+        <a:solidFill>
+          <a:schemeClr val="phClr">
+            <a:tint val="95000"/>
+            <a:satMod val="170000"/>
+          </a:schemeClr>
+        </a:solidFill>
+        <a:gradFill rotWithShape="1">
+          <a:gsLst>
+            <a:gs pos="0">
+              <a:schemeClr val="phClr">
+                <a:tint val="93000"/>
+                <a:satMod val="150000"/>
+                <a:shade val="98000"/>
+                <a:lumMod val="102000"/>
+              </a:schemeClr>
+            </a:gs>
+            <a:gs pos="50000">
+              <a:schemeClr val="phClr">
+                <a:tint val="98000"/>
+                <a:satMod val="130000"/>
+                <a:shade val="90000"/>
+                <a:lumMod val="103000"/>
+              </a:schemeClr>
+            </a:gs>
+            <a:gs pos="100000">
+              <a:schemeClr val="phClr">
+                <a:shade val="63000"/>
+                <a:satMod val="120000"/>
+              </a:schemeClr>
+            </a:gs>
+          </a:gsLst>
+          <a:lin ang="5400000" scaled="0"/>
+        </a:gradFill>
+      </a:bgFillStyleLst>
+    </a:fmtScheme>
+  </a:themeElements>
+  <a:objectDefaults/>
+  <a:extraClrSchemeLst/>
+  <a:extLst>
+    <a:ext uri="{05A4C25C-085E-4340-85A3-A5531E510DB2}">
+      <thm15:themeFamily xmlns:thm15="http://schemas.microsoft.com/office/thememl/2012/main" name="Office Theme" id="{62F939B6-93AF-4DB8-9C6B-D6C7DFDC589F}" vid="{4A3C46E8-61CC-4603-A589-7422A47A8E4A}"/>
+    </a:ext>
+  </a:extLst>
+</a:theme>
 </file>
--- a/Presentation/theDAM_presentation.pptx
+++ b/Presentation/theDAM_presentation.pptx
@@ -7,10 +7,12 @@
     <p:sldMasterId id="2147483688" r:id="rId3"/>
   </p:sldMasterIdLst>
   <p:handoutMasterIdLst>
-    <p:handoutMasterId r:id="rId5"/>
+    <p:handoutMasterId r:id="rId7"/>
   </p:handoutMasterIdLst>
   <p:sldIdLst>
     <p:sldId id="256" r:id="rId4"/>
+    <p:sldId id="257" r:id="rId5"/>
+    <p:sldId id="258" r:id="rId6"/>
   </p:sldIdLst>
   <p:sldSz cx="12192000" cy="6858000"/>
   <p:notesSz cx="6858000" cy="9144000"/>
@@ -3389,7 +3391,7 @@
           </a:ln>
           <a:extLst>
             <a:ext uri="{C572A759-6A51-4108-AA02-DFA0A04FC94B}">
-              <ma14:wrappingTextBoxFlag xmlns="" xmlns:m="http://schemas.openxmlformats.org/officeDocument/2006/math" xmlns:a14="http://schemas.microsoft.com/office/drawing/2010/main" xmlns:ma14="http://schemas.microsoft.com/office/mac/drawingml/2011/main" val="1"/>
+              <ma14:wrappingTextBoxFlag xmlns:ma14="http://schemas.microsoft.com/office/mac/drawingml/2011/main" xmlns:a14="http://schemas.microsoft.com/office/drawing/2010/main" xmlns:m="http://schemas.openxmlformats.org/officeDocument/2006/math" xmlns="" val="1"/>
             </a:ext>
           </a:extLst>
         </p:spPr>
@@ -7211,6 +7213,193 @@
     <p:extLst>
       <p:ext uri="{BB962C8B-B14F-4D97-AF65-F5344CB8AC3E}">
         <p14:creationId xmlns:p14="http://schemas.microsoft.com/office/powerpoint/2010/main" val="1050575768"/>
+      </p:ext>
+    </p:extLst>
+  </p:cSld>
+  <p:clrMapOvr>
+    <a:masterClrMapping/>
+  </p:clrMapOvr>
+</p:sld>
+</file>
+
+<file path=ppt/slides/slide2.xml><?xml version="1.0" encoding="utf-8"?>
+<p:sld xmlns:a="http://schemas.openxmlformats.org/drawingml/2006/main" xmlns:r="http://schemas.openxmlformats.org/officeDocument/2006/relationships" xmlns:p="http://schemas.openxmlformats.org/presentationml/2006/main">
+  <p:cSld>
+    <p:spTree>
+      <p:nvGrpSpPr>
+        <p:cNvPr id="1" name=""/>
+        <p:cNvGrpSpPr/>
+        <p:nvPr/>
+      </p:nvGrpSpPr>
+      <p:grpSpPr>
+        <a:xfrm>
+          <a:off x="0" y="0"/>
+          <a:ext cx="0" cy="0"/>
+          <a:chOff x="0" y="0"/>
+          <a:chExt cx="0" cy="0"/>
+        </a:xfrm>
+      </p:grpSpPr>
+      <p:sp>
+        <p:nvSpPr>
+          <p:cNvPr id="2" name="Title 1">
+            <a:extLst>
+              <a:ext uri="{FF2B5EF4-FFF2-40B4-BE49-F238E27FC236}">
+                <a16:creationId xmlns:a16="http://schemas.microsoft.com/office/drawing/2014/main" id="{E69AD55E-0D3C-4141-BBA6-E70AF1C79EB2}"/>
+              </a:ext>
+            </a:extLst>
+          </p:cNvPr>
+          <p:cNvSpPr>
+            <a:spLocks noGrp="1"/>
+          </p:cNvSpPr>
+          <p:nvPr>
+            <p:ph type="title"/>
+          </p:nvPr>
+        </p:nvSpPr>
+        <p:spPr/>
+        <p:txBody>
+          <a:bodyPr>
+            <a:normAutofit/>
+          </a:bodyPr>
+          <a:lstStyle/>
+          <a:p>
+            <a:r>
+              <a:rPr lang="en-US" sz="4000" b="1" dirty="0"/>
+              <a:t>Hack Overview</a:t>
+            </a:r>
+          </a:p>
+        </p:txBody>
+      </p:sp>
+      <p:sp>
+        <p:nvSpPr>
+          <p:cNvPr id="3" name="Text Placeholder 2">
+            <a:extLst>
+              <a:ext uri="{FF2B5EF4-FFF2-40B4-BE49-F238E27FC236}">
+                <a16:creationId xmlns:a16="http://schemas.microsoft.com/office/drawing/2014/main" id="{7391154B-DB22-4C2B-B076-3CF7733111AD}"/>
+              </a:ext>
+            </a:extLst>
+          </p:cNvPr>
+          <p:cNvSpPr>
+            <a:spLocks noGrp="1"/>
+          </p:cNvSpPr>
+          <p:nvPr>
+            <p:ph type="body" sz="quarter" idx="10"/>
+          </p:nvPr>
+        </p:nvSpPr>
+        <p:spPr/>
+        <p:txBody>
+          <a:bodyPr/>
+          <a:lstStyle/>
+          <a:p>
+            <a:r>
+              <a:rPr lang="en-US" b="1" dirty="0"/>
+              <a:t>Problem: </a:t>
+            </a:r>
+            <a:r>
+              <a:rPr lang="en-US" dirty="0"/>
+              <a:t>Organizations have hundreds or thousands of Dynamo graphs. Users may be not aware of everything that is available, especially when offices are global.</a:t>
+            </a:r>
+          </a:p>
+          <a:p>
+            <a:r>
+              <a:rPr lang="en-US" b="1" dirty="0"/>
+              <a:t>Goal: </a:t>
+            </a:r>
+            <a:r>
+              <a:rPr lang="en-US" dirty="0"/>
+              <a:t>Organize and search existing Dynamo graphs.</a:t>
+            </a:r>
+          </a:p>
+        </p:txBody>
+      </p:sp>
+    </p:spTree>
+    <p:extLst>
+      <p:ext uri="{BB962C8B-B14F-4D97-AF65-F5344CB8AC3E}">
+        <p14:creationId xmlns:p14="http://schemas.microsoft.com/office/powerpoint/2010/main" val="2725291547"/>
+      </p:ext>
+    </p:extLst>
+  </p:cSld>
+  <p:clrMapOvr>
+    <a:masterClrMapping/>
+  </p:clrMapOvr>
+</p:sld>
+</file>
+
+<file path=ppt/slides/slide3.xml><?xml version="1.0" encoding="utf-8"?>
+<p:sld xmlns:a="http://schemas.openxmlformats.org/drawingml/2006/main" xmlns:r="http://schemas.openxmlformats.org/officeDocument/2006/relationships" xmlns:p="http://schemas.openxmlformats.org/presentationml/2006/main">
+  <p:cSld>
+    <p:spTree>
+      <p:nvGrpSpPr>
+        <p:cNvPr id="1" name=""/>
+        <p:cNvGrpSpPr/>
+        <p:nvPr/>
+      </p:nvGrpSpPr>
+      <p:grpSpPr>
+        <a:xfrm>
+          <a:off x="0" y="0"/>
+          <a:ext cx="0" cy="0"/>
+          <a:chOff x="0" y="0"/>
+          <a:chExt cx="0" cy="0"/>
+        </a:xfrm>
+      </p:grpSpPr>
+      <p:sp>
+        <p:nvSpPr>
+          <p:cNvPr id="2" name="Title 1">
+            <a:extLst>
+              <a:ext uri="{FF2B5EF4-FFF2-40B4-BE49-F238E27FC236}">
+                <a16:creationId xmlns:a16="http://schemas.microsoft.com/office/drawing/2014/main" id="{E69AD55E-0D3C-4141-BBA6-E70AF1C79EB2}"/>
+              </a:ext>
+            </a:extLst>
+          </p:cNvPr>
+          <p:cNvSpPr>
+            <a:spLocks noGrp="1"/>
+          </p:cNvSpPr>
+          <p:nvPr>
+            <p:ph type="title"/>
+          </p:nvPr>
+        </p:nvSpPr>
+        <p:spPr/>
+        <p:txBody>
+          <a:bodyPr>
+            <a:normAutofit/>
+          </a:bodyPr>
+          <a:lstStyle/>
+          <a:p>
+            <a:r>
+              <a:rPr lang="en-US" sz="4000" b="1" dirty="0"/>
+              <a:t>Hack Outcomes</a:t>
+            </a:r>
+          </a:p>
+        </p:txBody>
+      </p:sp>
+      <p:sp>
+        <p:nvSpPr>
+          <p:cNvPr id="3" name="Text Placeholder 2">
+            <a:extLst>
+              <a:ext uri="{FF2B5EF4-FFF2-40B4-BE49-F238E27FC236}">
+                <a16:creationId xmlns:a16="http://schemas.microsoft.com/office/drawing/2014/main" id="{7391154B-DB22-4C2B-B076-3CF7733111AD}"/>
+              </a:ext>
+            </a:extLst>
+          </p:cNvPr>
+          <p:cNvSpPr>
+            <a:spLocks noGrp="1"/>
+          </p:cNvSpPr>
+          <p:nvPr>
+            <p:ph type="body" sz="quarter" idx="10"/>
+          </p:nvPr>
+        </p:nvSpPr>
+        <p:spPr/>
+        <p:txBody>
+          <a:bodyPr/>
+          <a:lstStyle/>
+          <a:p>
+            <a:endParaRPr lang="en-US" dirty="0"/>
+          </a:p>
+        </p:txBody>
+      </p:sp>
+    </p:spTree>
+    <p:extLst>
+      <p:ext uri="{BB962C8B-B14F-4D97-AF65-F5344CB8AC3E}">
+        <p14:creationId xmlns:p14="http://schemas.microsoft.com/office/powerpoint/2010/main" val="3946178810"/>
       </p:ext>
     </p:extLst>
   </p:cSld>
